--- a/Componentes-teoricos/Slide móvil sesión 15 semana 5.pptx
+++ b/Componentes-teoricos/Slide móvil sesión 15 semana 5.pptx
@@ -272,7 +272,7 @@
       </p15:sldGuideLst>
     </p:ext>
     <p:ext uri="http://customooxmlschemas.google.com/">
-      <go:slidesCustomData xmlns:go="http://customooxmlschemas.google.com/" r:id="rId22" roundtripDataSignature="AMtx7miuybp5HBONFyjZPi/RRwyobxz0Dg=="/>
+      <go:slidesCustomData xmlns:go="http://customooxmlschemas.google.com/" r:id="rId22" roundtripDataSignature="AMtx7mie6dYvwuRrSzYCuLD1Jub+XCiooQ=="/>
     </p:ext>
   </p:extLst>
 </p:presentation>
@@ -961,7 +961,7 @@
   <p:cSld>
     <p:spTree>
       <p:nvGrpSpPr>
-        <p:cNvPr id="195" name="Shape 195"/>
+        <p:cNvPr id="198" name="Shape 198"/>
         <p:cNvGrpSpPr/>
         <p:nvPr/>
       </p:nvGrpSpPr>
@@ -975,7 +975,7 @@
       </p:grpSpPr>
       <p:sp>
         <p:nvSpPr>
-          <p:cNvPr id="196" name="Google Shape;196;gee7056b43e_0_39:notes"/>
+          <p:cNvPr id="199" name="Google Shape;199;gf8063ff635_0_21:notes"/>
           <p:cNvSpPr txBox="1"/>
           <p:nvPr>
             <p:ph idx="1" type="body"/>
@@ -1022,7 +1022,7 @@
       </p:sp>
       <p:sp>
         <p:nvSpPr>
-          <p:cNvPr id="197" name="Google Shape;197;gee7056b43e_0_39:notes"/>
+          <p:cNvPr id="200" name="Google Shape;200;gf8063ff635_0_21:notes"/>
           <p:cNvSpPr/>
           <p:nvPr>
             <p:ph idx="2" type="sldImg"/>
@@ -1078,7 +1078,7 @@
   <p:cSld>
     <p:spTree>
       <p:nvGrpSpPr>
-        <p:cNvPr id="202" name="Shape 202"/>
+        <p:cNvPr id="206" name="Shape 206"/>
         <p:cNvGrpSpPr/>
         <p:nvPr/>
       </p:nvGrpSpPr>
@@ -1092,7 +1092,7 @@
       </p:grpSpPr>
       <p:sp>
         <p:nvSpPr>
-          <p:cNvPr id="203" name="Google Shape;203;gee7056b43e_0_45:notes"/>
+          <p:cNvPr id="207" name="Google Shape;207;gee7056b43e_0_31:notes"/>
           <p:cNvSpPr txBox="1"/>
           <p:nvPr>
             <p:ph idx="1" type="body"/>
@@ -1139,7 +1139,7 @@
       </p:sp>
       <p:sp>
         <p:nvSpPr>
-          <p:cNvPr id="204" name="Google Shape;204;gee7056b43e_0_45:notes"/>
+          <p:cNvPr id="208" name="Google Shape;208;gee7056b43e_0_31:notes"/>
           <p:cNvSpPr/>
           <p:nvPr>
             <p:ph idx="2" type="sldImg"/>
@@ -1195,7 +1195,7 @@
   <p:cSld>
     <p:spTree>
       <p:nvGrpSpPr>
-        <p:cNvPr id="208" name="Shape 208"/>
+        <p:cNvPr id="214" name="Shape 214"/>
         <p:cNvGrpSpPr/>
         <p:nvPr/>
       </p:nvGrpSpPr>
@@ -1209,7 +1209,7 @@
       </p:grpSpPr>
       <p:sp>
         <p:nvSpPr>
-          <p:cNvPr id="209" name="Google Shape;209;gee7056b43e_0_52:notes"/>
+          <p:cNvPr id="215" name="Google Shape;215;gee7056b43e_0_45:notes"/>
           <p:cNvSpPr txBox="1"/>
           <p:nvPr>
             <p:ph idx="1" type="body"/>
@@ -1256,7 +1256,7 @@
       </p:sp>
       <p:sp>
         <p:nvSpPr>
-          <p:cNvPr id="210" name="Google Shape;210;gee7056b43e_0_52:notes"/>
+          <p:cNvPr id="216" name="Google Shape;216;gee7056b43e_0_45:notes"/>
           <p:cNvSpPr/>
           <p:nvPr>
             <p:ph idx="2" type="sldImg"/>
@@ -1312,7 +1312,7 @@
   <p:cSld>
     <p:spTree>
       <p:nvGrpSpPr>
-        <p:cNvPr id="215" name="Shape 215"/>
+        <p:cNvPr id="220" name="Shape 220"/>
         <p:cNvGrpSpPr/>
         <p:nvPr/>
       </p:nvGrpSpPr>
@@ -1326,7 +1326,7 @@
       </p:grpSpPr>
       <p:sp>
         <p:nvSpPr>
-          <p:cNvPr id="216" name="Google Shape;216;gee7056b43e_0_62:notes"/>
+          <p:cNvPr id="221" name="Google Shape;221;gee7056b43e_0_52:notes"/>
           <p:cNvSpPr txBox="1"/>
           <p:nvPr>
             <p:ph idx="1" type="body"/>
@@ -1373,7 +1373,7 @@
       </p:sp>
       <p:sp>
         <p:nvSpPr>
-          <p:cNvPr id="217" name="Google Shape;217;gee7056b43e_0_62:notes"/>
+          <p:cNvPr id="222" name="Google Shape;222;gee7056b43e_0_52:notes"/>
           <p:cNvSpPr/>
           <p:nvPr>
             <p:ph idx="2" type="sldImg"/>
@@ -1429,7 +1429,7 @@
   <p:cSld>
     <p:spTree>
       <p:nvGrpSpPr>
-        <p:cNvPr id="221" name="Shape 221"/>
+        <p:cNvPr id="228" name="Shape 228"/>
         <p:cNvGrpSpPr/>
         <p:nvPr/>
       </p:nvGrpSpPr>
@@ -1443,7 +1443,7 @@
       </p:grpSpPr>
       <p:sp>
         <p:nvSpPr>
-          <p:cNvPr id="222" name="Google Shape;222;gee7056b43e_0_70:notes"/>
+          <p:cNvPr id="229" name="Google Shape;229;gee7056b43e_0_62:notes"/>
           <p:cNvSpPr txBox="1"/>
           <p:nvPr>
             <p:ph idx="1" type="body"/>
@@ -1490,7 +1490,7 @@
       </p:sp>
       <p:sp>
         <p:nvSpPr>
-          <p:cNvPr id="223" name="Google Shape;223;gee7056b43e_0_70:notes"/>
+          <p:cNvPr id="230" name="Google Shape;230;gee7056b43e_0_62:notes"/>
           <p:cNvSpPr/>
           <p:nvPr>
             <p:ph idx="2" type="sldImg"/>
@@ -1546,7 +1546,7 @@
   <p:cSld>
     <p:spTree>
       <p:nvGrpSpPr>
-        <p:cNvPr id="229" name="Shape 229"/>
+        <p:cNvPr id="235" name="Shape 235"/>
         <p:cNvGrpSpPr/>
         <p:nvPr/>
       </p:nvGrpSpPr>
@@ -1560,7 +1560,7 @@
       </p:grpSpPr>
       <p:sp>
         <p:nvSpPr>
-          <p:cNvPr id="230" name="Google Shape;230;gf24470d99d_0_0:notes"/>
+          <p:cNvPr id="236" name="Google Shape;236;gf24470d99d_0_0:notes"/>
           <p:cNvSpPr txBox="1"/>
           <p:nvPr>
             <p:ph idx="1" type="body"/>
@@ -1607,7 +1607,7 @@
       </p:sp>
       <p:sp>
         <p:nvSpPr>
-          <p:cNvPr id="231" name="Google Shape;231;gf24470d99d_0_0:notes"/>
+          <p:cNvPr id="237" name="Google Shape;237;gf24470d99d_0_0:notes"/>
           <p:cNvSpPr/>
           <p:nvPr>
             <p:ph idx="2" type="sldImg"/>
@@ -1663,7 +1663,7 @@
   <p:cSld>
     <p:spTree>
       <p:nvGrpSpPr>
-        <p:cNvPr id="234" name="Shape 234"/>
+        <p:cNvPr id="240" name="Shape 240"/>
         <p:cNvGrpSpPr/>
         <p:nvPr/>
       </p:nvGrpSpPr>
@@ -1677,7 +1677,7 @@
       </p:grpSpPr>
       <p:sp>
         <p:nvSpPr>
-          <p:cNvPr id="235" name="Google Shape;235;p36:notes"/>
+          <p:cNvPr id="241" name="Google Shape;241;p36:notes"/>
           <p:cNvSpPr txBox="1"/>
           <p:nvPr>
             <p:ph idx="1" type="body"/>
@@ -1724,7 +1724,7 @@
       </p:sp>
       <p:sp>
         <p:nvSpPr>
-          <p:cNvPr id="236" name="Google Shape;236;p36:notes"/>
+          <p:cNvPr id="242" name="Google Shape;242;p36:notes"/>
           <p:cNvSpPr/>
           <p:nvPr>
             <p:ph idx="2" type="sldImg"/>
@@ -2145,7 +2145,7 @@
       </p:grpSpPr>
       <p:sp>
         <p:nvSpPr>
-          <p:cNvPr id="164" name="Google Shape;164;gee7056b43e_0_2:notes"/>
+          <p:cNvPr id="164" name="Google Shape;164;gf8063ff635_0_0:notes"/>
           <p:cNvSpPr txBox="1"/>
           <p:nvPr>
             <p:ph idx="1" type="body"/>
@@ -2192,7 +2192,7 @@
       </p:sp>
       <p:sp>
         <p:nvSpPr>
-          <p:cNvPr id="165" name="Google Shape;165;gee7056b43e_0_2:notes"/>
+          <p:cNvPr id="165" name="Google Shape;165;gf8063ff635_0_0:notes"/>
           <p:cNvSpPr/>
           <p:nvPr>
             <p:ph idx="2" type="sldImg"/>
@@ -2262,7 +2262,7 @@
       </p:grpSpPr>
       <p:sp>
         <p:nvSpPr>
-          <p:cNvPr id="170" name="Google Shape;170;gee7056b43e_0_9:notes"/>
+          <p:cNvPr id="170" name="Google Shape;170;gf8063ff635_0_8:notes"/>
           <p:cNvSpPr txBox="1"/>
           <p:nvPr>
             <p:ph idx="1" type="body"/>
@@ -2309,7 +2309,7 @@
       </p:sp>
       <p:sp>
         <p:nvSpPr>
-          <p:cNvPr id="171" name="Google Shape;171;gee7056b43e_0_9:notes"/>
+          <p:cNvPr id="171" name="Google Shape;171;gf8063ff635_0_8:notes"/>
           <p:cNvSpPr/>
           <p:nvPr>
             <p:ph idx="2" type="sldImg"/>
@@ -2379,7 +2379,7 @@
       </p:grpSpPr>
       <p:sp>
         <p:nvSpPr>
-          <p:cNvPr id="177" name="Google Shape;177;gee7056b43e_0_17:notes"/>
+          <p:cNvPr id="177" name="Google Shape;177;gee7056b43e_0_2:notes"/>
           <p:cNvSpPr txBox="1"/>
           <p:nvPr>
             <p:ph idx="1" type="body"/>
@@ -2426,7 +2426,7 @@
       </p:sp>
       <p:sp>
         <p:nvSpPr>
-          <p:cNvPr id="178" name="Google Shape;178;gee7056b43e_0_17:notes"/>
+          <p:cNvPr id="178" name="Google Shape;178;gee7056b43e_0_2:notes"/>
           <p:cNvSpPr/>
           <p:nvPr>
             <p:ph idx="2" type="sldImg"/>
@@ -2482,7 +2482,7 @@
   <p:cSld>
     <p:spTree>
       <p:nvGrpSpPr>
-        <p:cNvPr id="182" name="Shape 182"/>
+        <p:cNvPr id="184" name="Shape 184"/>
         <p:cNvGrpSpPr/>
         <p:nvPr/>
       </p:nvGrpSpPr>
@@ -2496,7 +2496,7 @@
       </p:grpSpPr>
       <p:sp>
         <p:nvSpPr>
-          <p:cNvPr id="183" name="Google Shape;183;gee7056b43e_0_25:notes"/>
+          <p:cNvPr id="185" name="Google Shape;185;gee7056b43e_0_9:notes"/>
           <p:cNvSpPr txBox="1"/>
           <p:nvPr>
             <p:ph idx="1" type="body"/>
@@ -2543,7 +2543,7 @@
       </p:sp>
       <p:sp>
         <p:nvSpPr>
-          <p:cNvPr id="184" name="Google Shape;184;gee7056b43e_0_25:notes"/>
+          <p:cNvPr id="186" name="Google Shape;186;gee7056b43e_0_9:notes"/>
           <p:cNvSpPr/>
           <p:nvPr>
             <p:ph idx="2" type="sldImg"/>
@@ -2599,7 +2599,7 @@
   <p:cSld>
     <p:spTree>
       <p:nvGrpSpPr>
-        <p:cNvPr id="189" name="Shape 189"/>
+        <p:cNvPr id="191" name="Shape 191"/>
         <p:cNvGrpSpPr/>
         <p:nvPr/>
       </p:nvGrpSpPr>
@@ -2613,7 +2613,7 @@
       </p:grpSpPr>
       <p:sp>
         <p:nvSpPr>
-          <p:cNvPr id="190" name="Google Shape;190;gee7056b43e_0_31:notes"/>
+          <p:cNvPr id="192" name="Google Shape;192;gee7056b43e_0_17:notes"/>
           <p:cNvSpPr txBox="1"/>
           <p:nvPr>
             <p:ph idx="1" type="body"/>
@@ -2660,7 +2660,7 @@
       </p:sp>
       <p:sp>
         <p:nvSpPr>
-          <p:cNvPr id="191" name="Google Shape;191;gee7056b43e_0_31:notes"/>
+          <p:cNvPr id="193" name="Google Shape;193;gee7056b43e_0_17:notes"/>
           <p:cNvSpPr/>
           <p:nvPr>
             <p:ph idx="2" type="sldImg"/>
@@ -17242,7 +17242,7 @@
     </p:bg>
     <p:spTree>
       <p:nvGrpSpPr>
-        <p:cNvPr id="198" name="Shape 198"/>
+        <p:cNvPr id="201" name="Shape 201"/>
         <p:cNvGrpSpPr/>
         <p:nvPr/>
       </p:nvGrpSpPr>
@@ -17256,7 +17256,7 @@
       </p:grpSpPr>
       <p:sp>
         <p:nvSpPr>
-          <p:cNvPr id="199" name="Google Shape;199;gee7056b43e_0_39"/>
+          <p:cNvPr id="202" name="Google Shape;202;gf8063ff635_0_21"/>
           <p:cNvSpPr txBox="1"/>
           <p:nvPr>
             <p:ph type="title"/>
@@ -17299,28 +17299,24 @@
               <a:buNone/>
             </a:pPr>
             <a:r>
-              <a:rPr lang="es">
+              <a:rPr b="1" lang="es">
                 <a:solidFill>
                   <a:srgbClr val="E83464"/>
                 </a:solidFill>
               </a:rPr>
               <a:t>Uso de la cámara</a:t>
             </a:r>
-            <a:endParaRPr>
+            <a:endParaRPr b="1">
               <a:solidFill>
                 <a:srgbClr val="E83464"/>
               </a:solidFill>
-              <a:latin typeface="Arial"/>
-              <a:ea typeface="Arial"/>
-              <a:cs typeface="Arial"/>
-              <a:sym typeface="Arial"/>
             </a:endParaRPr>
           </a:p>
         </p:txBody>
       </p:sp>
       <p:sp>
         <p:nvSpPr>
-          <p:cNvPr id="200" name="Google Shape;200;gee7056b43e_0_39"/>
+          <p:cNvPr id="203" name="Google Shape;203;gf8063ff635_0_21"/>
           <p:cNvSpPr txBox="1"/>
           <p:nvPr>
             <p:ph idx="4294967295" type="body"/>
@@ -17328,8 +17324,8 @@
         </p:nvSpPr>
         <p:spPr>
           <a:xfrm>
-            <a:off x="870550" y="1724375"/>
-            <a:ext cx="7974600" cy="3489300"/>
+            <a:off x="778650" y="1724375"/>
+            <a:ext cx="8204100" cy="3489300"/>
           </a:xfrm>
           <a:prstGeom prst="rect">
             <a:avLst/>
@@ -17351,7 +17347,7 @@
           </a:bodyPr>
           <a:lstStyle/>
           <a:p>
-            <a:pPr indent="0" lvl="0" marL="0" rtl="0" algn="l">
+            <a:pPr indent="-311150" lvl="0" marL="457200" rtl="0" algn="l">
               <a:lnSpc>
                 <a:spcPct val="150000"/>
               </a:lnSpc>
@@ -17361,17 +17357,82 @@
               <a:spcAft>
                 <a:spcPts val="0"/>
               </a:spcAft>
-              <a:buNone/>
+              <a:buClr>
+                <a:srgbClr val="3C63AB"/>
+              </a:buClr>
+              <a:buSzPts val="1300"/>
+              <a:buChar char="●"/>
             </a:pPr>
             <a:r>
-              <a:rPr b="1" lang="es" sz="1400">
+              <a:rPr lang="es">
                 <a:solidFill>
                   <a:srgbClr val="3C63AB"/>
                 </a:solidFill>
               </a:rPr>
-              <a:t>Usa un CameraPreview para mostrar el feed de la cámara: </a:t>
+              <a:t>Añade una variable a la clase State para almacenar el Future devuelto desde </a:t>
             </a:r>
-            <a:endParaRPr sz="1400">
+            <a:r>
+              <a:rPr i="1" lang="es">
+                <a:solidFill>
+                  <a:srgbClr val="3C63AB"/>
+                </a:solidFill>
+              </a:rPr>
+              <a:t>CameraController.initialize()</a:t>
+            </a:r>
+            <a:endParaRPr i="1">
+              <a:solidFill>
+                <a:srgbClr val="3C63AB"/>
+              </a:solidFill>
+            </a:endParaRPr>
+          </a:p>
+          <a:p>
+            <a:pPr indent="-311150" lvl="0" marL="457200" rtl="0" algn="l">
+              <a:lnSpc>
+                <a:spcPct val="150000"/>
+              </a:lnSpc>
+              <a:spcBef>
+                <a:spcPts val="0"/>
+              </a:spcBef>
+              <a:spcAft>
+                <a:spcPts val="0"/>
+              </a:spcAft>
+              <a:buClr>
+                <a:srgbClr val="3C63AB"/>
+              </a:buClr>
+              <a:buSzPts val="1300"/>
+              <a:buChar char="●"/>
+            </a:pPr>
+            <a:r>
+              <a:rPr lang="es">
+                <a:solidFill>
+                  <a:srgbClr val="3C63AB"/>
+                </a:solidFill>
+              </a:rPr>
+              <a:t>Crea e inicializar el controlador en el método initState</a:t>
+            </a:r>
+            <a:endParaRPr>
+              <a:solidFill>
+                <a:srgbClr val="3C63AB"/>
+              </a:solidFill>
+            </a:endParaRPr>
+          </a:p>
+          <a:p>
+            <a:pPr indent="0" lvl="0" marL="457200" rtl="0" algn="l">
+              <a:lnSpc>
+                <a:spcPct val="150000"/>
+              </a:lnSpc>
+              <a:spcBef>
+                <a:spcPts val="600"/>
+              </a:spcBef>
+              <a:spcAft>
+                <a:spcPts val="0"/>
+              </a:spcAft>
+              <a:buNone/>
+            </a:pPr>
+            <a:r>
+              <a:t/>
+            </a:r>
+            <a:endParaRPr>
               <a:solidFill>
                 <a:srgbClr val="3C63AB"/>
               </a:solidFill>
@@ -17393,7 +17454,38 @@
             <a:r>
               <a:t/>
             </a:r>
-            <a:endParaRPr sz="1400">
+            <a:endParaRPr>
+              <a:solidFill>
+                <a:srgbClr val="3C63AB"/>
+              </a:solidFill>
+            </a:endParaRPr>
+          </a:p>
+          <a:p>
+            <a:pPr indent="-311150" lvl="0" marL="457200" rtl="0" algn="l">
+              <a:lnSpc>
+                <a:spcPct val="150000"/>
+              </a:lnSpc>
+              <a:spcBef>
+                <a:spcPts val="600"/>
+              </a:spcBef>
+              <a:spcAft>
+                <a:spcPts val="0"/>
+              </a:spcAft>
+              <a:buClr>
+                <a:srgbClr val="3C63AB"/>
+              </a:buClr>
+              <a:buSzPts val="1300"/>
+              <a:buChar char="●"/>
+            </a:pPr>
+            <a:r>
+              <a:rPr lang="es">
+                <a:solidFill>
+                  <a:srgbClr val="3C63AB"/>
+                </a:solidFill>
+              </a:rPr>
+              <a:t>Elimina el controlador en el método dispose</a:t>
+            </a:r>
+            <a:endParaRPr>
               <a:solidFill>
                 <a:srgbClr val="3C63AB"/>
               </a:solidFill>
@@ -17415,7 +17507,7 @@
             <a:r>
               <a:t/>
             </a:r>
-            <a:endParaRPr sz="1400">
+            <a:endParaRPr>
               <a:solidFill>
                 <a:srgbClr val="3C63AB"/>
               </a:solidFill>
@@ -17437,7 +17529,29 @@
             <a:r>
               <a:t/>
             </a:r>
-            <a:endParaRPr sz="1400">
+            <a:endParaRPr>
+              <a:solidFill>
+                <a:srgbClr val="3C63AB"/>
+              </a:solidFill>
+            </a:endParaRPr>
+          </a:p>
+          <a:p>
+            <a:pPr indent="0" lvl="0" marL="457200" rtl="0" algn="l">
+              <a:lnSpc>
+                <a:spcPct val="150000"/>
+              </a:lnSpc>
+              <a:spcBef>
+                <a:spcPts val="600"/>
+              </a:spcBef>
+              <a:spcAft>
+                <a:spcPts val="0"/>
+              </a:spcAft>
+              <a:buNone/>
+            </a:pPr>
+            <a:r>
+              <a:t/>
+            </a:r>
+            <a:endParaRPr>
               <a:solidFill>
                 <a:srgbClr val="3C63AB"/>
               </a:solidFill>
@@ -17459,7 +17573,7 @@
             <a:r>
               <a:t/>
             </a:r>
-            <a:endParaRPr sz="1400">
+            <a:endParaRPr>
               <a:solidFill>
                 <a:srgbClr val="3C63AB"/>
               </a:solidFill>
@@ -17481,7 +17595,7 @@
             <a:r>
               <a:t/>
             </a:r>
-            <a:endParaRPr sz="1400">
+            <a:endParaRPr>
               <a:solidFill>
                 <a:srgbClr val="3C63AB"/>
               </a:solidFill>
@@ -17490,7 +17604,7 @@
           <a:p>
             <a:pPr indent="0" lvl="0" marL="457200" rtl="0" algn="l">
               <a:lnSpc>
-                <a:spcPct val="150000"/>
+                <a:spcPct val="90000"/>
               </a:lnSpc>
               <a:spcBef>
                 <a:spcPts val="600"/>
@@ -17503,7 +17617,7 @@
             <a:r>
               <a:t/>
             </a:r>
-            <a:endParaRPr sz="1400">
+            <a:endParaRPr>
               <a:solidFill>
                 <a:srgbClr val="3C63AB"/>
               </a:solidFill>
@@ -17512,7 +17626,7 @@
           <a:p>
             <a:pPr indent="0" lvl="0" marL="0" rtl="0" algn="l">
               <a:lnSpc>
-                <a:spcPct val="150000"/>
+                <a:spcPct val="90000"/>
               </a:lnSpc>
               <a:spcBef>
                 <a:spcPts val="600"/>
@@ -17525,7 +17639,7 @@
             <a:r>
               <a:t/>
             </a:r>
-            <a:endParaRPr sz="1400">
+            <a:endParaRPr>
               <a:solidFill>
                 <a:srgbClr val="3C63AB"/>
               </a:solidFill>
@@ -17534,7 +17648,7 @@
           <a:p>
             <a:pPr indent="0" lvl="0" marL="0" rtl="0" algn="l">
               <a:lnSpc>
-                <a:spcPct val="150000"/>
+                <a:spcPct val="90000"/>
               </a:lnSpc>
               <a:spcBef>
                 <a:spcPts val="600"/>
@@ -17542,12 +17656,13 @@
               <a:spcAft>
                 <a:spcPts val="0"/>
               </a:spcAft>
+              <a:buSzPts val="1300"/>
               <a:buNone/>
             </a:pPr>
             <a:r>
               <a:t/>
             </a:r>
-            <a:endParaRPr sz="1400">
+            <a:endParaRPr>
               <a:solidFill>
                 <a:srgbClr val="3C63AB"/>
               </a:solidFill>
@@ -17564,80 +17679,13 @@
               <a:spcAft>
                 <a:spcPts val="0"/>
               </a:spcAft>
+              <a:buSzPts val="1300"/>
               <a:buNone/>
             </a:pPr>
             <a:r>
               <a:t/>
             </a:r>
-            <a:endParaRPr sz="1400">
-              <a:solidFill>
-                <a:srgbClr val="3C63AB"/>
-              </a:solidFill>
-            </a:endParaRPr>
-          </a:p>
-          <a:p>
-            <a:pPr indent="0" lvl="0" marL="0" rtl="0" algn="l">
-              <a:lnSpc>
-                <a:spcPct val="90000"/>
-              </a:lnSpc>
-              <a:spcBef>
-                <a:spcPts val="600"/>
-              </a:spcBef>
-              <a:spcAft>
-                <a:spcPts val="0"/>
-              </a:spcAft>
-              <a:buNone/>
-            </a:pPr>
-            <a:r>
-              <a:t/>
-            </a:r>
-            <a:endParaRPr sz="1400">
-              <a:solidFill>
-                <a:srgbClr val="3C63AB"/>
-              </a:solidFill>
-            </a:endParaRPr>
-          </a:p>
-          <a:p>
-            <a:pPr indent="0" lvl="0" marL="0" rtl="0" algn="l">
-              <a:lnSpc>
-                <a:spcPct val="90000"/>
-              </a:lnSpc>
-              <a:spcBef>
-                <a:spcPts val="600"/>
-              </a:spcBef>
-              <a:spcAft>
-                <a:spcPts val="0"/>
-              </a:spcAft>
-              <a:buSzPts val="1300"/>
-              <a:buNone/>
-            </a:pPr>
-            <a:r>
-              <a:t/>
-            </a:r>
-            <a:endParaRPr sz="1400">
-              <a:solidFill>
-                <a:srgbClr val="3C63AB"/>
-              </a:solidFill>
-            </a:endParaRPr>
-          </a:p>
-          <a:p>
-            <a:pPr indent="0" lvl="0" marL="457200" rtl="0" algn="l">
-              <a:lnSpc>
-                <a:spcPct val="90000"/>
-              </a:lnSpc>
-              <a:spcBef>
-                <a:spcPts val="600"/>
-              </a:spcBef>
-              <a:spcAft>
-                <a:spcPts val="0"/>
-              </a:spcAft>
-              <a:buSzPts val="1300"/>
-              <a:buNone/>
-            </a:pPr>
-            <a:r>
-              <a:t/>
-            </a:r>
-            <a:endParaRPr>
+            <a:endParaRPr sz="1200">
               <a:solidFill>
                 <a:srgbClr val="3D63AB"/>
               </a:solidFill>
@@ -17660,7 +17708,7 @@
             <a:r>
               <a:t/>
             </a:r>
-            <a:endParaRPr>
+            <a:endParaRPr sz="1200">
               <a:solidFill>
                 <a:srgbClr val="3D63AB"/>
               </a:solidFill>
@@ -17687,7 +17735,7 @@
             <a:r>
               <a:t/>
             </a:r>
-            <a:endParaRPr sz="1200">
+            <a:endParaRPr sz="1100">
               <a:solidFill>
                 <a:srgbClr val="000000"/>
               </a:solidFill>
@@ -17717,7 +17765,7 @@
             <a:r>
               <a:t/>
             </a:r>
-            <a:endParaRPr sz="1200">
+            <a:endParaRPr sz="1100">
               <a:solidFill>
                 <a:srgbClr val="000000"/>
               </a:solidFill>
@@ -17734,7 +17782,7 @@
       </p:sp>
       <p:pic>
         <p:nvPicPr>
-          <p:cNvPr id="201" name="Google Shape;201;gee7056b43e_0_39"/>
+          <p:cNvPr id="204" name="Google Shape;204;gf8063ff635_0_21"/>
           <p:cNvPicPr preferRelativeResize="0"/>
           <p:nvPr/>
         </p:nvPicPr>
@@ -17748,8 +17796,36 @@
         </p:blipFill>
         <p:spPr>
           <a:xfrm>
-            <a:off x="889600" y="2220338"/>
-            <a:ext cx="6707900" cy="2497375"/>
+            <a:off x="2642875" y="2326625"/>
+            <a:ext cx="3858248" cy="849650"/>
+          </a:xfrm>
+          <a:prstGeom prst="rect">
+            <a:avLst/>
+          </a:prstGeom>
+          <a:noFill/>
+          <a:ln>
+            <a:noFill/>
+          </a:ln>
+        </p:spPr>
+      </p:pic>
+      <p:pic>
+        <p:nvPicPr>
+          <p:cNvPr id="205" name="Google Shape;205;gf8063ff635_0_21"/>
+          <p:cNvPicPr preferRelativeResize="0"/>
+          <p:nvPr/>
+        </p:nvPicPr>
+        <p:blipFill>
+          <a:blip r:embed="rId5">
+            <a:alphaModFix/>
+          </a:blip>
+          <a:stretch>
+            <a:fillRect/>
+          </a:stretch>
+        </p:blipFill>
+        <p:spPr>
+          <a:xfrm>
+            <a:off x="2670151" y="3464875"/>
+            <a:ext cx="3803699" cy="1079100"/>
           </a:xfrm>
           <a:prstGeom prst="rect">
             <a:avLst/>
@@ -17785,7 +17861,7 @@
     </p:bg>
     <p:spTree>
       <p:nvGrpSpPr>
-        <p:cNvPr id="205" name="Shape 205"/>
+        <p:cNvPr id="209" name="Shape 209"/>
         <p:cNvGrpSpPr/>
         <p:nvPr/>
       </p:nvGrpSpPr>
@@ -17799,7 +17875,292 @@
       </p:grpSpPr>
       <p:sp>
         <p:nvSpPr>
-          <p:cNvPr id="206" name="Google Shape;206;gee7056b43e_0_45"/>
+          <p:cNvPr id="210" name="Google Shape;210;gee7056b43e_0_31"/>
+          <p:cNvSpPr txBox="1"/>
+          <p:nvPr>
+            <p:ph type="title"/>
+          </p:nvPr>
+        </p:nvSpPr>
+        <p:spPr>
+          <a:xfrm>
+            <a:off x="870550" y="1006650"/>
+            <a:ext cx="7524900" cy="618000"/>
+          </a:xfrm>
+          <a:prstGeom prst="rect">
+            <a:avLst/>
+          </a:prstGeom>
+          <a:noFill/>
+          <a:ln>
+            <a:noFill/>
+          </a:ln>
+        </p:spPr>
+        <p:txBody>
+          <a:bodyPr anchorCtr="0" anchor="b" bIns="34275" lIns="68575" spcFirstLastPara="1" rIns="68575" wrap="square" tIns="34275">
+            <a:noAutofit/>
+          </a:bodyPr>
+          <a:lstStyle/>
+          <a:p>
+            <a:pPr indent="0" lvl="0" marL="0" rtl="0" algn="l">
+              <a:lnSpc>
+                <a:spcPct val="85000"/>
+              </a:lnSpc>
+              <a:spcBef>
+                <a:spcPts val="0"/>
+              </a:spcBef>
+              <a:spcAft>
+                <a:spcPts val="0"/>
+              </a:spcAft>
+              <a:buClr>
+                <a:srgbClr val="3F3F3F"/>
+              </a:buClr>
+              <a:buSzPts val="3600"/>
+              <a:buFont typeface="Arial"/>
+              <a:buNone/>
+            </a:pPr>
+            <a:r>
+              <a:rPr b="1" lang="es">
+                <a:solidFill>
+                  <a:srgbClr val="E83464"/>
+                </a:solidFill>
+              </a:rPr>
+              <a:t>Uso de la cámara</a:t>
+            </a:r>
+            <a:endParaRPr b="1">
+              <a:solidFill>
+                <a:srgbClr val="E83464"/>
+              </a:solidFill>
+            </a:endParaRPr>
+          </a:p>
+        </p:txBody>
+      </p:sp>
+      <p:sp>
+        <p:nvSpPr>
+          <p:cNvPr id="211" name="Google Shape;211;gee7056b43e_0_31"/>
+          <p:cNvSpPr txBox="1"/>
+          <p:nvPr>
+            <p:ph idx="4294967295" type="body"/>
+          </p:nvPr>
+        </p:nvSpPr>
+        <p:spPr>
+          <a:xfrm>
+            <a:off x="870550" y="1724375"/>
+            <a:ext cx="7974600" cy="544200"/>
+          </a:xfrm>
+          <a:prstGeom prst="rect">
+            <a:avLst/>
+          </a:prstGeom>
+          <a:noFill/>
+          <a:ln cap="flat" cmpd="sng" w="9525">
+            <a:solidFill>
+              <a:schemeClr val="dk1"/>
+            </a:solidFill>
+            <a:prstDash val="solid"/>
+            <a:round/>
+            <a:headEnd len="sm" w="sm" type="none"/>
+            <a:tailEnd len="sm" w="sm" type="none"/>
+          </a:ln>
+        </p:spPr>
+        <p:txBody>
+          <a:bodyPr anchorCtr="0" anchor="t" bIns="34275" lIns="0" spcFirstLastPara="1" rIns="0" wrap="square" tIns="34275">
+            <a:noAutofit/>
+          </a:bodyPr>
+          <a:lstStyle/>
+          <a:p>
+            <a:pPr indent="0" lvl="0" marL="0" rtl="0" algn="l">
+              <a:lnSpc>
+                <a:spcPct val="115000"/>
+              </a:lnSpc>
+              <a:spcBef>
+                <a:spcPts val="600"/>
+              </a:spcBef>
+              <a:spcAft>
+                <a:spcPts val="0"/>
+              </a:spcAft>
+              <a:buNone/>
+            </a:pPr>
+            <a:r>
+              <a:rPr b="1" lang="es" sz="1400">
+                <a:solidFill>
+                  <a:srgbClr val="3C63AB"/>
+                </a:solidFill>
+              </a:rPr>
+              <a:t>Usa un CameraPreview para mostrar el feed de la cámara</a:t>
+            </a:r>
+            <a:r>
+              <a:rPr b="1" lang="es" sz="1400">
+                <a:solidFill>
+                  <a:srgbClr val="3C63AB"/>
+                </a:solidFill>
+              </a:rPr>
+              <a:t>: </a:t>
+            </a:r>
+            <a:r>
+              <a:rPr lang="es" sz="1400">
+                <a:solidFill>
+                  <a:srgbClr val="3C63AB"/>
+                </a:solidFill>
+              </a:rPr>
+              <a:t>A continuación, se utiliza el widget CameraPreview del paquete camera para mostrar una vista previa del feed de la cámara. </a:t>
+            </a:r>
+            <a:endParaRPr sz="1200">
+              <a:solidFill>
+                <a:srgbClr val="000000"/>
+              </a:solidFill>
+              <a:highlight>
+                <a:srgbClr val="FFFFFF"/>
+              </a:highlight>
+              <a:latin typeface="Arial"/>
+              <a:ea typeface="Arial"/>
+              <a:cs typeface="Arial"/>
+              <a:sym typeface="Arial"/>
+            </a:endParaRPr>
+          </a:p>
+        </p:txBody>
+      </p:sp>
+      <p:sp>
+        <p:nvSpPr>
+          <p:cNvPr id="212" name="Google Shape;212;gee7056b43e_0_31"/>
+          <p:cNvSpPr txBox="1"/>
+          <p:nvPr>
+            <p:ph idx="4294967295" type="body"/>
+          </p:nvPr>
+        </p:nvSpPr>
+        <p:spPr>
+          <a:xfrm>
+            <a:off x="5647200" y="2571750"/>
+            <a:ext cx="2880300" cy="1517400"/>
+          </a:xfrm>
+          <a:prstGeom prst="rect">
+            <a:avLst/>
+          </a:prstGeom>
+          <a:noFill/>
+          <a:ln cap="flat" cmpd="sng" w="9525">
+            <a:solidFill>
+              <a:schemeClr val="dk1"/>
+            </a:solidFill>
+            <a:prstDash val="solid"/>
+            <a:round/>
+            <a:headEnd len="sm" w="sm" type="none"/>
+            <a:tailEnd len="sm" w="sm" type="none"/>
+          </a:ln>
+        </p:spPr>
+        <p:txBody>
+          <a:bodyPr anchorCtr="0" anchor="t" bIns="34275" lIns="0" spcFirstLastPara="1" rIns="0" wrap="square" tIns="34275">
+            <a:noAutofit/>
+          </a:bodyPr>
+          <a:lstStyle/>
+          <a:p>
+            <a:pPr indent="0" lvl="0" marL="0" rtl="0" algn="l">
+              <a:lnSpc>
+                <a:spcPct val="115000"/>
+              </a:lnSpc>
+              <a:spcBef>
+                <a:spcPts val="600"/>
+              </a:spcBef>
+              <a:spcAft>
+                <a:spcPts val="0"/>
+              </a:spcAft>
+              <a:buNone/>
+            </a:pPr>
+            <a:r>
+              <a:rPr b="1" lang="es" sz="1100">
+                <a:solidFill>
+                  <a:srgbClr val="3C63AB"/>
+                </a:solidFill>
+              </a:rPr>
+              <a:t>Recuerda:</a:t>
+            </a:r>
+            <a:r>
+              <a:rPr lang="es" sz="1100">
+                <a:solidFill>
+                  <a:srgbClr val="3C63AB"/>
+                </a:solidFill>
+              </a:rPr>
+              <a:t> Debes esperar hasta que el controlador haya terminado de inicializar antes de trabajar con la cámara. Por lo tanto, debes esperar a que el _initializeControllerFuture creado en el paso anterior se complete antes de mostrar una CameraPreview.</a:t>
+            </a:r>
+            <a:endParaRPr sz="900">
+              <a:solidFill>
+                <a:srgbClr val="000000"/>
+              </a:solidFill>
+              <a:highlight>
+                <a:srgbClr val="FFFFFF"/>
+              </a:highlight>
+              <a:latin typeface="Arial"/>
+              <a:ea typeface="Arial"/>
+              <a:cs typeface="Arial"/>
+              <a:sym typeface="Arial"/>
+            </a:endParaRPr>
+          </a:p>
+        </p:txBody>
+      </p:sp>
+      <p:pic>
+        <p:nvPicPr>
+          <p:cNvPr id="213" name="Google Shape;213;gee7056b43e_0_31"/>
+          <p:cNvPicPr preferRelativeResize="0"/>
+          <p:nvPr/>
+        </p:nvPicPr>
+        <p:blipFill>
+          <a:blip r:embed="rId4">
+            <a:alphaModFix/>
+          </a:blip>
+          <a:stretch>
+            <a:fillRect/>
+          </a:stretch>
+        </p:blipFill>
+        <p:spPr>
+          <a:xfrm>
+            <a:off x="870546" y="2368306"/>
+            <a:ext cx="4599224" cy="2101975"/>
+          </a:xfrm>
+          <a:prstGeom prst="rect">
+            <a:avLst/>
+          </a:prstGeom>
+          <a:noFill/>
+          <a:ln>
+            <a:noFill/>
+          </a:ln>
+        </p:spPr>
+      </p:pic>
+    </p:spTree>
+  </p:cSld>
+  <p:clrMapOvr>
+    <a:masterClrMapping/>
+  </p:clrMapOvr>
+</p:sld>
+</file>
+
+<file path=ppt/slides/slide12.xml><?xml version="1.0" encoding="utf-8"?>
+<p:sld xmlns:a="http://schemas.openxmlformats.org/drawingml/2006/main" xmlns:r="http://schemas.openxmlformats.org/officeDocument/2006/relationships" xmlns:mc="http://schemas.openxmlformats.org/markup-compatibility/2006" xmlns:mv="urn:schemas-microsoft-com:mac:vml" xmlns:p="http://schemas.openxmlformats.org/presentationml/2006/main" xmlns:c="http://schemas.openxmlformats.org/drawingml/2006/chart" xmlns:dgm="http://schemas.openxmlformats.org/drawingml/2006/diagram" xmlns:o="urn:schemas-microsoft-com:office:office" xmlns:v="urn:schemas-microsoft-com:vml" xmlns:pvml="urn:schemas-microsoft-com:office:powerpoint" xmlns:com="http://schemas.openxmlformats.org/drawingml/2006/compatibility" xmlns:p14="http://schemas.microsoft.com/office/powerpoint/2010/main" xmlns:p15="http://schemas.microsoft.com/office/powerpoint/2012/main" xmlns:ahyp="http://schemas.microsoft.com/office/drawing/2018/hyperlinkcolor" showMasterSp="0">
+  <p:cSld>
+    <p:bg>
+      <p:bgPr>
+        <a:blipFill>
+          <a:blip r:embed="rId3">
+            <a:alphaModFix/>
+          </a:blip>
+          <a:stretch>
+            <a:fillRect/>
+          </a:stretch>
+        </a:blipFill>
+      </p:bgPr>
+    </p:bg>
+    <p:spTree>
+      <p:nvGrpSpPr>
+        <p:cNvPr id="217" name="Shape 217"/>
+        <p:cNvGrpSpPr/>
+        <p:nvPr/>
+      </p:nvGrpSpPr>
+      <p:grpSpPr>
+        <a:xfrm>
+          <a:off x="0" y="0"/>
+          <a:ext cx="0" cy="0"/>
+          <a:chOff x="0" y="0"/>
+          <a:chExt cx="0" cy="0"/>
+        </a:xfrm>
+      </p:grpSpPr>
+      <p:sp>
+        <p:nvSpPr>
+          <p:cNvPr id="218" name="Google Shape;218;gee7056b43e_0_45"/>
           <p:cNvSpPr txBox="1"/>
           <p:nvPr>
             <p:ph type="title"/>
@@ -17859,7 +18220,7 @@
       </p:sp>
       <p:sp>
         <p:nvSpPr>
-          <p:cNvPr id="207" name="Google Shape;207;gee7056b43e_0_45"/>
+          <p:cNvPr id="219" name="Google Shape;219;gee7056b43e_0_45"/>
           <p:cNvSpPr txBox="1"/>
           <p:nvPr>
             <p:ph idx="4294967295" type="body"/>
@@ -17867,8 +18228,8 @@
         </p:nvSpPr>
         <p:spPr>
           <a:xfrm>
-            <a:off x="870550" y="1724375"/>
-            <a:ext cx="7418400" cy="3489300"/>
+            <a:off x="862800" y="2571750"/>
+            <a:ext cx="7418400" cy="954600"/>
           </a:xfrm>
           <a:prstGeom prst="rect">
             <a:avLst/>
@@ -17892,7 +18253,7 @@
           <a:p>
             <a:pPr indent="0" lvl="0" marL="0" rtl="0" algn="l">
               <a:lnSpc>
-                <a:spcPct val="150000"/>
+                <a:spcPct val="115000"/>
               </a:lnSpc>
               <a:spcBef>
                 <a:spcPts val="600"/>
@@ -17924,487 +18285,44 @@
                   <a:srgbClr val="3C63AB"/>
                 </a:solidFill>
               </a:rPr>
-              <a:t>También puedes usar el CameraController para tomar fotos usando el método takePicture. En este ejemplo, crearás un FloatingActionButton que tome una foto usando el CameraController cuando un usuario toque el botón.</a:t>
+              <a:t>También se puede usar el </a:t>
+            </a:r>
+            <a:r>
+              <a:rPr i="1" lang="es">
+                <a:solidFill>
+                  <a:srgbClr val="3C63AB"/>
+                </a:solidFill>
+              </a:rPr>
+              <a:t>CameraController </a:t>
+            </a:r>
+            <a:r>
+              <a:rPr lang="es">
+                <a:solidFill>
+                  <a:srgbClr val="3C63AB"/>
+                </a:solidFill>
+              </a:rPr>
+              <a:t>para tomar fotos usando el método </a:t>
+            </a:r>
+            <a:r>
+              <a:rPr i="1" lang="es">
+                <a:solidFill>
+                  <a:srgbClr val="3C63AB"/>
+                </a:solidFill>
+              </a:rPr>
+              <a:t>takePicture()</a:t>
+            </a:r>
+            <a:r>
+              <a:rPr lang="es">
+                <a:solidFill>
+                  <a:srgbClr val="3C63AB"/>
+                </a:solidFill>
+              </a:rPr>
+              <a:t>. En este ejemplo, se creará un FloatingActionButton que tome una foto usando el CameraController cuando un usuario toque el botón.</a:t>
             </a:r>
             <a:endParaRPr>
               <a:solidFill>
                 <a:srgbClr val="3C63AB"/>
               </a:solidFill>
-            </a:endParaRPr>
-          </a:p>
-          <a:p>
-            <a:pPr indent="0" lvl="0" marL="0" rtl="0" algn="l">
-              <a:lnSpc>
-                <a:spcPct val="150000"/>
-              </a:lnSpc>
-              <a:spcBef>
-                <a:spcPts val="600"/>
-              </a:spcBef>
-              <a:spcAft>
-                <a:spcPts val="0"/>
-              </a:spcAft>
-              <a:buNone/>
-            </a:pPr>
-            <a:r>
-              <a:rPr lang="es">
-                <a:solidFill>
-                  <a:srgbClr val="3C63AB"/>
-                </a:solidFill>
-              </a:rPr>
-              <a:t>Para guardar una imagen se necesitan 3 pasos:</a:t>
-            </a:r>
-            <a:endParaRPr>
-              <a:solidFill>
-                <a:srgbClr val="3C63AB"/>
-              </a:solidFill>
-            </a:endParaRPr>
-          </a:p>
-          <a:p>
-            <a:pPr indent="-311150" lvl="0" marL="914400" rtl="0" algn="l">
-              <a:lnSpc>
-                <a:spcPct val="150000"/>
-              </a:lnSpc>
-              <a:spcBef>
-                <a:spcPts val="600"/>
-              </a:spcBef>
-              <a:spcAft>
-                <a:spcPts val="0"/>
-              </a:spcAft>
-              <a:buClr>
-                <a:srgbClr val="3C63AB"/>
-              </a:buClr>
-              <a:buSzPts val="1300"/>
-              <a:buChar char="●"/>
-            </a:pPr>
-            <a:r>
-              <a:rPr lang="es">
-                <a:solidFill>
-                  <a:srgbClr val="3C63AB"/>
-                </a:solidFill>
-              </a:rPr>
-              <a:t>Asegúrate de que la cámara esté inicializada</a:t>
-            </a:r>
-            <a:endParaRPr>
-              <a:solidFill>
-                <a:srgbClr val="3C63AB"/>
-              </a:solidFill>
-            </a:endParaRPr>
-          </a:p>
-          <a:p>
-            <a:pPr indent="-311150" lvl="0" marL="914400" rtl="0" algn="l">
-              <a:lnSpc>
-                <a:spcPct val="150000"/>
-              </a:lnSpc>
-              <a:spcBef>
-                <a:spcPts val="0"/>
-              </a:spcBef>
-              <a:spcAft>
-                <a:spcPts val="0"/>
-              </a:spcAft>
-              <a:buClr>
-                <a:srgbClr val="3C63AB"/>
-              </a:buClr>
-              <a:buSzPts val="1300"/>
-              <a:buChar char="●"/>
-            </a:pPr>
-            <a:r>
-              <a:rPr lang="es">
-                <a:solidFill>
-                  <a:srgbClr val="3C63AB"/>
-                </a:solidFill>
-              </a:rPr>
-              <a:t>Construir una ruta que defina dónde se guardará la imagen</a:t>
-            </a:r>
-            <a:endParaRPr>
-              <a:solidFill>
-                <a:srgbClr val="3C63AB"/>
-              </a:solidFill>
-            </a:endParaRPr>
-          </a:p>
-          <a:p>
-            <a:pPr indent="-311150" lvl="0" marL="914400" rtl="0" algn="l">
-              <a:lnSpc>
-                <a:spcPct val="150000"/>
-              </a:lnSpc>
-              <a:spcBef>
-                <a:spcPts val="0"/>
-              </a:spcBef>
-              <a:spcAft>
-                <a:spcPts val="0"/>
-              </a:spcAft>
-              <a:buClr>
-                <a:srgbClr val="3C63AB"/>
-              </a:buClr>
-              <a:buSzPts val="1300"/>
-              <a:buChar char="●"/>
-            </a:pPr>
-            <a:r>
-              <a:rPr lang="es">
-                <a:solidFill>
-                  <a:srgbClr val="3C63AB"/>
-                </a:solidFill>
-              </a:rPr>
-              <a:t>Utilizar el controlador para tomar una fotografía y guardar el resultado en la ruta</a:t>
-            </a:r>
-            <a:endParaRPr>
-              <a:solidFill>
-                <a:srgbClr val="3C63AB"/>
-              </a:solidFill>
-            </a:endParaRPr>
-          </a:p>
-          <a:p>
-            <a:pPr indent="0" lvl="0" marL="0" rtl="0" algn="l">
-              <a:lnSpc>
-                <a:spcPct val="150000"/>
-              </a:lnSpc>
-              <a:spcBef>
-                <a:spcPts val="600"/>
-              </a:spcBef>
-              <a:spcAft>
-                <a:spcPts val="0"/>
-              </a:spcAft>
-              <a:buNone/>
-            </a:pPr>
-            <a:r>
-              <a:rPr lang="es">
-                <a:solidFill>
-                  <a:srgbClr val="3C63AB"/>
-                </a:solidFill>
-              </a:rPr>
-              <a:t>Es una buena práctica envolver estas operaciones en un bloque try / catch para poder</a:t>
-            </a:r>
-            <a:endParaRPr>
-              <a:solidFill>
-                <a:srgbClr val="3C63AB"/>
-              </a:solidFill>
-            </a:endParaRPr>
-          </a:p>
-          <a:p>
-            <a:pPr indent="0" lvl="0" marL="0" rtl="0" algn="l">
-              <a:lnSpc>
-                <a:spcPct val="150000"/>
-              </a:lnSpc>
-              <a:spcBef>
-                <a:spcPts val="600"/>
-              </a:spcBef>
-              <a:spcAft>
-                <a:spcPts val="0"/>
-              </a:spcAft>
-              <a:buNone/>
-            </a:pPr>
-            <a:r>
-              <a:rPr lang="es">
-                <a:solidFill>
-                  <a:srgbClr val="3C63AB"/>
-                </a:solidFill>
-              </a:rPr>
-              <a:t> manejar cualquier error que pueda ocurrir.</a:t>
-            </a:r>
-            <a:endParaRPr>
-              <a:solidFill>
-                <a:srgbClr val="3C63AB"/>
-              </a:solidFill>
-            </a:endParaRPr>
-          </a:p>
-          <a:p>
-            <a:pPr indent="0" lvl="0" marL="0" rtl="0" algn="l">
-              <a:lnSpc>
-                <a:spcPct val="150000"/>
-              </a:lnSpc>
-              <a:spcBef>
-                <a:spcPts val="600"/>
-              </a:spcBef>
-              <a:spcAft>
-                <a:spcPts val="0"/>
-              </a:spcAft>
-              <a:buNone/>
-            </a:pPr>
-            <a:r>
-              <a:t/>
-            </a:r>
-            <a:endParaRPr>
-              <a:solidFill>
-                <a:srgbClr val="3C63AB"/>
-              </a:solidFill>
-            </a:endParaRPr>
-          </a:p>
-          <a:p>
-            <a:pPr indent="0" lvl="0" marL="0" rtl="0" algn="l">
-              <a:lnSpc>
-                <a:spcPct val="150000"/>
-              </a:lnSpc>
-              <a:spcBef>
-                <a:spcPts val="600"/>
-              </a:spcBef>
-              <a:spcAft>
-                <a:spcPts val="0"/>
-              </a:spcAft>
-              <a:buNone/>
-            </a:pPr>
-            <a:r>
-              <a:t/>
-            </a:r>
-            <a:endParaRPr>
-              <a:solidFill>
-                <a:srgbClr val="3C63AB"/>
-              </a:solidFill>
-            </a:endParaRPr>
-          </a:p>
-          <a:p>
-            <a:pPr indent="0" lvl="0" marL="0" rtl="0" algn="l">
-              <a:lnSpc>
-                <a:spcPct val="150000"/>
-              </a:lnSpc>
-              <a:spcBef>
-                <a:spcPts val="600"/>
-              </a:spcBef>
-              <a:spcAft>
-                <a:spcPts val="0"/>
-              </a:spcAft>
-              <a:buNone/>
-            </a:pPr>
-            <a:r>
-              <a:t/>
-            </a:r>
-            <a:endParaRPr>
-              <a:solidFill>
-                <a:srgbClr val="3C63AB"/>
-              </a:solidFill>
-            </a:endParaRPr>
-          </a:p>
-          <a:p>
-            <a:pPr indent="0" lvl="0" marL="0" rtl="0" algn="l">
-              <a:lnSpc>
-                <a:spcPct val="150000"/>
-              </a:lnSpc>
-              <a:spcBef>
-                <a:spcPts val="600"/>
-              </a:spcBef>
-              <a:spcAft>
-                <a:spcPts val="0"/>
-              </a:spcAft>
-              <a:buNone/>
-            </a:pPr>
-            <a:r>
-              <a:t/>
-            </a:r>
-            <a:endParaRPr>
-              <a:solidFill>
-                <a:srgbClr val="3C63AB"/>
-              </a:solidFill>
-            </a:endParaRPr>
-          </a:p>
-          <a:p>
-            <a:pPr indent="0" lvl="0" marL="457200" rtl="0" algn="l">
-              <a:lnSpc>
-                <a:spcPct val="150000"/>
-              </a:lnSpc>
-              <a:spcBef>
-                <a:spcPts val="600"/>
-              </a:spcBef>
-              <a:spcAft>
-                <a:spcPts val="0"/>
-              </a:spcAft>
-              <a:buNone/>
-            </a:pPr>
-            <a:r>
-              <a:t/>
-            </a:r>
-            <a:endParaRPr>
-              <a:solidFill>
-                <a:srgbClr val="3C63AB"/>
-              </a:solidFill>
-            </a:endParaRPr>
-          </a:p>
-          <a:p>
-            <a:pPr indent="0" lvl="0" marL="0" rtl="0" algn="l">
-              <a:lnSpc>
-                <a:spcPct val="150000"/>
-              </a:lnSpc>
-              <a:spcBef>
-                <a:spcPts val="600"/>
-              </a:spcBef>
-              <a:spcAft>
-                <a:spcPts val="0"/>
-              </a:spcAft>
-              <a:buNone/>
-            </a:pPr>
-            <a:r>
-              <a:t/>
-            </a:r>
-            <a:endParaRPr>
-              <a:solidFill>
-                <a:srgbClr val="3C63AB"/>
-              </a:solidFill>
-            </a:endParaRPr>
-          </a:p>
-          <a:p>
-            <a:pPr indent="0" lvl="0" marL="0" rtl="0" algn="l">
-              <a:lnSpc>
-                <a:spcPct val="150000"/>
-              </a:lnSpc>
-              <a:spcBef>
-                <a:spcPts val="600"/>
-              </a:spcBef>
-              <a:spcAft>
-                <a:spcPts val="0"/>
-              </a:spcAft>
-              <a:buNone/>
-            </a:pPr>
-            <a:r>
-              <a:t/>
-            </a:r>
-            <a:endParaRPr>
-              <a:solidFill>
-                <a:srgbClr val="3C63AB"/>
-              </a:solidFill>
-            </a:endParaRPr>
-          </a:p>
-          <a:p>
-            <a:pPr indent="0" lvl="0" marL="457200" rtl="0" algn="l">
-              <a:lnSpc>
-                <a:spcPct val="90000"/>
-              </a:lnSpc>
-              <a:spcBef>
-                <a:spcPts val="600"/>
-              </a:spcBef>
-              <a:spcAft>
-                <a:spcPts val="0"/>
-              </a:spcAft>
-              <a:buNone/>
-            </a:pPr>
-            <a:r>
-              <a:t/>
-            </a:r>
-            <a:endParaRPr>
-              <a:solidFill>
-                <a:srgbClr val="3C63AB"/>
-              </a:solidFill>
-            </a:endParaRPr>
-          </a:p>
-          <a:p>
-            <a:pPr indent="0" lvl="0" marL="0" rtl="0" algn="l">
-              <a:lnSpc>
-                <a:spcPct val="90000"/>
-              </a:lnSpc>
-              <a:spcBef>
-                <a:spcPts val="600"/>
-              </a:spcBef>
-              <a:spcAft>
-                <a:spcPts val="0"/>
-              </a:spcAft>
-              <a:buNone/>
-            </a:pPr>
-            <a:r>
-              <a:t/>
-            </a:r>
-            <a:endParaRPr>
-              <a:solidFill>
-                <a:srgbClr val="3C63AB"/>
-              </a:solidFill>
-            </a:endParaRPr>
-          </a:p>
-          <a:p>
-            <a:pPr indent="0" lvl="0" marL="0" rtl="0" algn="l">
-              <a:lnSpc>
-                <a:spcPct val="90000"/>
-              </a:lnSpc>
-              <a:spcBef>
-                <a:spcPts val="600"/>
-              </a:spcBef>
-              <a:spcAft>
-                <a:spcPts val="0"/>
-              </a:spcAft>
-              <a:buSzPts val="1300"/>
-              <a:buNone/>
-            </a:pPr>
-            <a:r>
-              <a:t/>
-            </a:r>
-            <a:endParaRPr>
-              <a:solidFill>
-                <a:srgbClr val="3C63AB"/>
-              </a:solidFill>
-            </a:endParaRPr>
-          </a:p>
-          <a:p>
-            <a:pPr indent="0" lvl="0" marL="457200" rtl="0" algn="l">
-              <a:lnSpc>
-                <a:spcPct val="90000"/>
-              </a:lnSpc>
-              <a:spcBef>
-                <a:spcPts val="600"/>
-              </a:spcBef>
-              <a:spcAft>
-                <a:spcPts val="0"/>
-              </a:spcAft>
-              <a:buSzPts val="1300"/>
-              <a:buNone/>
-            </a:pPr>
-            <a:r>
-              <a:t/>
-            </a:r>
-            <a:endParaRPr sz="1200">
-              <a:solidFill>
-                <a:srgbClr val="3D63AB"/>
-              </a:solidFill>
-            </a:endParaRPr>
-          </a:p>
-          <a:p>
-            <a:pPr indent="0" lvl="0" marL="0" rtl="0" algn="l">
-              <a:lnSpc>
-                <a:spcPct val="90000"/>
-              </a:lnSpc>
-              <a:spcBef>
-                <a:spcPts val="600"/>
-              </a:spcBef>
-              <a:spcAft>
-                <a:spcPts val="0"/>
-              </a:spcAft>
-              <a:buSzPts val="1300"/>
-              <a:buNone/>
-            </a:pPr>
-            <a:r>
-              <a:t/>
-            </a:r>
-            <a:endParaRPr sz="1200">
-              <a:solidFill>
-                <a:srgbClr val="3D63AB"/>
-              </a:solidFill>
-              <a:latin typeface="Arial"/>
-              <a:ea typeface="Arial"/>
-              <a:cs typeface="Arial"/>
-              <a:sym typeface="Arial"/>
-            </a:endParaRPr>
-          </a:p>
-          <a:p>
-            <a:pPr indent="0" lvl="0" marL="457200" rtl="0" algn="l">
-              <a:lnSpc>
-                <a:spcPct val="90000"/>
-              </a:lnSpc>
-              <a:spcBef>
-                <a:spcPts val="600"/>
-              </a:spcBef>
-              <a:spcAft>
-                <a:spcPts val="0"/>
-              </a:spcAft>
-              <a:buSzPts val="1300"/>
-              <a:buNone/>
-            </a:pPr>
-            <a:r>
-              <a:t/>
-            </a:r>
-            <a:endParaRPr sz="1100">
-              <a:solidFill>
-                <a:srgbClr val="000000"/>
-              </a:solidFill>
-              <a:highlight>
-                <a:srgbClr val="FFFFFF"/>
-              </a:highlight>
-              <a:latin typeface="Arial"/>
-              <a:ea typeface="Arial"/>
-              <a:cs typeface="Arial"/>
-              <a:sym typeface="Arial"/>
             </a:endParaRPr>
           </a:p>
           <a:p>
@@ -18447,7 +18365,7 @@
 </p:sld>
 </file>
 
-<file path=ppt/slides/slide12.xml><?xml version="1.0" encoding="utf-8"?>
+<file path=ppt/slides/slide13.xml><?xml version="1.0" encoding="utf-8"?>
 <p:sld xmlns:a="http://schemas.openxmlformats.org/drawingml/2006/main" xmlns:r="http://schemas.openxmlformats.org/officeDocument/2006/relationships" xmlns:mc="http://schemas.openxmlformats.org/markup-compatibility/2006" xmlns:mv="urn:schemas-microsoft-com:mac:vml" xmlns:p="http://schemas.openxmlformats.org/presentationml/2006/main" xmlns:c="http://schemas.openxmlformats.org/drawingml/2006/chart" xmlns:dgm="http://schemas.openxmlformats.org/drawingml/2006/diagram" xmlns:o="urn:schemas-microsoft-com:office:office" xmlns:v="urn:schemas-microsoft-com:vml" xmlns:pvml="urn:schemas-microsoft-com:office:powerpoint" xmlns:com="http://schemas.openxmlformats.org/drawingml/2006/compatibility" xmlns:p14="http://schemas.microsoft.com/office/powerpoint/2010/main" xmlns:p15="http://schemas.microsoft.com/office/powerpoint/2012/main" xmlns:ahyp="http://schemas.microsoft.com/office/drawing/2018/hyperlinkcolor" showMasterSp="0">
   <p:cSld>
     <p:bg>
@@ -18464,7 +18382,7 @@
     </p:bg>
     <p:spTree>
       <p:nvGrpSpPr>
-        <p:cNvPr id="211" name="Shape 211"/>
+        <p:cNvPr id="223" name="Shape 223"/>
         <p:cNvGrpSpPr/>
         <p:nvPr/>
       </p:nvGrpSpPr>
@@ -18478,7 +18396,7 @@
       </p:grpSpPr>
       <p:sp>
         <p:nvSpPr>
-          <p:cNvPr id="212" name="Google Shape;212;gee7056b43e_0_52"/>
+          <p:cNvPr id="224" name="Google Shape;224;gee7056b43e_0_52"/>
           <p:cNvSpPr txBox="1"/>
           <p:nvPr>
             <p:ph type="title"/>
@@ -18540,401 +18458,9 @@
           </a:p>
         </p:txBody>
       </p:sp>
-      <p:sp>
-        <p:nvSpPr>
-          <p:cNvPr id="213" name="Google Shape;213;gee7056b43e_0_52"/>
-          <p:cNvSpPr txBox="1"/>
-          <p:nvPr>
-            <p:ph idx="4294967295" type="body"/>
-          </p:nvPr>
-        </p:nvSpPr>
-        <p:spPr>
-          <a:xfrm>
-            <a:off x="870550" y="1724375"/>
-            <a:ext cx="3182400" cy="3489300"/>
-          </a:xfrm>
-          <a:prstGeom prst="rect">
-            <a:avLst/>
-          </a:prstGeom>
-          <a:noFill/>
-          <a:ln cap="flat" cmpd="sng" w="9525">
-            <a:solidFill>
-              <a:schemeClr val="dk1"/>
-            </a:solidFill>
-            <a:prstDash val="solid"/>
-            <a:round/>
-            <a:headEnd len="sm" w="sm" type="none"/>
-            <a:tailEnd len="sm" w="sm" type="none"/>
-          </a:ln>
-        </p:spPr>
-        <p:txBody>
-          <a:bodyPr anchorCtr="0" anchor="t" bIns="34275" lIns="0" spcFirstLastPara="1" rIns="0" wrap="square" tIns="34275">
-            <a:noAutofit/>
-          </a:bodyPr>
-          <a:lstStyle/>
-          <a:p>
-            <a:pPr indent="0" lvl="0" marL="0" rtl="0" algn="l">
-              <a:lnSpc>
-                <a:spcPct val="150000"/>
-              </a:lnSpc>
-              <a:spcBef>
-                <a:spcPts val="600"/>
-              </a:spcBef>
-              <a:spcAft>
-                <a:spcPts val="0"/>
-              </a:spcAft>
-              <a:buNone/>
-            </a:pPr>
-            <a:r>
-              <a:rPr b="1" lang="es" sz="1400">
-                <a:solidFill>
-                  <a:srgbClr val="3C63AB"/>
-                </a:solidFill>
-              </a:rPr>
-              <a:t>Tomar una foto con el CameraController:</a:t>
-            </a:r>
-            <a:endParaRPr sz="1400">
-              <a:solidFill>
-                <a:srgbClr val="3C63AB"/>
-              </a:solidFill>
-            </a:endParaRPr>
-          </a:p>
-          <a:p>
-            <a:pPr indent="0" lvl="0" marL="0" rtl="0" algn="l">
-              <a:lnSpc>
-                <a:spcPct val="150000"/>
-              </a:lnSpc>
-              <a:spcBef>
-                <a:spcPts val="600"/>
-              </a:spcBef>
-              <a:spcAft>
-                <a:spcPts val="0"/>
-              </a:spcAft>
-              <a:buNone/>
-            </a:pPr>
-            <a:r>
-              <a:t/>
-            </a:r>
-            <a:endParaRPr sz="1400">
-              <a:solidFill>
-                <a:srgbClr val="3C63AB"/>
-              </a:solidFill>
-            </a:endParaRPr>
-          </a:p>
-          <a:p>
-            <a:pPr indent="0" lvl="0" marL="0" rtl="0" algn="l">
-              <a:lnSpc>
-                <a:spcPct val="150000"/>
-              </a:lnSpc>
-              <a:spcBef>
-                <a:spcPts val="600"/>
-              </a:spcBef>
-              <a:spcAft>
-                <a:spcPts val="0"/>
-              </a:spcAft>
-              <a:buNone/>
-            </a:pPr>
-            <a:r>
-              <a:t/>
-            </a:r>
-            <a:endParaRPr sz="1400">
-              <a:solidFill>
-                <a:srgbClr val="3C63AB"/>
-              </a:solidFill>
-            </a:endParaRPr>
-          </a:p>
-          <a:p>
-            <a:pPr indent="0" lvl="0" marL="0" rtl="0" algn="l">
-              <a:lnSpc>
-                <a:spcPct val="150000"/>
-              </a:lnSpc>
-              <a:spcBef>
-                <a:spcPts val="600"/>
-              </a:spcBef>
-              <a:spcAft>
-                <a:spcPts val="0"/>
-              </a:spcAft>
-              <a:buNone/>
-            </a:pPr>
-            <a:r>
-              <a:t/>
-            </a:r>
-            <a:endParaRPr sz="1400">
-              <a:solidFill>
-                <a:srgbClr val="3C63AB"/>
-              </a:solidFill>
-            </a:endParaRPr>
-          </a:p>
-          <a:p>
-            <a:pPr indent="0" lvl="0" marL="0" rtl="0" algn="l">
-              <a:lnSpc>
-                <a:spcPct val="150000"/>
-              </a:lnSpc>
-              <a:spcBef>
-                <a:spcPts val="600"/>
-              </a:spcBef>
-              <a:spcAft>
-                <a:spcPts val="0"/>
-              </a:spcAft>
-              <a:buNone/>
-            </a:pPr>
-            <a:r>
-              <a:t/>
-            </a:r>
-            <a:endParaRPr sz="1400">
-              <a:solidFill>
-                <a:srgbClr val="3C63AB"/>
-              </a:solidFill>
-            </a:endParaRPr>
-          </a:p>
-          <a:p>
-            <a:pPr indent="0" lvl="0" marL="457200" rtl="0" algn="l">
-              <a:lnSpc>
-                <a:spcPct val="150000"/>
-              </a:lnSpc>
-              <a:spcBef>
-                <a:spcPts val="600"/>
-              </a:spcBef>
-              <a:spcAft>
-                <a:spcPts val="0"/>
-              </a:spcAft>
-              <a:buNone/>
-            </a:pPr>
-            <a:r>
-              <a:t/>
-            </a:r>
-            <a:endParaRPr sz="1400">
-              <a:solidFill>
-                <a:srgbClr val="3C63AB"/>
-              </a:solidFill>
-            </a:endParaRPr>
-          </a:p>
-          <a:p>
-            <a:pPr indent="0" lvl="0" marL="0" rtl="0" algn="l">
-              <a:lnSpc>
-                <a:spcPct val="150000"/>
-              </a:lnSpc>
-              <a:spcBef>
-                <a:spcPts val="600"/>
-              </a:spcBef>
-              <a:spcAft>
-                <a:spcPts val="0"/>
-              </a:spcAft>
-              <a:buNone/>
-            </a:pPr>
-            <a:r>
-              <a:t/>
-            </a:r>
-            <a:endParaRPr sz="1400">
-              <a:solidFill>
-                <a:srgbClr val="3C63AB"/>
-              </a:solidFill>
-            </a:endParaRPr>
-          </a:p>
-          <a:p>
-            <a:pPr indent="0" lvl="0" marL="0" rtl="0" algn="l">
-              <a:lnSpc>
-                <a:spcPct val="150000"/>
-              </a:lnSpc>
-              <a:spcBef>
-                <a:spcPts val="600"/>
-              </a:spcBef>
-              <a:spcAft>
-                <a:spcPts val="0"/>
-              </a:spcAft>
-              <a:buNone/>
-            </a:pPr>
-            <a:r>
-              <a:t/>
-            </a:r>
-            <a:endParaRPr sz="1400">
-              <a:solidFill>
-                <a:srgbClr val="3C63AB"/>
-              </a:solidFill>
-            </a:endParaRPr>
-          </a:p>
-          <a:p>
-            <a:pPr indent="0" lvl="0" marL="457200" rtl="0" algn="l">
-              <a:lnSpc>
-                <a:spcPct val="90000"/>
-              </a:lnSpc>
-              <a:spcBef>
-                <a:spcPts val="600"/>
-              </a:spcBef>
-              <a:spcAft>
-                <a:spcPts val="0"/>
-              </a:spcAft>
-              <a:buNone/>
-            </a:pPr>
-            <a:r>
-              <a:t/>
-            </a:r>
-            <a:endParaRPr sz="1400">
-              <a:solidFill>
-                <a:srgbClr val="3C63AB"/>
-              </a:solidFill>
-            </a:endParaRPr>
-          </a:p>
-          <a:p>
-            <a:pPr indent="0" lvl="0" marL="0" rtl="0" algn="l">
-              <a:lnSpc>
-                <a:spcPct val="90000"/>
-              </a:lnSpc>
-              <a:spcBef>
-                <a:spcPts val="600"/>
-              </a:spcBef>
-              <a:spcAft>
-                <a:spcPts val="0"/>
-              </a:spcAft>
-              <a:buNone/>
-            </a:pPr>
-            <a:r>
-              <a:t/>
-            </a:r>
-            <a:endParaRPr sz="1400">
-              <a:solidFill>
-                <a:srgbClr val="3C63AB"/>
-              </a:solidFill>
-            </a:endParaRPr>
-          </a:p>
-          <a:p>
-            <a:pPr indent="0" lvl="0" marL="0" rtl="0" algn="l">
-              <a:lnSpc>
-                <a:spcPct val="90000"/>
-              </a:lnSpc>
-              <a:spcBef>
-                <a:spcPts val="600"/>
-              </a:spcBef>
-              <a:spcAft>
-                <a:spcPts val="0"/>
-              </a:spcAft>
-              <a:buSzPts val="1300"/>
-              <a:buNone/>
-            </a:pPr>
-            <a:r>
-              <a:t/>
-            </a:r>
-            <a:endParaRPr sz="1400">
-              <a:solidFill>
-                <a:srgbClr val="3C63AB"/>
-              </a:solidFill>
-            </a:endParaRPr>
-          </a:p>
-          <a:p>
-            <a:pPr indent="0" lvl="0" marL="457200" rtl="0" algn="l">
-              <a:lnSpc>
-                <a:spcPct val="90000"/>
-              </a:lnSpc>
-              <a:spcBef>
-                <a:spcPts val="600"/>
-              </a:spcBef>
-              <a:spcAft>
-                <a:spcPts val="0"/>
-              </a:spcAft>
-              <a:buSzPts val="1300"/>
-              <a:buNone/>
-            </a:pPr>
-            <a:r>
-              <a:t/>
-            </a:r>
-            <a:endParaRPr>
-              <a:solidFill>
-                <a:srgbClr val="3D63AB"/>
-              </a:solidFill>
-            </a:endParaRPr>
-          </a:p>
-          <a:p>
-            <a:pPr indent="0" lvl="0" marL="0" rtl="0" algn="l">
-              <a:lnSpc>
-                <a:spcPct val="90000"/>
-              </a:lnSpc>
-              <a:spcBef>
-                <a:spcPts val="600"/>
-              </a:spcBef>
-              <a:spcAft>
-                <a:spcPts val="0"/>
-              </a:spcAft>
-              <a:buSzPts val="1300"/>
-              <a:buNone/>
-            </a:pPr>
-            <a:r>
-              <a:t/>
-            </a:r>
-            <a:endParaRPr>
-              <a:solidFill>
-                <a:srgbClr val="3D63AB"/>
-              </a:solidFill>
-              <a:latin typeface="Arial"/>
-              <a:ea typeface="Arial"/>
-              <a:cs typeface="Arial"/>
-              <a:sym typeface="Arial"/>
-            </a:endParaRPr>
-          </a:p>
-          <a:p>
-            <a:pPr indent="0" lvl="0" marL="457200" rtl="0" algn="l">
-              <a:lnSpc>
-                <a:spcPct val="90000"/>
-              </a:lnSpc>
-              <a:spcBef>
-                <a:spcPts val="600"/>
-              </a:spcBef>
-              <a:spcAft>
-                <a:spcPts val="0"/>
-              </a:spcAft>
-              <a:buSzPts val="1300"/>
-              <a:buNone/>
-            </a:pPr>
-            <a:r>
-              <a:t/>
-            </a:r>
-            <a:endParaRPr sz="1200">
-              <a:solidFill>
-                <a:srgbClr val="000000"/>
-              </a:solidFill>
-              <a:highlight>
-                <a:srgbClr val="FFFFFF"/>
-              </a:highlight>
-              <a:latin typeface="Arial"/>
-              <a:ea typeface="Arial"/>
-              <a:cs typeface="Arial"/>
-              <a:sym typeface="Arial"/>
-            </a:endParaRPr>
-          </a:p>
-          <a:p>
-            <a:pPr indent="0" lvl="0" marL="0" rtl="0" algn="l">
-              <a:lnSpc>
-                <a:spcPct val="90000"/>
-              </a:lnSpc>
-              <a:spcBef>
-                <a:spcPts val="600"/>
-              </a:spcBef>
-              <a:spcAft>
-                <a:spcPts val="0"/>
-              </a:spcAft>
-              <a:buSzPts val="1300"/>
-              <a:buNone/>
-            </a:pPr>
-            <a:r>
-              <a:t/>
-            </a:r>
-            <a:endParaRPr sz="1200">
-              <a:solidFill>
-                <a:srgbClr val="000000"/>
-              </a:solidFill>
-              <a:highlight>
-                <a:srgbClr val="FFFFFF"/>
-              </a:highlight>
-              <a:latin typeface="Arial"/>
-              <a:ea typeface="Arial"/>
-              <a:cs typeface="Arial"/>
-              <a:sym typeface="Arial"/>
-            </a:endParaRPr>
-          </a:p>
-        </p:txBody>
-      </p:sp>
       <p:pic>
         <p:nvPicPr>
-          <p:cNvPr id="214" name="Google Shape;214;gee7056b43e_0_52"/>
+          <p:cNvPr id="225" name="Google Shape;225;gee7056b43e_0_52"/>
           <p:cNvPicPr preferRelativeResize="0"/>
           <p:nvPr/>
         </p:nvPicPr>
@@ -18948,8 +18474,8 @@
         </p:blipFill>
         <p:spPr>
           <a:xfrm>
-            <a:off x="4138875" y="1006647"/>
-            <a:ext cx="4881175" cy="4013403"/>
+            <a:off x="4881451" y="1624650"/>
+            <a:ext cx="3910502" cy="2092724"/>
           </a:xfrm>
           <a:prstGeom prst="rect">
             <a:avLst/>
@@ -18960,55 +18486,18 @@
           </a:ln>
         </p:spPr>
       </p:pic>
-    </p:spTree>
-  </p:cSld>
-  <p:clrMapOvr>
-    <a:masterClrMapping/>
-  </p:clrMapOvr>
-</p:sld>
-</file>
-
-<file path=ppt/slides/slide13.xml><?xml version="1.0" encoding="utf-8"?>
-<p:sld xmlns:a="http://schemas.openxmlformats.org/drawingml/2006/main" xmlns:r="http://schemas.openxmlformats.org/officeDocument/2006/relationships" xmlns:mc="http://schemas.openxmlformats.org/markup-compatibility/2006" xmlns:mv="urn:schemas-microsoft-com:mac:vml" xmlns:p="http://schemas.openxmlformats.org/presentationml/2006/main" xmlns:c="http://schemas.openxmlformats.org/drawingml/2006/chart" xmlns:dgm="http://schemas.openxmlformats.org/drawingml/2006/diagram" xmlns:o="urn:schemas-microsoft-com:office:office" xmlns:v="urn:schemas-microsoft-com:vml" xmlns:pvml="urn:schemas-microsoft-com:office:powerpoint" xmlns:com="http://schemas.openxmlformats.org/drawingml/2006/compatibility" xmlns:p14="http://schemas.microsoft.com/office/powerpoint/2010/main" xmlns:p15="http://schemas.microsoft.com/office/powerpoint/2012/main" xmlns:ahyp="http://schemas.microsoft.com/office/drawing/2018/hyperlinkcolor" showMasterSp="0">
-  <p:cSld>
-    <p:bg>
-      <p:bgPr>
-        <a:blipFill>
-          <a:blip r:embed="rId3">
-            <a:alphaModFix/>
-          </a:blip>
-          <a:stretch>
-            <a:fillRect/>
-          </a:stretch>
-        </a:blipFill>
-      </p:bgPr>
-    </p:bg>
-    <p:spTree>
-      <p:nvGrpSpPr>
-        <p:cNvPr id="218" name="Shape 218"/>
-        <p:cNvGrpSpPr/>
-        <p:nvPr/>
-      </p:nvGrpSpPr>
-      <p:grpSpPr>
-        <a:xfrm>
-          <a:off x="0" y="0"/>
-          <a:ext cx="0" cy="0"/>
-          <a:chOff x="0" y="0"/>
-          <a:chExt cx="0" cy="0"/>
-        </a:xfrm>
-      </p:grpSpPr>
       <p:sp>
         <p:nvSpPr>
-          <p:cNvPr id="219" name="Google Shape;219;gee7056b43e_0_62"/>
+          <p:cNvPr id="226" name="Google Shape;226;gee7056b43e_0_52"/>
           <p:cNvSpPr txBox="1"/>
           <p:nvPr>
-            <p:ph type="title"/>
+            <p:ph idx="4294967295" type="body"/>
           </p:nvPr>
         </p:nvSpPr>
         <p:spPr>
           <a:xfrm>
-            <a:off x="889600" y="1006650"/>
-            <a:ext cx="7505700" cy="618000"/>
+            <a:off x="870550" y="1724375"/>
+            <a:ext cx="3479400" cy="2228700"/>
           </a:xfrm>
           <a:prstGeom prst="rect">
             <a:avLst/>
@@ -19019,47 +18508,142 @@
           </a:ln>
         </p:spPr>
         <p:txBody>
-          <a:bodyPr anchorCtr="0" anchor="b" bIns="34275" lIns="68575" spcFirstLastPara="1" rIns="68575" wrap="square" tIns="34275">
+          <a:bodyPr anchorCtr="0" anchor="t" bIns="34275" lIns="0" spcFirstLastPara="1" rIns="0" wrap="square" tIns="34275">
             <a:noAutofit/>
           </a:bodyPr>
           <a:lstStyle/>
           <a:p>
             <a:pPr indent="0" lvl="0" marL="0" rtl="0" algn="l">
               <a:lnSpc>
-                <a:spcPct val="85000"/>
-              </a:lnSpc>
-              <a:spcBef>
-                <a:spcPts val="0"/>
-              </a:spcBef>
-              <a:spcAft>
-                <a:spcPts val="0"/>
-              </a:spcAft>
-              <a:buClr>
-                <a:srgbClr val="3F3F3F"/>
-              </a:buClr>
-              <a:buSzPts val="3600"/>
-              <a:buFont typeface="Arial"/>
+                <a:spcPct val="115000"/>
+              </a:lnSpc>
+              <a:spcBef>
+                <a:spcPts val="600"/>
+              </a:spcBef>
+              <a:spcAft>
+                <a:spcPts val="0"/>
+              </a:spcAft>
               <a:buNone/>
             </a:pPr>
             <a:r>
-              <a:rPr b="1" lang="es">
-                <a:solidFill>
-                  <a:srgbClr val="E83464"/>
+              <a:rPr lang="es">
+                <a:solidFill>
+                  <a:srgbClr val="3C63AB"/>
                 </a:solidFill>
               </a:rPr>
-              <a:t>Uso de la cámara</a:t>
+              <a:t>Para guardar una imagen se necesitan 3 pasos:</a:t>
             </a:r>
-            <a:endParaRPr b="1">
+            <a:endParaRPr>
               <a:solidFill>
-                <a:srgbClr val="E83464"/>
+                <a:srgbClr val="3C63AB"/>
               </a:solidFill>
+            </a:endParaRPr>
+          </a:p>
+          <a:p>
+            <a:pPr indent="-311150" lvl="0" marL="914400" rtl="0" algn="l">
+              <a:lnSpc>
+                <a:spcPct val="115000"/>
+              </a:lnSpc>
+              <a:spcBef>
+                <a:spcPts val="600"/>
+              </a:spcBef>
+              <a:spcAft>
+                <a:spcPts val="0"/>
+              </a:spcAft>
+              <a:buClr>
+                <a:srgbClr val="3C63AB"/>
+              </a:buClr>
+              <a:buSzPts val="1300"/>
+              <a:buChar char="●"/>
+            </a:pPr>
+            <a:r>
+              <a:rPr lang="es">
+                <a:solidFill>
+                  <a:srgbClr val="3C63AB"/>
+                </a:solidFill>
+              </a:rPr>
+              <a:t>Asegúrarse de que la cámara esté inicializada</a:t>
+            </a:r>
+            <a:endParaRPr>
+              <a:solidFill>
+                <a:srgbClr val="3C63AB"/>
+              </a:solidFill>
+            </a:endParaRPr>
+          </a:p>
+          <a:p>
+            <a:pPr indent="-311150" lvl="0" marL="914400" rtl="0" algn="l">
+              <a:lnSpc>
+                <a:spcPct val="115000"/>
+              </a:lnSpc>
+              <a:spcBef>
+                <a:spcPts val="0"/>
+              </a:spcBef>
+              <a:spcAft>
+                <a:spcPts val="0"/>
+              </a:spcAft>
+              <a:buClr>
+                <a:srgbClr val="3C63AB"/>
+              </a:buClr>
+              <a:buSzPts val="1300"/>
+              <a:buChar char="●"/>
+            </a:pPr>
+            <a:r>
+              <a:rPr lang="es">
+                <a:solidFill>
+                  <a:srgbClr val="3C63AB"/>
+                </a:solidFill>
+              </a:rPr>
+              <a:t>Construir una ruta que defina dónde se guardará la imagen</a:t>
+            </a:r>
+            <a:endParaRPr>
+              <a:solidFill>
+                <a:srgbClr val="3C63AB"/>
+              </a:solidFill>
+            </a:endParaRPr>
+          </a:p>
+          <a:p>
+            <a:pPr indent="-311150" lvl="0" marL="914400" rtl="0" algn="l">
+              <a:lnSpc>
+                <a:spcPct val="115000"/>
+              </a:lnSpc>
+              <a:spcBef>
+                <a:spcPts val="0"/>
+              </a:spcBef>
+              <a:spcAft>
+                <a:spcPts val="0"/>
+              </a:spcAft>
+              <a:buClr>
+                <a:srgbClr val="3C63AB"/>
+              </a:buClr>
+              <a:buSzPts val="1300"/>
+              <a:buChar char="●"/>
+            </a:pPr>
+            <a:r>
+              <a:rPr lang="es">
+                <a:solidFill>
+                  <a:srgbClr val="3C63AB"/>
+                </a:solidFill>
+              </a:rPr>
+              <a:t>Utilizar el controlador para tomar una fotografía y guardar el resultado en la ruta</a:t>
+            </a:r>
+            <a:endParaRPr sz="1100">
+              <a:solidFill>
+                <a:srgbClr val="000000"/>
+              </a:solidFill>
+              <a:highlight>
+                <a:srgbClr val="FFFFFF"/>
+              </a:highlight>
+              <a:latin typeface="Arial"/>
+              <a:ea typeface="Arial"/>
+              <a:cs typeface="Arial"/>
+              <a:sym typeface="Arial"/>
             </a:endParaRPr>
           </a:p>
         </p:txBody>
       </p:sp>
       <p:sp>
         <p:nvSpPr>
-          <p:cNvPr id="220" name="Google Shape;220;gee7056b43e_0_62"/>
+          <p:cNvPr id="227" name="Google Shape;227;gee7056b43e_0_52"/>
           <p:cNvSpPr txBox="1"/>
           <p:nvPr>
             <p:ph idx="4294967295" type="body"/>
@@ -19067,21 +18651,15 @@
         </p:nvSpPr>
         <p:spPr>
           <a:xfrm>
-            <a:off x="870550" y="1724375"/>
-            <a:ext cx="7336800" cy="3489300"/>
+            <a:off x="889600" y="4052800"/>
+            <a:ext cx="5496600" cy="881100"/>
           </a:xfrm>
           <a:prstGeom prst="rect">
             <a:avLst/>
           </a:prstGeom>
           <a:noFill/>
-          <a:ln cap="flat" cmpd="sng" w="9525">
-            <a:solidFill>
-              <a:schemeClr val="dk1"/>
-            </a:solidFill>
-            <a:prstDash val="solid"/>
-            <a:round/>
-            <a:headEnd len="sm" w="sm" type="none"/>
-            <a:tailEnd len="sm" w="sm" type="none"/>
+          <a:ln>
+            <a:noFill/>
           </a:ln>
         </p:spPr>
         <p:txBody>
@@ -19092,7 +18670,7 @@
           <a:p>
             <a:pPr indent="0" lvl="0" marL="0" rtl="0" algn="l">
               <a:lnSpc>
-                <a:spcPct val="150000"/>
+                <a:spcPct val="115000"/>
               </a:lnSpc>
               <a:spcBef>
                 <a:spcPts val="600"/>
@@ -19103,30 +18681,30 @@
               <a:buNone/>
             </a:pPr>
             <a:r>
-              <a:rPr b="1" lang="es" sz="1400">
+              <a:rPr lang="es">
                 <a:solidFill>
                   <a:srgbClr val="3C63AB"/>
                 </a:solidFill>
               </a:rPr>
-              <a:t>Muestra la imagen con un widget Imagen</a:t>
+              <a:t>Es una buena práctica rodear estas operaciones en un bloque </a:t>
             </a:r>
             <a:r>
-              <a:rPr b="1" lang="es" sz="1400">
+              <a:rPr b="1" lang="es">
                 <a:solidFill>
                   <a:srgbClr val="3C63AB"/>
                 </a:solidFill>
               </a:rPr>
-              <a:t>: </a:t>
+              <a:t>try/catch</a:t>
             </a:r>
             <a:r>
-              <a:rPr lang="es" sz="1400">
+              <a:rPr lang="es">
                 <a:solidFill>
                   <a:srgbClr val="3C63AB"/>
                 </a:solidFill>
               </a:rPr>
-              <a:t>Si tomas la foto con éxito, puedes mostrar la imagen guardada utilizando un widget Image. En este caso, la imagen se almacena como un archivo en el dispositivo.</a:t>
+              <a:t> para poder</a:t>
             </a:r>
-            <a:endParaRPr sz="1400">
+            <a:endParaRPr>
               <a:solidFill>
                 <a:srgbClr val="3C63AB"/>
               </a:solidFill>
@@ -19135,7 +18713,7 @@
           <a:p>
             <a:pPr indent="0" lvl="0" marL="0" rtl="0" algn="l">
               <a:lnSpc>
-                <a:spcPct val="150000"/>
+                <a:spcPct val="115000"/>
               </a:lnSpc>
               <a:spcBef>
                 <a:spcPts val="600"/>
@@ -19146,14 +18724,14 @@
               <a:buNone/>
             </a:pPr>
             <a:r>
-              <a:rPr lang="es" sz="1400">
+              <a:rPr lang="es">
                 <a:solidFill>
                   <a:srgbClr val="3C63AB"/>
                 </a:solidFill>
               </a:rPr>
-              <a:t>Por lo tanto, debes proporcionar un Archivo al constructor Image.file. Puedes crear una instancia de la clase File pasando la ruta que creaste en el paso anterior.</a:t>
+              <a:t> manejar cualquier error que pueda ocurrir.</a:t>
             </a:r>
-            <a:endParaRPr sz="1400">
+            <a:endParaRPr>
               <a:solidFill>
                 <a:srgbClr val="3C63AB"/>
               </a:solidFill>
@@ -19175,7 +18753,73 @@
             <a:r>
               <a:t/>
             </a:r>
-            <a:endParaRPr sz="1400">
+            <a:endParaRPr>
+              <a:solidFill>
+                <a:srgbClr val="3C63AB"/>
+              </a:solidFill>
+            </a:endParaRPr>
+          </a:p>
+          <a:p>
+            <a:pPr indent="0" lvl="0" marL="0" rtl="0" algn="l">
+              <a:lnSpc>
+                <a:spcPct val="150000"/>
+              </a:lnSpc>
+              <a:spcBef>
+                <a:spcPts val="600"/>
+              </a:spcBef>
+              <a:spcAft>
+                <a:spcPts val="0"/>
+              </a:spcAft>
+              <a:buNone/>
+            </a:pPr>
+            <a:r>
+              <a:t/>
+            </a:r>
+            <a:endParaRPr>
+              <a:solidFill>
+                <a:srgbClr val="3C63AB"/>
+              </a:solidFill>
+            </a:endParaRPr>
+          </a:p>
+          <a:p>
+            <a:pPr indent="0" lvl="0" marL="0" rtl="0" algn="l">
+              <a:lnSpc>
+                <a:spcPct val="150000"/>
+              </a:lnSpc>
+              <a:spcBef>
+                <a:spcPts val="600"/>
+              </a:spcBef>
+              <a:spcAft>
+                <a:spcPts val="0"/>
+              </a:spcAft>
+              <a:buNone/>
+            </a:pPr>
+            <a:r>
+              <a:t/>
+            </a:r>
+            <a:endParaRPr>
+              <a:solidFill>
+                <a:srgbClr val="3C63AB"/>
+              </a:solidFill>
+            </a:endParaRPr>
+          </a:p>
+          <a:p>
+            <a:pPr indent="0" lvl="0" marL="0" rtl="0" algn="l">
+              <a:lnSpc>
+                <a:spcPct val="150000"/>
+              </a:lnSpc>
+              <a:spcBef>
+                <a:spcPts val="600"/>
+              </a:spcBef>
+              <a:spcAft>
+                <a:spcPts val="0"/>
+              </a:spcAft>
+              <a:buNone/>
+            </a:pPr>
+            <a:r>
+              <a:t/>
+            </a:r>
+            <a:endParaRPr>
               <a:solidFill>
                 <a:srgbClr val="3C63AB"/>
               </a:solidFill>
@@ -19184,7 +18828,7 @@
           <a:p>
             <a:pPr indent="0" lvl="0" marL="457200" rtl="0" algn="l">
               <a:lnSpc>
-                <a:spcPct val="90000"/>
+                <a:spcPct val="150000"/>
               </a:lnSpc>
               <a:spcBef>
                 <a:spcPts val="600"/>
@@ -19192,32 +18836,236 @@
               <a:spcAft>
                 <a:spcPts val="0"/>
               </a:spcAft>
-              <a:buSzPts val="1300"/>
               <a:buNone/>
             </a:pPr>
             <a:r>
-              <a:rPr lang="es" sz="1400">
-                <a:solidFill>
-                  <a:srgbClr val="3C63AB"/>
-                </a:solidFill>
-                <a:latin typeface="Courier New"/>
-                <a:ea typeface="Courier New"/>
-                <a:cs typeface="Courier New"/>
-                <a:sym typeface="Courier New"/>
-              </a:rPr>
-              <a:t>Image.file(File('path/to/my/picture.png'))</a:t>
+              <a:t/>
+            </a:r>
+            <a:endParaRPr>
+              <a:solidFill>
+                <a:srgbClr val="3C63AB"/>
+              </a:solidFill>
+            </a:endParaRPr>
+          </a:p>
+          <a:p>
+            <a:pPr indent="0" lvl="0" marL="0" rtl="0" algn="l">
+              <a:lnSpc>
+                <a:spcPct val="150000"/>
+              </a:lnSpc>
+              <a:spcBef>
+                <a:spcPts val="600"/>
+              </a:spcBef>
+              <a:spcAft>
+                <a:spcPts val="0"/>
+              </a:spcAft>
+              <a:buNone/>
+            </a:pPr>
+            <a:r>
+              <a:t/>
+            </a:r>
+            <a:endParaRPr>
+              <a:solidFill>
+                <a:srgbClr val="3C63AB"/>
+              </a:solidFill>
+            </a:endParaRPr>
+          </a:p>
+          <a:p>
+            <a:pPr indent="0" lvl="0" marL="0" rtl="0" algn="l">
+              <a:lnSpc>
+                <a:spcPct val="150000"/>
+              </a:lnSpc>
+              <a:spcBef>
+                <a:spcPts val="600"/>
+              </a:spcBef>
+              <a:spcAft>
+                <a:spcPts val="0"/>
+              </a:spcAft>
+              <a:buNone/>
+            </a:pPr>
+            <a:r>
+              <a:t/>
+            </a:r>
+            <a:endParaRPr>
+              <a:solidFill>
+                <a:srgbClr val="3C63AB"/>
+              </a:solidFill>
+            </a:endParaRPr>
+          </a:p>
+          <a:p>
+            <a:pPr indent="0" lvl="0" marL="457200" rtl="0" algn="l">
+              <a:lnSpc>
+                <a:spcPct val="90000"/>
+              </a:lnSpc>
+              <a:spcBef>
+                <a:spcPts val="600"/>
+              </a:spcBef>
+              <a:spcAft>
+                <a:spcPts val="0"/>
+              </a:spcAft>
+              <a:buNone/>
+            </a:pPr>
+            <a:r>
+              <a:t/>
+            </a:r>
+            <a:endParaRPr>
+              <a:solidFill>
+                <a:srgbClr val="3C63AB"/>
+              </a:solidFill>
+            </a:endParaRPr>
+          </a:p>
+          <a:p>
+            <a:pPr indent="0" lvl="0" marL="0" rtl="0" algn="l">
+              <a:lnSpc>
+                <a:spcPct val="90000"/>
+              </a:lnSpc>
+              <a:spcBef>
+                <a:spcPts val="600"/>
+              </a:spcBef>
+              <a:spcAft>
+                <a:spcPts val="0"/>
+              </a:spcAft>
+              <a:buNone/>
+            </a:pPr>
+            <a:r>
+              <a:t/>
+            </a:r>
+            <a:endParaRPr>
+              <a:solidFill>
+                <a:srgbClr val="3C63AB"/>
+              </a:solidFill>
+            </a:endParaRPr>
+          </a:p>
+          <a:p>
+            <a:pPr indent="0" lvl="0" marL="0" rtl="0" algn="l">
+              <a:lnSpc>
+                <a:spcPct val="90000"/>
+              </a:lnSpc>
+              <a:spcBef>
+                <a:spcPts val="600"/>
+              </a:spcBef>
+              <a:spcAft>
+                <a:spcPts val="0"/>
+              </a:spcAft>
+              <a:buSzPts val="1300"/>
+              <a:buNone/>
+            </a:pPr>
+            <a:r>
+              <a:t/>
+            </a:r>
+            <a:endParaRPr>
+              <a:solidFill>
+                <a:srgbClr val="3C63AB"/>
+              </a:solidFill>
+            </a:endParaRPr>
+          </a:p>
+          <a:p>
+            <a:pPr indent="0" lvl="0" marL="457200" rtl="0" algn="l">
+              <a:lnSpc>
+                <a:spcPct val="90000"/>
+              </a:lnSpc>
+              <a:spcBef>
+                <a:spcPts val="600"/>
+              </a:spcBef>
+              <a:spcAft>
+                <a:spcPts val="0"/>
+              </a:spcAft>
+              <a:buSzPts val="1300"/>
+              <a:buNone/>
+            </a:pPr>
+            <a:r>
+              <a:t/>
             </a:r>
             <a:endParaRPr sz="1200">
+              <a:solidFill>
+                <a:srgbClr val="3D63AB"/>
+              </a:solidFill>
+            </a:endParaRPr>
+          </a:p>
+          <a:p>
+            <a:pPr indent="0" lvl="0" marL="0" rtl="0" algn="l">
+              <a:lnSpc>
+                <a:spcPct val="90000"/>
+              </a:lnSpc>
+              <a:spcBef>
+                <a:spcPts val="600"/>
+              </a:spcBef>
+              <a:spcAft>
+                <a:spcPts val="0"/>
+              </a:spcAft>
+              <a:buSzPts val="1300"/>
+              <a:buNone/>
+            </a:pPr>
+            <a:r>
+              <a:t/>
+            </a:r>
+            <a:endParaRPr sz="1200">
+              <a:solidFill>
+                <a:srgbClr val="3D63AB"/>
+              </a:solidFill>
+              <a:latin typeface="Arial"/>
+              <a:ea typeface="Arial"/>
+              <a:cs typeface="Arial"/>
+              <a:sym typeface="Arial"/>
+            </a:endParaRPr>
+          </a:p>
+          <a:p>
+            <a:pPr indent="0" lvl="0" marL="457200" rtl="0" algn="l">
+              <a:lnSpc>
+                <a:spcPct val="90000"/>
+              </a:lnSpc>
+              <a:spcBef>
+                <a:spcPts val="600"/>
+              </a:spcBef>
+              <a:spcAft>
+                <a:spcPts val="0"/>
+              </a:spcAft>
+              <a:buSzPts val="1300"/>
+              <a:buNone/>
+            </a:pPr>
+            <a:r>
+              <a:t/>
+            </a:r>
+            <a:endParaRPr sz="1100">
               <a:solidFill>
                 <a:srgbClr val="000000"/>
               </a:solidFill>
               <a:highlight>
                 <a:srgbClr val="FFFFFF"/>
               </a:highlight>
-              <a:latin typeface="Courier New"/>
-              <a:ea typeface="Courier New"/>
-              <a:cs typeface="Courier New"/>
-              <a:sym typeface="Courier New"/>
+              <a:latin typeface="Arial"/>
+              <a:ea typeface="Arial"/>
+              <a:cs typeface="Arial"/>
+              <a:sym typeface="Arial"/>
+            </a:endParaRPr>
+          </a:p>
+          <a:p>
+            <a:pPr indent="0" lvl="0" marL="0" rtl="0" algn="l">
+              <a:lnSpc>
+                <a:spcPct val="90000"/>
+              </a:lnSpc>
+              <a:spcBef>
+                <a:spcPts val="600"/>
+              </a:spcBef>
+              <a:spcAft>
+                <a:spcPts val="0"/>
+              </a:spcAft>
+              <a:buSzPts val="1300"/>
+              <a:buNone/>
+            </a:pPr>
+            <a:r>
+              <a:t/>
+            </a:r>
+            <a:endParaRPr sz="1100">
+              <a:solidFill>
+                <a:srgbClr val="000000"/>
+              </a:solidFill>
+              <a:highlight>
+                <a:srgbClr val="FFFFFF"/>
+              </a:highlight>
+              <a:latin typeface="Arial"/>
+              <a:ea typeface="Arial"/>
+              <a:cs typeface="Arial"/>
+              <a:sym typeface="Arial"/>
             </a:endParaRPr>
           </a:p>
         </p:txBody>
@@ -19247,7 +19095,7 @@
     </p:bg>
     <p:spTree>
       <p:nvGrpSpPr>
-        <p:cNvPr id="224" name="Shape 224"/>
+        <p:cNvPr id="231" name="Shape 231"/>
         <p:cNvGrpSpPr/>
         <p:nvPr/>
       </p:nvGrpSpPr>
@@ -19261,7 +19109,7 @@
       </p:grpSpPr>
       <p:sp>
         <p:nvSpPr>
-          <p:cNvPr id="225" name="Google Shape;225;gee7056b43e_0_70"/>
+          <p:cNvPr id="232" name="Google Shape;232;gee7056b43e_0_62"/>
           <p:cNvSpPr txBox="1"/>
           <p:nvPr>
             <p:ph type="title"/>
@@ -19269,7 +19117,7 @@
         </p:nvSpPr>
         <p:spPr>
           <a:xfrm>
-            <a:off x="889600" y="861575"/>
+            <a:off x="889600" y="1006650"/>
             <a:ext cx="7505700" cy="618000"/>
           </a:xfrm>
           <a:prstGeom prst="rect">
@@ -19309,7 +19157,7 @@
                   <a:srgbClr val="E83464"/>
                 </a:solidFill>
               </a:rPr>
-              <a:t>Ejemplo completo</a:t>
+              <a:t>Uso de la cámara</a:t>
             </a:r>
             <a:endParaRPr b="1">
               <a:solidFill>
@@ -19319,9 +19167,114 @@
           </a:p>
         </p:txBody>
       </p:sp>
+      <p:sp>
+        <p:nvSpPr>
+          <p:cNvPr id="233" name="Google Shape;233;gee7056b43e_0_62"/>
+          <p:cNvSpPr txBox="1"/>
+          <p:nvPr>
+            <p:ph idx="4294967295" type="body"/>
+          </p:nvPr>
+        </p:nvSpPr>
+        <p:spPr>
+          <a:xfrm>
+            <a:off x="870550" y="1724375"/>
+            <a:ext cx="7336800" cy="3489300"/>
+          </a:xfrm>
+          <a:prstGeom prst="rect">
+            <a:avLst/>
+          </a:prstGeom>
+          <a:noFill/>
+          <a:ln>
+            <a:noFill/>
+          </a:ln>
+        </p:spPr>
+        <p:txBody>
+          <a:bodyPr anchorCtr="0" anchor="t" bIns="34275" lIns="0" spcFirstLastPara="1" rIns="0" wrap="square" tIns="34275">
+            <a:noAutofit/>
+          </a:bodyPr>
+          <a:lstStyle/>
+          <a:p>
+            <a:pPr indent="0" lvl="0" marL="0" rtl="0" algn="l">
+              <a:lnSpc>
+                <a:spcPct val="150000"/>
+              </a:lnSpc>
+              <a:spcBef>
+                <a:spcPts val="600"/>
+              </a:spcBef>
+              <a:spcAft>
+                <a:spcPts val="0"/>
+              </a:spcAft>
+              <a:buNone/>
+            </a:pPr>
+            <a:r>
+              <a:rPr b="1" lang="es" sz="1400">
+                <a:solidFill>
+                  <a:srgbClr val="3C63AB"/>
+                </a:solidFill>
+              </a:rPr>
+              <a:t>Muestra la imagen con un widget Imagen</a:t>
+            </a:r>
+            <a:r>
+              <a:rPr b="1" lang="es" sz="1400">
+                <a:solidFill>
+                  <a:srgbClr val="3C63AB"/>
+                </a:solidFill>
+              </a:rPr>
+              <a:t>: </a:t>
+            </a:r>
+            <a:r>
+              <a:rPr lang="es" sz="1400">
+                <a:solidFill>
+                  <a:srgbClr val="3C63AB"/>
+                </a:solidFill>
+              </a:rPr>
+              <a:t>Si la foto es capturada con éxito, se puede mostrar la imagen guardada utilizando un widget Image. En este caso, la imagen se almacena como un archivo en el dispositivo.</a:t>
+            </a:r>
+            <a:endParaRPr sz="1400">
+              <a:solidFill>
+                <a:srgbClr val="3C63AB"/>
+              </a:solidFill>
+            </a:endParaRPr>
+          </a:p>
+          <a:p>
+            <a:pPr indent="0" lvl="0" marL="0" rtl="0" algn="l">
+              <a:lnSpc>
+                <a:spcPct val="150000"/>
+              </a:lnSpc>
+              <a:spcBef>
+                <a:spcPts val="600"/>
+              </a:spcBef>
+              <a:spcAft>
+                <a:spcPts val="0"/>
+              </a:spcAft>
+              <a:buNone/>
+            </a:pPr>
+            <a:r>
+              <a:rPr lang="es" sz="1400">
+                <a:solidFill>
+                  <a:srgbClr val="3C63AB"/>
+                </a:solidFill>
+              </a:rPr>
+              <a:t>Por lo tanto, se debe proporcionar un Archivo al constructor Image.file. Puedes crear una instancia de la clase File pasando la ruta que se creó en el paso anterior.</a:t>
+            </a:r>
+            <a:endParaRPr sz="1200">
+              <a:solidFill>
+                <a:srgbClr val="000000"/>
+              </a:solidFill>
+              <a:highlight>
+                <a:srgbClr val="FFFFFF"/>
+              </a:highlight>
+              <a:latin typeface="Courier New"/>
+              <a:ea typeface="Courier New"/>
+              <a:cs typeface="Courier New"/>
+              <a:sym typeface="Courier New"/>
+            </a:endParaRPr>
+          </a:p>
+        </p:txBody>
+      </p:sp>
       <p:pic>
         <p:nvPicPr>
-          <p:cNvPr id="226" name="Google Shape;226;gee7056b43e_0_70"/>
+          <p:cNvPr id="234" name="Google Shape;234;gee7056b43e_0_62"/>
           <p:cNvPicPr preferRelativeResize="0"/>
           <p:nvPr/>
         </p:nvPicPr>
@@ -19335,64 +19288,8 @@
         </p:blipFill>
         <p:spPr>
           <a:xfrm>
-            <a:off x="148725" y="1479575"/>
-            <a:ext cx="2823125" cy="3490398"/>
-          </a:xfrm>
-          <a:prstGeom prst="rect">
-            <a:avLst/>
-          </a:prstGeom>
-          <a:noFill/>
-          <a:ln>
-            <a:noFill/>
-          </a:ln>
-        </p:spPr>
-      </p:pic>
-      <p:pic>
-        <p:nvPicPr>
-          <p:cNvPr id="227" name="Google Shape;227;gee7056b43e_0_70"/>
-          <p:cNvPicPr preferRelativeResize="0"/>
-          <p:nvPr/>
-        </p:nvPicPr>
-        <p:blipFill>
-          <a:blip r:embed="rId5">
-            <a:alphaModFix/>
-          </a:blip>
-          <a:stretch>
-            <a:fillRect/>
-          </a:stretch>
-        </p:blipFill>
-        <p:spPr>
-          <a:xfrm>
-            <a:off x="3103838" y="1479575"/>
-            <a:ext cx="2721015" cy="3490401"/>
-          </a:xfrm>
-          <a:prstGeom prst="rect">
-            <a:avLst/>
-          </a:prstGeom>
-          <a:noFill/>
-          <a:ln>
-            <a:noFill/>
-          </a:ln>
-        </p:spPr>
-      </p:pic>
-      <p:pic>
-        <p:nvPicPr>
-          <p:cNvPr id="228" name="Google Shape;228;gee7056b43e_0_70"/>
-          <p:cNvPicPr preferRelativeResize="0"/>
-          <p:nvPr/>
-        </p:nvPicPr>
-        <p:blipFill>
-          <a:blip r:embed="rId6">
-            <a:alphaModFix/>
-          </a:blip>
-          <a:stretch>
-            <a:fillRect/>
-          </a:stretch>
-        </p:blipFill>
-        <p:spPr>
-          <a:xfrm>
-            <a:off x="5956841" y="1479575"/>
-            <a:ext cx="3016409" cy="3490399"/>
+            <a:off x="2740200" y="3539825"/>
+            <a:ext cx="3663601" cy="579450"/>
           </a:xfrm>
           <a:prstGeom prst="rect">
             <a:avLst/>
@@ -19428,7 +19325,7 @@
     </p:bg>
     <p:spTree>
       <p:nvGrpSpPr>
-        <p:cNvPr id="232" name="Shape 232"/>
+        <p:cNvPr id="238" name="Shape 238"/>
         <p:cNvGrpSpPr/>
         <p:nvPr/>
       </p:nvGrpSpPr>
@@ -19442,7 +19339,7 @@
       </p:grpSpPr>
       <p:sp>
         <p:nvSpPr>
-          <p:cNvPr id="233" name="Google Shape;233;gf24470d99d_0_0"/>
+          <p:cNvPr id="239" name="Google Shape;239;gf24470d99d_0_0"/>
           <p:cNvSpPr txBox="1"/>
           <p:nvPr/>
         </p:nvSpPr>
@@ -19543,7 +19440,7 @@
   <p:cSld>
     <p:spTree>
       <p:nvGrpSpPr>
-        <p:cNvPr id="237" name="Shape 237"/>
+        <p:cNvPr id="243" name="Shape 243"/>
         <p:cNvGrpSpPr/>
         <p:nvPr/>
       </p:nvGrpSpPr>
@@ -19557,7 +19454,7 @@
       </p:grpSpPr>
       <p:pic>
         <p:nvPicPr>
-          <p:cNvPr id="238" name="Google Shape;238;p36"/>
+          <p:cNvPr id="244" name="Google Shape;244;p36"/>
           <p:cNvPicPr preferRelativeResize="0"/>
           <p:nvPr/>
         </p:nvPicPr>
@@ -20294,7 +20191,7 @@
           <a:p>
             <a:pPr indent="0" lvl="0" marL="0" rtl="0" algn="l">
               <a:lnSpc>
-                <a:spcPct val="90000"/>
+                <a:spcPct val="115000"/>
               </a:lnSpc>
               <a:spcBef>
                 <a:spcPts val="600"/>
@@ -20310,7 +20207,23 @@
                   <a:srgbClr val="3C63AB"/>
                 </a:solidFill>
               </a:rPr>
-              <a:t>Muchas aplicaciones requieren trabajar con las cámaras del dispositivo para tomar fotos y videos. Flutter proporciona el plugin camera para este propósito. El plugin camera proporciona herramientas para obtener una lista de las cámaras disponibles, mostrar una vista previa que viene de una cámara específica, y tomar fotos o </a:t>
+              <a:t>Muchas aplicaciones requieren trabajar con las cámaras del dispositivo para tomar fotos y videos. Flutter proporciona el plugin </a:t>
+            </a:r>
+            <a:r>
+              <a:rPr b="1" lang="es">
+                <a:solidFill>
+                  <a:srgbClr val="3C63AB"/>
+                </a:solidFill>
+              </a:rPr>
+              <a:t>camera </a:t>
+            </a:r>
+            <a:r>
+              <a:rPr lang="es">
+                <a:solidFill>
+                  <a:srgbClr val="3C63AB"/>
+                </a:solidFill>
+              </a:rPr>
+              <a:t>para este propósito. El plugin camera proporciona herramientas para obtener una lista de las cámaras disponibles, mostrar una vista previa que viene de una cámara específica, y tomar fotos o </a:t>
             </a:r>
             <a:r>
               <a:rPr lang="es">
@@ -20327,219 +20240,6 @@
                 </a:solidFill>
               </a:rPr>
               <a:t>.</a:t>
-            </a:r>
-            <a:endParaRPr>
-              <a:solidFill>
-                <a:srgbClr val="3C63AB"/>
-              </a:solidFill>
-            </a:endParaRPr>
-          </a:p>
-          <a:p>
-            <a:pPr indent="0" lvl="0" marL="0" rtl="0" algn="l">
-              <a:lnSpc>
-                <a:spcPct val="90000"/>
-              </a:lnSpc>
-              <a:spcBef>
-                <a:spcPts val="600"/>
-              </a:spcBef>
-              <a:spcAft>
-                <a:spcPts val="0"/>
-              </a:spcAft>
-              <a:buNone/>
-            </a:pPr>
-            <a:r>
-              <a:rPr lang="es">
-                <a:solidFill>
-                  <a:srgbClr val="3C63AB"/>
-                </a:solidFill>
-              </a:rPr>
-              <a:t>Esta receta demuestra cómo usar el plugin camera para mostrar una vista previa, tomar una foto y mostrarla.</a:t>
-            </a:r>
-            <a:endParaRPr>
-              <a:solidFill>
-                <a:srgbClr val="3C63AB"/>
-              </a:solidFill>
-            </a:endParaRPr>
-          </a:p>
-          <a:p>
-            <a:pPr indent="-311150" lvl="0" marL="457200" rtl="0" algn="l">
-              <a:lnSpc>
-                <a:spcPct val="150000"/>
-              </a:lnSpc>
-              <a:spcBef>
-                <a:spcPts val="600"/>
-              </a:spcBef>
-              <a:spcAft>
-                <a:spcPts val="0"/>
-              </a:spcAft>
-              <a:buClr>
-                <a:srgbClr val="3C63AB"/>
-              </a:buClr>
-              <a:buSzPts val="1300"/>
-              <a:buChar char="●"/>
-            </a:pPr>
-            <a:r>
-              <a:rPr lang="es">
-                <a:solidFill>
-                  <a:srgbClr val="3C63AB"/>
-                </a:solidFill>
-              </a:rPr>
-              <a:t>Añadir las dependencias necesarias</a:t>
-            </a:r>
-            <a:endParaRPr>
-              <a:solidFill>
-                <a:srgbClr val="3C63AB"/>
-              </a:solidFill>
-            </a:endParaRPr>
-          </a:p>
-          <a:p>
-            <a:pPr indent="-311150" lvl="0" marL="457200" rtl="0" algn="l">
-              <a:lnSpc>
-                <a:spcPct val="150000"/>
-              </a:lnSpc>
-              <a:spcBef>
-                <a:spcPts val="0"/>
-              </a:spcBef>
-              <a:spcAft>
-                <a:spcPts val="0"/>
-              </a:spcAft>
-              <a:buClr>
-                <a:srgbClr val="3C63AB"/>
-              </a:buClr>
-              <a:buSzPts val="1300"/>
-              <a:buChar char="●"/>
-            </a:pPr>
-            <a:r>
-              <a:rPr lang="es">
-                <a:solidFill>
-                  <a:srgbClr val="3C63AB"/>
-                </a:solidFill>
-              </a:rPr>
-              <a:t>Obtén una lista de las cámaras disponibles</a:t>
-            </a:r>
-            <a:endParaRPr>
-              <a:solidFill>
-                <a:srgbClr val="3C63AB"/>
-              </a:solidFill>
-            </a:endParaRPr>
-          </a:p>
-          <a:p>
-            <a:pPr indent="-311150" lvl="0" marL="457200" rtl="0" algn="l">
-              <a:lnSpc>
-                <a:spcPct val="150000"/>
-              </a:lnSpc>
-              <a:spcBef>
-                <a:spcPts val="0"/>
-              </a:spcBef>
-              <a:spcAft>
-                <a:spcPts val="0"/>
-              </a:spcAft>
-              <a:buClr>
-                <a:srgbClr val="3C63AB"/>
-              </a:buClr>
-              <a:buSzPts val="1300"/>
-              <a:buChar char="●"/>
-            </a:pPr>
-            <a:r>
-              <a:rPr lang="es">
-                <a:solidFill>
-                  <a:srgbClr val="3C63AB"/>
-                </a:solidFill>
-              </a:rPr>
-              <a:t>Crear e inicializar el CameraController.</a:t>
-            </a:r>
-            <a:endParaRPr>
-              <a:solidFill>
-                <a:srgbClr val="3C63AB"/>
-              </a:solidFill>
-            </a:endParaRPr>
-          </a:p>
-          <a:p>
-            <a:pPr indent="-311150" lvl="0" marL="457200" rtl="0" algn="l">
-              <a:lnSpc>
-                <a:spcPct val="150000"/>
-              </a:lnSpc>
-              <a:spcBef>
-                <a:spcPts val="0"/>
-              </a:spcBef>
-              <a:spcAft>
-                <a:spcPts val="0"/>
-              </a:spcAft>
-              <a:buClr>
-                <a:srgbClr val="3C63AB"/>
-              </a:buClr>
-              <a:buSzPts val="1300"/>
-              <a:buChar char="●"/>
-            </a:pPr>
-            <a:r>
-              <a:rPr lang="es">
-                <a:solidFill>
-                  <a:srgbClr val="3C63AB"/>
-                </a:solidFill>
-              </a:rPr>
-              <a:t>Usa un CameraPreview para mostrar el feed de la cámara.</a:t>
-            </a:r>
-            <a:endParaRPr>
-              <a:solidFill>
-                <a:srgbClr val="3C63AB"/>
-              </a:solidFill>
-            </a:endParaRPr>
-          </a:p>
-          <a:p>
-            <a:pPr indent="-311150" lvl="0" marL="457200" rtl="0" algn="l">
-              <a:lnSpc>
-                <a:spcPct val="150000"/>
-              </a:lnSpc>
-              <a:spcBef>
-                <a:spcPts val="0"/>
-              </a:spcBef>
-              <a:spcAft>
-                <a:spcPts val="0"/>
-              </a:spcAft>
-              <a:buClr>
-                <a:srgbClr val="3C63AB"/>
-              </a:buClr>
-              <a:buSzPts val="1300"/>
-              <a:buChar char="●"/>
-            </a:pPr>
-            <a:r>
-              <a:rPr lang="es">
-                <a:solidFill>
-                  <a:srgbClr val="3C63AB"/>
-                </a:solidFill>
-              </a:rPr>
-              <a:t>Toma una foto con el CameraController.</a:t>
-            </a:r>
-            <a:endParaRPr>
-              <a:solidFill>
-                <a:srgbClr val="3C63AB"/>
-              </a:solidFill>
-            </a:endParaRPr>
-          </a:p>
-          <a:p>
-            <a:pPr indent="-311150" lvl="0" marL="457200" rtl="0" algn="l">
-              <a:lnSpc>
-                <a:spcPct val="150000"/>
-              </a:lnSpc>
-              <a:spcBef>
-                <a:spcPts val="0"/>
-              </a:spcBef>
-              <a:spcAft>
-                <a:spcPts val="0"/>
-              </a:spcAft>
-              <a:buClr>
-                <a:srgbClr val="3C63AB"/>
-              </a:buClr>
-              <a:buSzPts val="1300"/>
-              <a:buChar char="●"/>
-            </a:pPr>
-            <a:r>
-              <a:rPr lang="es">
-                <a:solidFill>
-                  <a:srgbClr val="3C63AB"/>
-                </a:solidFill>
-              </a:rPr>
-              <a:t>Muestra la imagen con un widget Image.</a:t>
             </a:r>
             <a:endParaRPr>
               <a:solidFill>
@@ -20765,7 +20465,7 @@
       </p:grpSpPr>
       <p:sp>
         <p:nvSpPr>
-          <p:cNvPr id="167" name="Google Shape;167;gee7056b43e_0_2"/>
+          <p:cNvPr id="167" name="Google Shape;167;gf8063ff635_0_0"/>
           <p:cNvSpPr txBox="1"/>
           <p:nvPr>
             <p:ph type="title"/>
@@ -20825,7 +20525,7 @@
       </p:sp>
       <p:sp>
         <p:nvSpPr>
-          <p:cNvPr id="168" name="Google Shape;168;gee7056b43e_0_2"/>
+          <p:cNvPr id="168" name="Google Shape;168;gf8063ff635_0_0"/>
           <p:cNvSpPr txBox="1"/>
           <p:nvPr>
             <p:ph idx="4294967295" type="body"/>
@@ -20834,7 +20534,7 @@
         <p:spPr>
           <a:xfrm>
             <a:off x="870550" y="1724375"/>
-            <a:ext cx="7974600" cy="3489300"/>
+            <a:ext cx="7263000" cy="3489300"/>
           </a:xfrm>
           <a:prstGeom prst="rect">
             <a:avLst/>
@@ -20858,7 +20558,7 @@
           <a:p>
             <a:pPr indent="0" lvl="0" marL="0" rtl="0" algn="l">
               <a:lnSpc>
-                <a:spcPct val="150000"/>
+                <a:spcPct val="90000"/>
               </a:lnSpc>
               <a:spcBef>
                 <a:spcPts val="600"/>
@@ -20869,22 +20569,294 @@
               <a:buNone/>
             </a:pPr>
             <a:r>
-              <a:rPr b="1" lang="es" sz="1400">
+              <a:rPr lang="es">
                 <a:solidFill>
                   <a:srgbClr val="3C63AB"/>
                 </a:solidFill>
               </a:rPr>
-              <a:t>Añadir las dependencias necesarias: </a:t>
+              <a:t>Se demostrará c</a:t>
             </a:r>
             <a:r>
-              <a:rPr lang="es" sz="1400">
+              <a:rPr lang="es">
                 <a:solidFill>
                   <a:srgbClr val="3C63AB"/>
                 </a:solidFill>
               </a:rPr>
-              <a:t>Para completar esta receta, necesitas añadir tres dependencias a tu aplicación:</a:t>
+              <a:t>ómo usar el plugin </a:t>
             </a:r>
-            <a:endParaRPr sz="1400">
+            <a:r>
+              <a:rPr b="1" lang="es">
+                <a:solidFill>
+                  <a:srgbClr val="3C63AB"/>
+                </a:solidFill>
+              </a:rPr>
+              <a:t>camera </a:t>
+            </a:r>
+            <a:r>
+              <a:rPr lang="es">
+                <a:solidFill>
+                  <a:srgbClr val="3C63AB"/>
+                </a:solidFill>
+              </a:rPr>
+              <a:t>para mostrar una vista previa, tomar una foto y mostrarla.</a:t>
+            </a:r>
+            <a:endParaRPr>
+              <a:solidFill>
+                <a:srgbClr val="3C63AB"/>
+              </a:solidFill>
+            </a:endParaRPr>
+          </a:p>
+          <a:p>
+            <a:pPr indent="-311150" lvl="0" marL="457200" rtl="0" algn="l">
+              <a:lnSpc>
+                <a:spcPct val="150000"/>
+              </a:lnSpc>
+              <a:spcBef>
+                <a:spcPts val="600"/>
+              </a:spcBef>
+              <a:spcAft>
+                <a:spcPts val="0"/>
+              </a:spcAft>
+              <a:buClr>
+                <a:srgbClr val="3C63AB"/>
+              </a:buClr>
+              <a:buSzPts val="1300"/>
+              <a:buChar char="●"/>
+            </a:pPr>
+            <a:r>
+              <a:rPr lang="es">
+                <a:solidFill>
+                  <a:srgbClr val="3C63AB"/>
+                </a:solidFill>
+              </a:rPr>
+              <a:t>Añadir las dependencias necesarias</a:t>
+            </a:r>
+            <a:endParaRPr>
+              <a:solidFill>
+                <a:srgbClr val="3C63AB"/>
+              </a:solidFill>
+            </a:endParaRPr>
+          </a:p>
+          <a:p>
+            <a:pPr indent="-311150" lvl="0" marL="457200" rtl="0" algn="l">
+              <a:lnSpc>
+                <a:spcPct val="150000"/>
+              </a:lnSpc>
+              <a:spcBef>
+                <a:spcPts val="0"/>
+              </a:spcBef>
+              <a:spcAft>
+                <a:spcPts val="0"/>
+              </a:spcAft>
+              <a:buClr>
+                <a:srgbClr val="3C63AB"/>
+              </a:buClr>
+              <a:buSzPts val="1300"/>
+              <a:buChar char="●"/>
+            </a:pPr>
+            <a:r>
+              <a:rPr lang="es">
+                <a:solidFill>
+                  <a:srgbClr val="3C63AB"/>
+                </a:solidFill>
+              </a:rPr>
+              <a:t>Obtén una lista de las cámaras disponibles</a:t>
+            </a:r>
+            <a:endParaRPr>
+              <a:solidFill>
+                <a:srgbClr val="3C63AB"/>
+              </a:solidFill>
+            </a:endParaRPr>
+          </a:p>
+          <a:p>
+            <a:pPr indent="-311150" lvl="0" marL="457200" rtl="0" algn="l">
+              <a:lnSpc>
+                <a:spcPct val="150000"/>
+              </a:lnSpc>
+              <a:spcBef>
+                <a:spcPts val="0"/>
+              </a:spcBef>
+              <a:spcAft>
+                <a:spcPts val="0"/>
+              </a:spcAft>
+              <a:buClr>
+                <a:srgbClr val="3C63AB"/>
+              </a:buClr>
+              <a:buSzPts val="1300"/>
+              <a:buChar char="●"/>
+            </a:pPr>
+            <a:r>
+              <a:rPr lang="es">
+                <a:solidFill>
+                  <a:srgbClr val="3C63AB"/>
+                </a:solidFill>
+              </a:rPr>
+              <a:t>Crear e inicializar el </a:t>
+            </a:r>
+            <a:r>
+              <a:rPr b="1" lang="es">
+                <a:solidFill>
+                  <a:srgbClr val="3C63AB"/>
+                </a:solidFill>
+              </a:rPr>
+              <a:t>CameraController</a:t>
+            </a:r>
+            <a:r>
+              <a:rPr lang="es">
+                <a:solidFill>
+                  <a:srgbClr val="3C63AB"/>
+                </a:solidFill>
+              </a:rPr>
+              <a:t>.</a:t>
+            </a:r>
+            <a:endParaRPr>
+              <a:solidFill>
+                <a:srgbClr val="3C63AB"/>
+              </a:solidFill>
+            </a:endParaRPr>
+          </a:p>
+          <a:p>
+            <a:pPr indent="-311150" lvl="0" marL="457200" rtl="0" algn="l">
+              <a:lnSpc>
+                <a:spcPct val="150000"/>
+              </a:lnSpc>
+              <a:spcBef>
+                <a:spcPts val="0"/>
+              </a:spcBef>
+              <a:spcAft>
+                <a:spcPts val="0"/>
+              </a:spcAft>
+              <a:buClr>
+                <a:srgbClr val="3C63AB"/>
+              </a:buClr>
+              <a:buSzPts val="1300"/>
+              <a:buChar char="●"/>
+            </a:pPr>
+            <a:r>
+              <a:rPr lang="es">
+                <a:solidFill>
+                  <a:srgbClr val="3C63AB"/>
+                </a:solidFill>
+              </a:rPr>
+              <a:t>Usa un </a:t>
+            </a:r>
+            <a:r>
+              <a:rPr b="1" lang="es">
+                <a:solidFill>
+                  <a:srgbClr val="3C63AB"/>
+                </a:solidFill>
+              </a:rPr>
+              <a:t>CameraPreview </a:t>
+            </a:r>
+            <a:r>
+              <a:rPr lang="es">
+                <a:solidFill>
+                  <a:srgbClr val="3C63AB"/>
+                </a:solidFill>
+              </a:rPr>
+              <a:t>para mostrar el feed de la cámara.</a:t>
+            </a:r>
+            <a:endParaRPr>
+              <a:solidFill>
+                <a:srgbClr val="3C63AB"/>
+              </a:solidFill>
+            </a:endParaRPr>
+          </a:p>
+          <a:p>
+            <a:pPr indent="-311150" lvl="0" marL="457200" rtl="0" algn="l">
+              <a:lnSpc>
+                <a:spcPct val="150000"/>
+              </a:lnSpc>
+              <a:spcBef>
+                <a:spcPts val="0"/>
+              </a:spcBef>
+              <a:spcAft>
+                <a:spcPts val="0"/>
+              </a:spcAft>
+              <a:buClr>
+                <a:srgbClr val="3C63AB"/>
+              </a:buClr>
+              <a:buSzPts val="1300"/>
+              <a:buChar char="●"/>
+            </a:pPr>
+            <a:r>
+              <a:rPr lang="es">
+                <a:solidFill>
+                  <a:srgbClr val="3C63AB"/>
+                </a:solidFill>
+              </a:rPr>
+              <a:t>Toma una foto con el </a:t>
+            </a:r>
+            <a:r>
+              <a:rPr b="1" lang="es">
+                <a:solidFill>
+                  <a:srgbClr val="3C63AB"/>
+                </a:solidFill>
+              </a:rPr>
+              <a:t>CameraController</a:t>
+            </a:r>
+            <a:r>
+              <a:rPr lang="es">
+                <a:solidFill>
+                  <a:srgbClr val="3C63AB"/>
+                </a:solidFill>
+              </a:rPr>
+              <a:t>.</a:t>
+            </a:r>
+            <a:endParaRPr>
+              <a:solidFill>
+                <a:srgbClr val="3C63AB"/>
+              </a:solidFill>
+            </a:endParaRPr>
+          </a:p>
+          <a:p>
+            <a:pPr indent="-311150" lvl="0" marL="457200" rtl="0" algn="l">
+              <a:lnSpc>
+                <a:spcPct val="150000"/>
+              </a:lnSpc>
+              <a:spcBef>
+                <a:spcPts val="0"/>
+              </a:spcBef>
+              <a:spcAft>
+                <a:spcPts val="0"/>
+              </a:spcAft>
+              <a:buClr>
+                <a:srgbClr val="3C63AB"/>
+              </a:buClr>
+              <a:buSzPts val="1300"/>
+              <a:buChar char="●"/>
+            </a:pPr>
+            <a:r>
+              <a:rPr lang="es">
+                <a:solidFill>
+                  <a:srgbClr val="3C63AB"/>
+                </a:solidFill>
+              </a:rPr>
+              <a:t>Muestra la imagen con un widget Image.</a:t>
+            </a:r>
+            <a:endParaRPr>
+              <a:solidFill>
+                <a:srgbClr val="3C63AB"/>
+              </a:solidFill>
+            </a:endParaRPr>
+          </a:p>
+          <a:p>
+            <a:pPr indent="0" lvl="0" marL="457200" rtl="0" algn="l">
+              <a:lnSpc>
+                <a:spcPct val="90000"/>
+              </a:lnSpc>
+              <a:spcBef>
+                <a:spcPts val="600"/>
+              </a:spcBef>
+              <a:spcAft>
+                <a:spcPts val="0"/>
+              </a:spcAft>
+              <a:buNone/>
+            </a:pPr>
+            <a:r>
+              <a:t/>
+            </a:r>
+            <a:endParaRPr>
               <a:solidFill>
                 <a:srgbClr val="3C63AB"/>
               </a:solidFill>
@@ -20893,7 +20865,7 @@
           <a:p>
             <a:pPr indent="0" lvl="0" marL="0" rtl="0" algn="l">
               <a:lnSpc>
-                <a:spcPct val="150000"/>
+                <a:spcPct val="90000"/>
               </a:lnSpc>
               <a:spcBef>
                 <a:spcPts val="600"/>
@@ -20906,135 +20878,7 @@
             <a:r>
               <a:t/>
             </a:r>
-            <a:endParaRPr sz="1400">
-              <a:solidFill>
-                <a:srgbClr val="3C63AB"/>
-              </a:solidFill>
-            </a:endParaRPr>
-          </a:p>
-          <a:p>
-            <a:pPr indent="-317500" lvl="0" marL="457200" rtl="0" algn="l">
-              <a:lnSpc>
-                <a:spcPct val="150000"/>
-              </a:lnSpc>
-              <a:spcBef>
-                <a:spcPts val="600"/>
-              </a:spcBef>
-              <a:spcAft>
-                <a:spcPts val="0"/>
-              </a:spcAft>
-              <a:buClr>
-                <a:srgbClr val="3C63AB"/>
-              </a:buClr>
-              <a:buSzPts val="1400"/>
-              <a:buChar char="●"/>
-            </a:pPr>
-            <a:r>
-              <a:rPr lang="es" sz="1400" u="sng">
-                <a:solidFill>
-                  <a:schemeClr val="hlink"/>
-                </a:solidFill>
-                <a:hlinkClick r:id="rId4"/>
-              </a:rPr>
-              <a:t>camera </a:t>
-            </a:r>
-            <a:r>
-              <a:rPr lang="es" sz="1400">
-                <a:solidFill>
-                  <a:srgbClr val="3C63AB"/>
-                </a:solidFill>
-              </a:rPr>
-              <a:t>- Proporciona herramientas para trabajar con las cámaras del dispositivo</a:t>
-            </a:r>
-            <a:endParaRPr sz="1400">
-              <a:solidFill>
-                <a:srgbClr val="3C63AB"/>
-              </a:solidFill>
-            </a:endParaRPr>
-          </a:p>
-          <a:p>
-            <a:pPr indent="-317500" lvl="0" marL="457200" rtl="0" algn="l">
-              <a:lnSpc>
-                <a:spcPct val="150000"/>
-              </a:lnSpc>
-              <a:spcBef>
-                <a:spcPts val="0"/>
-              </a:spcBef>
-              <a:spcAft>
-                <a:spcPts val="0"/>
-              </a:spcAft>
-              <a:buClr>
-                <a:srgbClr val="3C63AB"/>
-              </a:buClr>
-              <a:buSzPts val="1400"/>
-              <a:buChar char="●"/>
-            </a:pPr>
-            <a:r>
-              <a:rPr lang="es" sz="1400" u="sng">
-                <a:solidFill>
-                  <a:schemeClr val="hlink"/>
-                </a:solidFill>
-                <a:hlinkClick r:id="rId5"/>
-              </a:rPr>
-              <a:t>path_provider </a:t>
-            </a:r>
-            <a:r>
-              <a:rPr lang="es" sz="1400">
-                <a:solidFill>
-                  <a:srgbClr val="3C63AB"/>
-                </a:solidFill>
-              </a:rPr>
-              <a:t>- Encuentra las rutas correctas para almacenar imágenes</a:t>
-            </a:r>
-            <a:endParaRPr sz="1400">
-              <a:solidFill>
-                <a:srgbClr val="3C63AB"/>
-              </a:solidFill>
-            </a:endParaRPr>
-          </a:p>
-          <a:p>
-            <a:pPr indent="-317500" lvl="0" marL="457200" rtl="0" algn="l">
-              <a:lnSpc>
-                <a:spcPct val="150000"/>
-              </a:lnSpc>
-              <a:spcBef>
-                <a:spcPts val="0"/>
-              </a:spcBef>
-              <a:spcAft>
-                <a:spcPts val="0"/>
-              </a:spcAft>
-              <a:buClr>
-                <a:srgbClr val="3C63AB"/>
-              </a:buClr>
-              <a:buSzPts val="1400"/>
-              <a:buChar char="●"/>
-            </a:pPr>
-            <a:r>
-              <a:rPr lang="es" sz="1400" u="sng">
-                <a:solidFill>
-                  <a:schemeClr val="hlink"/>
-                </a:solidFill>
-                <a:hlinkClick r:id="rId6"/>
-              </a:rPr>
-              <a:t>path </a:t>
-            </a:r>
-            <a:r>
-              <a:rPr lang="es" sz="1400">
-                <a:solidFill>
-                  <a:srgbClr val="3C63AB"/>
-                </a:solidFill>
-              </a:rPr>
-              <a:t> </a:t>
-            </a:r>
-            <a:r>
-              <a:rPr lang="es" sz="1400">
-                <a:solidFill>
-                  <a:srgbClr val="3C63AB"/>
-                </a:solidFill>
-              </a:rPr>
-              <a:t>- Crea rutas que funcionan en cualquier plataforma</a:t>
-            </a:r>
-            <a:endParaRPr sz="1400">
+            <a:endParaRPr>
               <a:solidFill>
                 <a:srgbClr val="3C63AB"/>
               </a:solidFill>
@@ -21043,7 +20887,7 @@
           <a:p>
             <a:pPr indent="0" lvl="0" marL="0" rtl="0" algn="l">
               <a:lnSpc>
-                <a:spcPct val="150000"/>
+                <a:spcPct val="90000"/>
               </a:lnSpc>
               <a:spcBef>
                 <a:spcPts val="600"/>
@@ -21051,34 +20895,13 @@
               <a:spcAft>
                 <a:spcPts val="0"/>
               </a:spcAft>
+              <a:buSzPts val="1300"/>
               <a:buNone/>
             </a:pPr>
             <a:r>
               <a:t/>
             </a:r>
-            <a:endParaRPr sz="1400">
-              <a:solidFill>
-                <a:srgbClr val="3C63AB"/>
-              </a:solidFill>
-            </a:endParaRPr>
-          </a:p>
-          <a:p>
-            <a:pPr indent="0" lvl="0" marL="0" rtl="0" algn="l">
-              <a:lnSpc>
-                <a:spcPct val="150000"/>
-              </a:lnSpc>
-              <a:spcBef>
-                <a:spcPts val="600"/>
-              </a:spcBef>
-              <a:spcAft>
-                <a:spcPts val="0"/>
-              </a:spcAft>
-              <a:buNone/>
-            </a:pPr>
-            <a:r>
-              <a:t/>
-            </a:r>
-            <a:endParaRPr sz="1400">
+            <a:endParaRPr>
               <a:solidFill>
                 <a:srgbClr val="3C63AB"/>
               </a:solidFill>
@@ -21095,80 +20918,13 @@
               <a:spcAft>
                 <a:spcPts val="0"/>
               </a:spcAft>
+              <a:buSzPts val="1300"/>
               <a:buNone/>
             </a:pPr>
             <a:r>
               <a:t/>
             </a:r>
-            <a:endParaRPr sz="1400">
-              <a:solidFill>
-                <a:srgbClr val="3C63AB"/>
-              </a:solidFill>
-            </a:endParaRPr>
-          </a:p>
-          <a:p>
-            <a:pPr indent="0" lvl="0" marL="0" rtl="0" algn="l">
-              <a:lnSpc>
-                <a:spcPct val="90000"/>
-              </a:lnSpc>
-              <a:spcBef>
-                <a:spcPts val="600"/>
-              </a:spcBef>
-              <a:spcAft>
-                <a:spcPts val="0"/>
-              </a:spcAft>
-              <a:buNone/>
-            </a:pPr>
-            <a:r>
-              <a:t/>
-            </a:r>
-            <a:endParaRPr sz="1400">
-              <a:solidFill>
-                <a:srgbClr val="3C63AB"/>
-              </a:solidFill>
-            </a:endParaRPr>
-          </a:p>
-          <a:p>
-            <a:pPr indent="0" lvl="0" marL="0" rtl="0" algn="l">
-              <a:lnSpc>
-                <a:spcPct val="90000"/>
-              </a:lnSpc>
-              <a:spcBef>
-                <a:spcPts val="600"/>
-              </a:spcBef>
-              <a:spcAft>
-                <a:spcPts val="0"/>
-              </a:spcAft>
-              <a:buSzPts val="1300"/>
-              <a:buNone/>
-            </a:pPr>
-            <a:r>
-              <a:t/>
-            </a:r>
-            <a:endParaRPr sz="1400">
-              <a:solidFill>
-                <a:srgbClr val="3C63AB"/>
-              </a:solidFill>
-            </a:endParaRPr>
-          </a:p>
-          <a:p>
-            <a:pPr indent="0" lvl="0" marL="457200" rtl="0" algn="l">
-              <a:lnSpc>
-                <a:spcPct val="90000"/>
-              </a:lnSpc>
-              <a:spcBef>
-                <a:spcPts val="600"/>
-              </a:spcBef>
-              <a:spcAft>
-                <a:spcPts val="0"/>
-              </a:spcAft>
-              <a:buSzPts val="1300"/>
-              <a:buNone/>
-            </a:pPr>
-            <a:r>
-              <a:t/>
-            </a:r>
-            <a:endParaRPr>
+            <a:endParaRPr sz="1200">
               <a:solidFill>
                 <a:srgbClr val="3D63AB"/>
               </a:solidFill>
@@ -21191,7 +20947,7 @@
             <a:r>
               <a:t/>
             </a:r>
-            <a:endParaRPr>
+            <a:endParaRPr sz="1200">
               <a:solidFill>
                 <a:srgbClr val="3D63AB"/>
               </a:solidFill>
@@ -21218,7 +20974,7 @@
             <a:r>
               <a:t/>
             </a:r>
-            <a:endParaRPr sz="1200">
+            <a:endParaRPr sz="1100">
               <a:solidFill>
                 <a:srgbClr val="000000"/>
               </a:solidFill>
@@ -21248,7 +21004,7 @@
             <a:r>
               <a:t/>
             </a:r>
-            <a:endParaRPr sz="1200">
+            <a:endParaRPr sz="1100">
               <a:solidFill>
                 <a:srgbClr val="000000"/>
               </a:solidFill>
@@ -21302,7 +21058,7 @@
       </p:grpSpPr>
       <p:sp>
         <p:nvSpPr>
-          <p:cNvPr id="173" name="Google Shape;173;gee7056b43e_0_9"/>
+          <p:cNvPr id="173" name="Google Shape;173;gf8063ff635_0_8"/>
           <p:cNvSpPr txBox="1"/>
           <p:nvPr>
             <p:ph type="title"/>
@@ -21310,8 +21066,8 @@
         </p:nvSpPr>
         <p:spPr>
           <a:xfrm>
-            <a:off x="814075" y="1006650"/>
-            <a:ext cx="7581300" cy="618000"/>
+            <a:off x="889600" y="1006650"/>
+            <a:ext cx="7505700" cy="618000"/>
           </a:xfrm>
           <a:prstGeom prst="rect">
             <a:avLst/>
@@ -21362,7 +21118,7 @@
       </p:sp>
       <p:sp>
         <p:nvSpPr>
-          <p:cNvPr id="174" name="Google Shape;174;gee7056b43e_0_9"/>
+          <p:cNvPr id="174" name="Google Shape;174;gf8063ff635_0_8"/>
           <p:cNvSpPr txBox="1"/>
           <p:nvPr>
             <p:ph idx="4294967295" type="body"/>
@@ -21371,20 +21127,14 @@
         <p:spPr>
           <a:xfrm>
             <a:off x="870550" y="1724375"/>
-            <a:ext cx="7524900" cy="3489300"/>
+            <a:ext cx="7974600" cy="3489300"/>
           </a:xfrm>
           <a:prstGeom prst="rect">
             <a:avLst/>
           </a:prstGeom>
           <a:noFill/>
-          <a:ln cap="flat" cmpd="sng" w="9525">
-            <a:solidFill>
-              <a:schemeClr val="dk1"/>
-            </a:solidFill>
-            <a:prstDash val="solid"/>
-            <a:round/>
-            <a:headEnd len="sm" w="sm" type="none"/>
-            <a:tailEnd len="sm" w="sm" type="none"/>
+          <a:ln>
+            <a:noFill/>
           </a:ln>
         </p:spPr>
         <p:txBody>
@@ -21411,15 +21161,7 @@
                   <a:srgbClr val="3C63AB"/>
                 </a:solidFill>
               </a:rPr>
-              <a:t>Obtén una lista de las cámaras disponibles:</a:t>
-            </a:r>
-            <a:r>
-              <a:rPr b="1" lang="es" sz="1400">
-                <a:solidFill>
-                  <a:srgbClr val="3C63AB"/>
-                </a:solidFill>
-              </a:rPr>
-              <a:t> </a:t>
+              <a:t>Añadir las dependencias necesarias: </a:t>
             </a:r>
             <a:r>
               <a:rPr lang="es" sz="1400">
@@ -21427,7 +21169,7 @@
                   <a:srgbClr val="3C63AB"/>
                 </a:solidFill>
               </a:rPr>
-              <a:t>A continuación, puedes obtener una lista de las cámaras disponibles utilizando el plugin camera.</a:t>
+              <a:t>Para implementar el proyecto se deben añadir tres dependencias:</a:t>
             </a:r>
             <a:endParaRPr sz="1400">
               <a:solidFill>
@@ -21436,7 +21178,7 @@
             </a:endParaRPr>
           </a:p>
           <a:p>
-            <a:pPr indent="0" lvl="0" marL="0" rtl="0" algn="l">
+            <a:pPr indent="-317500" lvl="0" marL="457200" rtl="0" algn="l">
               <a:lnSpc>
                 <a:spcPct val="150000"/>
               </a:lnSpc>
@@ -21446,246 +21188,40 @@
               <a:spcAft>
                 <a:spcPts val="0"/>
               </a:spcAft>
-              <a:buNone/>
+              <a:buClr>
+                <a:srgbClr val="3C63AB"/>
+              </a:buClr>
+              <a:buSzPts val="1400"/>
+              <a:buChar char="●"/>
             </a:pPr>
             <a:r>
-              <a:t/>
+              <a:rPr lang="es" sz="1400" u="sng">
+                <a:solidFill>
+                  <a:schemeClr val="hlink"/>
+                </a:solidFill>
+                <a:hlinkClick r:id="rId4"/>
+              </a:rPr>
+              <a:t>camera </a:t>
             </a:r>
-            <a:endParaRPr sz="1400">
-              <a:solidFill>
-                <a:srgbClr val="3C63AB"/>
-              </a:solidFill>
-            </a:endParaRPr>
-          </a:p>
-          <a:p>
-            <a:pPr indent="0" lvl="0" marL="457200" rtl="0" algn="l">
-              <a:lnSpc>
-                <a:spcPct val="150000"/>
-              </a:lnSpc>
-              <a:spcBef>
-                <a:spcPts val="600"/>
-              </a:spcBef>
-              <a:spcAft>
-                <a:spcPts val="0"/>
-              </a:spcAft>
-              <a:buNone/>
-            </a:pPr>
             <a:r>
-              <a:t/>
+              <a:rPr lang="es" sz="1400">
+                <a:solidFill>
+                  <a:srgbClr val="3C63AB"/>
+                </a:solidFill>
+              </a:rPr>
+              <a:t>- Proporciona herramientas para trabajar con las cámaras del dispositivo, usa el comando </a:t>
             </a:r>
-            <a:endParaRPr sz="1400">
-              <a:solidFill>
-                <a:srgbClr val="3C63AB"/>
-              </a:solidFill>
-            </a:endParaRPr>
-          </a:p>
-          <a:p>
-            <a:pPr indent="0" lvl="0" marL="0" rtl="0" algn="l">
-              <a:lnSpc>
-                <a:spcPct val="150000"/>
-              </a:lnSpc>
-              <a:spcBef>
-                <a:spcPts val="600"/>
-              </a:spcBef>
-              <a:spcAft>
-                <a:spcPts val="0"/>
-              </a:spcAft>
-              <a:buNone/>
-            </a:pPr>
             <a:r>
-              <a:t/>
-            </a:r>
-            <a:endParaRPr sz="1400">
-              <a:solidFill>
-                <a:srgbClr val="3C63AB"/>
-              </a:solidFill>
-            </a:endParaRPr>
-          </a:p>
-          <a:p>
-            <a:pPr indent="0" lvl="0" marL="0" rtl="0" algn="l">
-              <a:lnSpc>
-                <a:spcPct val="150000"/>
-              </a:lnSpc>
-              <a:spcBef>
-                <a:spcPts val="600"/>
-              </a:spcBef>
-              <a:spcAft>
-                <a:spcPts val="0"/>
-              </a:spcAft>
-              <a:buNone/>
-            </a:pPr>
-            <a:r>
-              <a:t/>
-            </a:r>
-            <a:endParaRPr sz="1400">
-              <a:solidFill>
-                <a:srgbClr val="3C63AB"/>
-              </a:solidFill>
-            </a:endParaRPr>
-          </a:p>
-          <a:p>
-            <a:pPr indent="0" lvl="0" marL="457200" rtl="0" algn="l">
-              <a:lnSpc>
-                <a:spcPct val="90000"/>
-              </a:lnSpc>
-              <a:spcBef>
-                <a:spcPts val="600"/>
-              </a:spcBef>
-              <a:spcAft>
-                <a:spcPts val="0"/>
-              </a:spcAft>
-              <a:buNone/>
-            </a:pPr>
-            <a:r>
-              <a:t/>
-            </a:r>
-            <a:endParaRPr sz="1400">
-              <a:solidFill>
-                <a:srgbClr val="3C63AB"/>
-              </a:solidFill>
-            </a:endParaRPr>
-          </a:p>
-          <a:p>
-            <a:pPr indent="0" lvl="0" marL="0" rtl="0" algn="l">
-              <a:lnSpc>
-                <a:spcPct val="90000"/>
-              </a:lnSpc>
-              <a:spcBef>
-                <a:spcPts val="600"/>
-              </a:spcBef>
-              <a:spcAft>
-                <a:spcPts val="0"/>
-              </a:spcAft>
-              <a:buNone/>
-            </a:pPr>
-            <a:r>
-              <a:t/>
-            </a:r>
-            <a:endParaRPr sz="1400">
-              <a:solidFill>
-                <a:srgbClr val="3C63AB"/>
-              </a:solidFill>
-            </a:endParaRPr>
-          </a:p>
-          <a:p>
-            <a:pPr indent="0" lvl="0" marL="0" rtl="0" algn="l">
-              <a:lnSpc>
-                <a:spcPct val="90000"/>
-              </a:lnSpc>
-              <a:spcBef>
-                <a:spcPts val="600"/>
-              </a:spcBef>
-              <a:spcAft>
-                <a:spcPts val="0"/>
-              </a:spcAft>
-              <a:buSzPts val="1300"/>
-              <a:buNone/>
-            </a:pPr>
-            <a:r>
-              <a:t/>
-            </a:r>
-            <a:endParaRPr sz="1400">
-              <a:solidFill>
-                <a:srgbClr val="3C63AB"/>
-              </a:solidFill>
-            </a:endParaRPr>
-          </a:p>
-          <a:p>
-            <a:pPr indent="0" lvl="0" marL="457200" rtl="0" algn="l">
-              <a:lnSpc>
-                <a:spcPct val="90000"/>
-              </a:lnSpc>
-              <a:spcBef>
-                <a:spcPts val="600"/>
-              </a:spcBef>
-              <a:spcAft>
-                <a:spcPts val="0"/>
-              </a:spcAft>
-              <a:buSzPts val="1300"/>
-              <a:buNone/>
-            </a:pPr>
-            <a:r>
-              <a:t/>
-            </a:r>
-            <a:endParaRPr>
-              <a:solidFill>
-                <a:srgbClr val="3D63AB"/>
-              </a:solidFill>
-            </a:endParaRPr>
-          </a:p>
-          <a:p>
-            <a:pPr indent="0" lvl="0" marL="0" rtl="0" algn="l">
-              <a:lnSpc>
-                <a:spcPct val="90000"/>
-              </a:lnSpc>
-              <a:spcBef>
-                <a:spcPts val="600"/>
-              </a:spcBef>
-              <a:spcAft>
-                <a:spcPts val="0"/>
-              </a:spcAft>
-              <a:buSzPts val="1300"/>
-              <a:buNone/>
-            </a:pPr>
-            <a:r>
-              <a:t/>
-            </a:r>
-            <a:endParaRPr>
-              <a:solidFill>
-                <a:srgbClr val="3D63AB"/>
-              </a:solidFill>
-              <a:latin typeface="Arial"/>
-              <a:ea typeface="Arial"/>
-              <a:cs typeface="Arial"/>
-              <a:sym typeface="Arial"/>
-            </a:endParaRPr>
-          </a:p>
-          <a:p>
-            <a:pPr indent="0" lvl="0" marL="457200" rtl="0" algn="l">
-              <a:lnSpc>
-                <a:spcPct val="90000"/>
-              </a:lnSpc>
-              <a:spcBef>
-                <a:spcPts val="600"/>
-              </a:spcBef>
-              <a:spcAft>
-                <a:spcPts val="0"/>
-              </a:spcAft>
-              <a:buSzPts val="1300"/>
-              <a:buNone/>
-            </a:pPr>
-            <a:r>
-              <a:t/>
-            </a:r>
-            <a:endParaRPr sz="1200">
-              <a:solidFill>
-                <a:srgbClr val="000000"/>
-              </a:solidFill>
-              <a:highlight>
-                <a:srgbClr val="FFFFFF"/>
-              </a:highlight>
-              <a:latin typeface="Arial"/>
-              <a:ea typeface="Arial"/>
-              <a:cs typeface="Arial"/>
-              <a:sym typeface="Arial"/>
-            </a:endParaRPr>
-          </a:p>
-          <a:p>
-            <a:pPr indent="0" lvl="0" marL="0" rtl="0" algn="l">
-              <a:lnSpc>
-                <a:spcPct val="90000"/>
-              </a:lnSpc>
-              <a:spcBef>
-                <a:spcPts val="600"/>
-              </a:spcBef>
-              <a:spcAft>
-                <a:spcPts val="0"/>
-              </a:spcAft>
-              <a:buSzPts val="1300"/>
-              <a:buNone/>
-            </a:pPr>
-            <a:r>
-              <a:t/>
+              <a:rPr lang="es" sz="1400">
+                <a:solidFill>
+                  <a:srgbClr val="3C63AB"/>
+                </a:solidFill>
+                <a:latin typeface="Courier New"/>
+                <a:ea typeface="Courier New"/>
+                <a:cs typeface="Courier New"/>
+                <a:sym typeface="Courier New"/>
+              </a:rPr>
+              <a:t>$ flutter pub add camera</a:t>
             </a:r>
             <a:endParaRPr sz="1200">
               <a:solidFill>
@@ -21704,22 +21240,21 @@
       </p:sp>
       <p:pic>
         <p:nvPicPr>
-          <p:cNvPr id="175" name="Google Shape;175;gee7056b43e_0_9"/>
+          <p:cNvPr id="175" name="Google Shape;175;gf8063ff635_0_8"/>
           <p:cNvPicPr preferRelativeResize="0"/>
           <p:nvPr/>
         </p:nvPicPr>
-        <p:blipFill>
-          <a:blip r:embed="rId4">
+        <p:blipFill rotWithShape="1">
+          <a:blip r:embed="rId5">
             <a:alphaModFix/>
           </a:blip>
-          <a:stretch>
-            <a:fillRect/>
-          </a:stretch>
+          <a:srcRect b="26397" l="16780" r="17516" t="26730"/>
+          <a:stretch/>
         </p:blipFill>
         <p:spPr>
           <a:xfrm>
-            <a:off x="1356413" y="2623525"/>
-            <a:ext cx="6253525" cy="1288500"/>
+            <a:off x="3706000" y="3203938"/>
+            <a:ext cx="1961550" cy="889574"/>
           </a:xfrm>
           <a:prstGeom prst="rect">
             <a:avLst/>
@@ -21769,7 +21304,7 @@
       </p:grpSpPr>
       <p:sp>
         <p:nvSpPr>
-          <p:cNvPr id="180" name="Google Shape;180;gee7056b43e_0_17"/>
+          <p:cNvPr id="180" name="Google Shape;180;gee7056b43e_0_2"/>
           <p:cNvSpPr txBox="1"/>
           <p:nvPr>
             <p:ph type="title"/>
@@ -21829,7 +21364,7 @@
       </p:sp>
       <p:sp>
         <p:nvSpPr>
-          <p:cNvPr id="181" name="Google Shape;181;gee7056b43e_0_17"/>
+          <p:cNvPr id="181" name="Google Shape;181;gee7056b43e_0_2"/>
           <p:cNvSpPr txBox="1"/>
           <p:nvPr>
             <p:ph idx="4294967295" type="body"/>
@@ -21837,21 +21372,15 @@
         </p:nvSpPr>
         <p:spPr>
           <a:xfrm>
-            <a:off x="1050900" y="1724375"/>
-            <a:ext cx="7659600" cy="3489300"/>
+            <a:off x="870550" y="1724375"/>
+            <a:ext cx="7974600" cy="3489300"/>
           </a:xfrm>
           <a:prstGeom prst="rect">
             <a:avLst/>
           </a:prstGeom>
           <a:noFill/>
-          <a:ln cap="flat" cmpd="sng" w="9525">
-            <a:solidFill>
-              <a:schemeClr val="dk1"/>
-            </a:solidFill>
-            <a:prstDash val="solid"/>
-            <a:round/>
-            <a:headEnd len="sm" w="sm" type="none"/>
-            <a:tailEnd len="sm" w="sm" type="none"/>
+          <a:ln>
+            <a:noFill/>
           </a:ln>
         </p:spPr>
         <p:txBody>
@@ -21860,9 +21389,9 @@
           </a:bodyPr>
           <a:lstStyle/>
           <a:p>
-            <a:pPr indent="0" lvl="0" marL="0" rtl="0" algn="l">
-              <a:lnSpc>
-                <a:spcPct val="100000"/>
+            <a:pPr indent="-317500" lvl="0" marL="457200" rtl="0" algn="l">
+              <a:lnSpc>
+                <a:spcPct val="150000"/>
               </a:lnSpc>
               <a:spcBef>
                 <a:spcPts val="600"/>
@@ -21870,191 +21399,57 @@
               <a:spcAft>
                 <a:spcPts val="0"/>
               </a:spcAft>
-              <a:buNone/>
+              <a:buClr>
+                <a:srgbClr val="3C63AB"/>
+              </a:buClr>
+              <a:buSzPts val="1400"/>
+              <a:buChar char="●"/>
             </a:pPr>
             <a:r>
-              <a:rPr b="1" lang="es">
-                <a:solidFill>
-                  <a:srgbClr val="3C63AB"/>
-                </a:solidFill>
+              <a:rPr lang="es" sz="1400" u="sng">
+                <a:solidFill>
+                  <a:schemeClr val="hlink"/>
+                </a:solidFill>
+                <a:hlinkClick r:id="rId4"/>
               </a:rPr>
-              <a:t>Crear e inicializar el CameraController</a:t>
+              <a:t>path_provider </a:t>
             </a:r>
             <a:r>
-              <a:rPr b="1" lang="es">
+              <a:rPr lang="es" sz="1400">
                 <a:solidFill>
                   <a:srgbClr val="3C63AB"/>
                 </a:solidFill>
               </a:rPr>
-              <a:t>: </a:t>
+              <a:t>- Encuentra las rutas correctas para almacenar imágenes</a:t>
             </a:r>
             <a:r>
-              <a:rPr lang="es">
+              <a:rPr lang="es" sz="1400">
                 <a:solidFill>
                   <a:srgbClr val="3C63AB"/>
                 </a:solidFill>
               </a:rPr>
-              <a:t>Una vez que tengas una cámara para trabajar, deberás crear e inicializar un CameraController. Este proceso establece una conexión con la cámara del dispositivo que te permite controlar la cámara y mostrar una vista previa de la alimentación de la cámara. Para lograrlo, por favor:</a:t>
+              <a:t>, usa el comando </a:t>
             </a:r>
-            <a:endParaRPr>
+            <a:r>
+              <a:rPr lang="es" sz="1400">
+                <a:solidFill>
+                  <a:srgbClr val="3C63AB"/>
+                </a:solidFill>
+                <a:latin typeface="Courier New"/>
+                <a:ea typeface="Courier New"/>
+                <a:cs typeface="Courier New"/>
+                <a:sym typeface="Courier New"/>
+              </a:rPr>
+              <a:t>$ flutter pub add path_provider</a:t>
+            </a:r>
+            <a:endParaRPr sz="1400">
               <a:solidFill>
                 <a:srgbClr val="3C63AB"/>
               </a:solidFill>
-            </a:endParaRPr>
-          </a:p>
-          <a:p>
-            <a:pPr indent="-311150" lvl="0" marL="457200" rtl="0" algn="l">
-              <a:lnSpc>
-                <a:spcPct val="150000"/>
-              </a:lnSpc>
-              <a:spcBef>
-                <a:spcPts val="600"/>
-              </a:spcBef>
-              <a:spcAft>
-                <a:spcPts val="0"/>
-              </a:spcAft>
-              <a:buClr>
-                <a:srgbClr val="3C63AB"/>
-              </a:buClr>
-              <a:buSzPts val="1300"/>
-              <a:buChar char="●"/>
-            </a:pPr>
-            <a:r>
-              <a:rPr lang="es">
-                <a:solidFill>
-                  <a:srgbClr val="3C63AB"/>
-                </a:solidFill>
-              </a:rPr>
-              <a:t>Crea un StatefulWidget con un compañero State</a:t>
-            </a:r>
-            <a:endParaRPr>
-              <a:solidFill>
-                <a:srgbClr val="3C63AB"/>
-              </a:solidFill>
-            </a:endParaRPr>
-          </a:p>
-          <a:p>
-            <a:pPr indent="-311150" lvl="0" marL="457200" rtl="0" algn="l">
-              <a:lnSpc>
-                <a:spcPct val="150000"/>
-              </a:lnSpc>
-              <a:spcBef>
-                <a:spcPts val="0"/>
-              </a:spcBef>
-              <a:spcAft>
-                <a:spcPts val="0"/>
-              </a:spcAft>
-              <a:buClr>
-                <a:srgbClr val="3C63AB"/>
-              </a:buClr>
-              <a:buSzPts val="1300"/>
-              <a:buChar char="●"/>
-            </a:pPr>
-            <a:r>
-              <a:rPr lang="es">
-                <a:solidFill>
-                  <a:srgbClr val="3C63AB"/>
-                </a:solidFill>
-              </a:rPr>
-              <a:t>Añade una variable a la clase State para almacenar el CameraController.</a:t>
-            </a:r>
-            <a:endParaRPr>
-              <a:solidFill>
-                <a:srgbClr val="3C63AB"/>
-              </a:solidFill>
-            </a:endParaRPr>
-          </a:p>
-          <a:p>
-            <a:pPr indent="-311150" lvl="0" marL="457200" rtl="0" algn="l">
-              <a:lnSpc>
-                <a:spcPct val="150000"/>
-              </a:lnSpc>
-              <a:spcBef>
-                <a:spcPts val="0"/>
-              </a:spcBef>
-              <a:spcAft>
-                <a:spcPts val="0"/>
-              </a:spcAft>
-              <a:buClr>
-                <a:srgbClr val="3C63AB"/>
-              </a:buClr>
-              <a:buSzPts val="1300"/>
-              <a:buChar char="●"/>
-            </a:pPr>
-            <a:r>
-              <a:rPr lang="es">
-                <a:solidFill>
-                  <a:srgbClr val="3C63AB"/>
-                </a:solidFill>
-              </a:rPr>
-              <a:t>Añade una variable a la clase State para almacenar el Future devuelto desde CameraController.initialize</a:t>
-            </a:r>
-            <a:endParaRPr>
-              <a:solidFill>
-                <a:srgbClr val="3C63AB"/>
-              </a:solidFill>
-            </a:endParaRPr>
-          </a:p>
-          <a:p>
-            <a:pPr indent="-311150" lvl="0" marL="457200" rtl="0" algn="l">
-              <a:lnSpc>
-                <a:spcPct val="150000"/>
-              </a:lnSpc>
-              <a:spcBef>
-                <a:spcPts val="0"/>
-              </a:spcBef>
-              <a:spcAft>
-                <a:spcPts val="0"/>
-              </a:spcAft>
-              <a:buClr>
-                <a:srgbClr val="3C63AB"/>
-              </a:buClr>
-              <a:buSzPts val="1300"/>
-              <a:buChar char="●"/>
-            </a:pPr>
-            <a:r>
-              <a:rPr lang="es">
-                <a:solidFill>
-                  <a:srgbClr val="3C63AB"/>
-                </a:solidFill>
-              </a:rPr>
-              <a:t>Crea e inicializar el controlador en el método initState</a:t>
-            </a:r>
-            <a:endParaRPr>
-              <a:solidFill>
-                <a:srgbClr val="3C63AB"/>
-              </a:solidFill>
-            </a:endParaRPr>
-          </a:p>
-          <a:p>
-            <a:pPr indent="-311150" lvl="0" marL="457200" rtl="0" algn="l">
-              <a:lnSpc>
-                <a:spcPct val="150000"/>
-              </a:lnSpc>
-              <a:spcBef>
-                <a:spcPts val="0"/>
-              </a:spcBef>
-              <a:spcAft>
-                <a:spcPts val="0"/>
-              </a:spcAft>
-              <a:buClr>
-                <a:srgbClr val="3C63AB"/>
-              </a:buClr>
-              <a:buSzPts val="1300"/>
-              <a:buChar char="●"/>
-            </a:pPr>
-            <a:r>
-              <a:rPr lang="es">
-                <a:solidFill>
-                  <a:srgbClr val="3C63AB"/>
-                </a:solidFill>
-              </a:rPr>
-              <a:t>Elimina el controlador en el método dispose</a:t>
-            </a:r>
-            <a:endParaRPr>
-              <a:solidFill>
-                <a:srgbClr val="3C63AB"/>
-              </a:solidFill>
+              <a:latin typeface="Courier New"/>
+              <a:ea typeface="Courier New"/>
+              <a:cs typeface="Courier New"/>
+              <a:sym typeface="Courier New"/>
             </a:endParaRPr>
           </a:p>
           <a:p>
@@ -22073,10 +21468,14 @@
             <a:r>
               <a:t/>
             </a:r>
-            <a:endParaRPr>
+            <a:endParaRPr sz="1400">
               <a:solidFill>
                 <a:srgbClr val="3C63AB"/>
               </a:solidFill>
+              <a:latin typeface="Courier New"/>
+              <a:ea typeface="Courier New"/>
+              <a:cs typeface="Courier New"/>
+              <a:sym typeface="Courier New"/>
             </a:endParaRPr>
           </a:p>
           <a:p>
@@ -22095,14 +21494,18 @@
             <a:r>
               <a:t/>
             </a:r>
-            <a:endParaRPr>
+            <a:endParaRPr sz="1400">
               <a:solidFill>
                 <a:srgbClr val="3C63AB"/>
               </a:solidFill>
+              <a:latin typeface="Courier New"/>
+              <a:ea typeface="Courier New"/>
+              <a:cs typeface="Courier New"/>
+              <a:sym typeface="Courier New"/>
             </a:endParaRPr>
           </a:p>
           <a:p>
-            <a:pPr indent="0" lvl="0" marL="457200" rtl="0" algn="l">
+            <a:pPr indent="-317500" lvl="0" marL="457200" rtl="0" algn="l">
               <a:lnSpc>
                 <a:spcPct val="150000"/>
               </a:lnSpc>
@@ -22112,226 +21515,58 @@
               <a:spcAft>
                 <a:spcPts val="0"/>
               </a:spcAft>
-              <a:buNone/>
+              <a:buClr>
+                <a:srgbClr val="3C63AB"/>
+              </a:buClr>
+              <a:buSzPts val="1400"/>
+              <a:buChar char="●"/>
             </a:pPr>
             <a:r>
-              <a:t/>
+              <a:rPr lang="es" sz="1400" u="sng">
+                <a:solidFill>
+                  <a:schemeClr val="hlink"/>
+                </a:solidFill>
+                <a:hlinkClick r:id="rId5"/>
+              </a:rPr>
+              <a:t>path </a:t>
             </a:r>
-            <a:endParaRPr>
-              <a:solidFill>
-                <a:srgbClr val="3C63AB"/>
-              </a:solidFill>
-            </a:endParaRPr>
-          </a:p>
-          <a:p>
-            <a:pPr indent="0" lvl="0" marL="0" rtl="0" algn="l">
-              <a:lnSpc>
-                <a:spcPct val="150000"/>
-              </a:lnSpc>
-              <a:spcBef>
-                <a:spcPts val="600"/>
-              </a:spcBef>
-              <a:spcAft>
-                <a:spcPts val="0"/>
-              </a:spcAft>
-              <a:buNone/>
-            </a:pPr>
             <a:r>
-              <a:t/>
+              <a:rPr lang="es" sz="1400">
+                <a:solidFill>
+                  <a:srgbClr val="3C63AB"/>
+                </a:solidFill>
+              </a:rPr>
+              <a:t> </a:t>
             </a:r>
-            <a:endParaRPr>
-              <a:solidFill>
-                <a:srgbClr val="3C63AB"/>
-              </a:solidFill>
-            </a:endParaRPr>
-          </a:p>
-          <a:p>
-            <a:pPr indent="0" lvl="0" marL="0" rtl="0" algn="l">
-              <a:lnSpc>
-                <a:spcPct val="150000"/>
-              </a:lnSpc>
-              <a:spcBef>
-                <a:spcPts val="600"/>
-              </a:spcBef>
-              <a:spcAft>
-                <a:spcPts val="0"/>
-              </a:spcAft>
-              <a:buNone/>
-            </a:pPr>
             <a:r>
-              <a:t/>
+              <a:rPr lang="es" sz="1400">
+                <a:solidFill>
+                  <a:srgbClr val="3C63AB"/>
+                </a:solidFill>
+              </a:rPr>
+              <a:t>- Crea rutas que funcionan en cualquier plataforma</a:t>
             </a:r>
-            <a:endParaRPr>
-              <a:solidFill>
-                <a:srgbClr val="3C63AB"/>
-              </a:solidFill>
-            </a:endParaRPr>
-          </a:p>
-          <a:p>
-            <a:pPr indent="0" lvl="0" marL="457200" rtl="0" algn="l">
-              <a:lnSpc>
-                <a:spcPct val="90000"/>
-              </a:lnSpc>
-              <a:spcBef>
-                <a:spcPts val="600"/>
-              </a:spcBef>
-              <a:spcAft>
-                <a:spcPts val="0"/>
-              </a:spcAft>
-              <a:buNone/>
-            </a:pPr>
             <a:r>
-              <a:t/>
+              <a:rPr lang="es" sz="1400">
+                <a:solidFill>
+                  <a:srgbClr val="3C63AB"/>
+                </a:solidFill>
+              </a:rPr>
+              <a:t>, usa el comando </a:t>
             </a:r>
-            <a:endParaRPr>
-              <a:solidFill>
-                <a:srgbClr val="3C63AB"/>
-              </a:solidFill>
-            </a:endParaRPr>
-          </a:p>
-          <a:p>
-            <a:pPr indent="0" lvl="0" marL="0" rtl="0" algn="l">
-              <a:lnSpc>
-                <a:spcPct val="90000"/>
-              </a:lnSpc>
-              <a:spcBef>
-                <a:spcPts val="600"/>
-              </a:spcBef>
-              <a:spcAft>
-                <a:spcPts val="0"/>
-              </a:spcAft>
-              <a:buNone/>
-            </a:pPr>
             <a:r>
-              <a:t/>
-            </a:r>
-            <a:endParaRPr>
-              <a:solidFill>
-                <a:srgbClr val="3C63AB"/>
-              </a:solidFill>
-            </a:endParaRPr>
-          </a:p>
-          <a:p>
-            <a:pPr indent="0" lvl="0" marL="0" rtl="0" algn="l">
-              <a:lnSpc>
-                <a:spcPct val="90000"/>
-              </a:lnSpc>
-              <a:spcBef>
-                <a:spcPts val="600"/>
-              </a:spcBef>
-              <a:spcAft>
-                <a:spcPts val="0"/>
-              </a:spcAft>
-              <a:buSzPts val="1300"/>
-              <a:buNone/>
-            </a:pPr>
-            <a:r>
-              <a:t/>
-            </a:r>
-            <a:endParaRPr>
-              <a:solidFill>
-                <a:srgbClr val="3C63AB"/>
-              </a:solidFill>
-            </a:endParaRPr>
-          </a:p>
-          <a:p>
-            <a:pPr indent="0" lvl="0" marL="457200" rtl="0" algn="l">
-              <a:lnSpc>
-                <a:spcPct val="90000"/>
-              </a:lnSpc>
-              <a:spcBef>
-                <a:spcPts val="600"/>
-              </a:spcBef>
-              <a:spcAft>
-                <a:spcPts val="0"/>
-              </a:spcAft>
-              <a:buSzPts val="1300"/>
-              <a:buNone/>
-            </a:pPr>
-            <a:r>
-              <a:t/>
+              <a:rPr lang="es" sz="1400">
+                <a:solidFill>
+                  <a:srgbClr val="3C63AB"/>
+                </a:solidFill>
+                <a:latin typeface="Courier New"/>
+                <a:ea typeface="Courier New"/>
+                <a:cs typeface="Courier New"/>
+                <a:sym typeface="Courier New"/>
+              </a:rPr>
+              <a:t>$ flutter pub add path</a:t>
             </a:r>
             <a:endParaRPr sz="1200">
-              <a:solidFill>
-                <a:srgbClr val="3D63AB"/>
-              </a:solidFill>
-            </a:endParaRPr>
-          </a:p>
-          <a:p>
-            <a:pPr indent="0" lvl="0" marL="0" rtl="0" algn="l">
-              <a:lnSpc>
-                <a:spcPct val="90000"/>
-              </a:lnSpc>
-              <a:spcBef>
-                <a:spcPts val="600"/>
-              </a:spcBef>
-              <a:spcAft>
-                <a:spcPts val="0"/>
-              </a:spcAft>
-              <a:buSzPts val="1300"/>
-              <a:buNone/>
-            </a:pPr>
-            <a:r>
-              <a:t/>
-            </a:r>
-            <a:endParaRPr sz="1200">
-              <a:solidFill>
-                <a:srgbClr val="3D63AB"/>
-              </a:solidFill>
-              <a:latin typeface="Arial"/>
-              <a:ea typeface="Arial"/>
-              <a:cs typeface="Arial"/>
-              <a:sym typeface="Arial"/>
-            </a:endParaRPr>
-          </a:p>
-          <a:p>
-            <a:pPr indent="0" lvl="0" marL="457200" rtl="0" algn="l">
-              <a:lnSpc>
-                <a:spcPct val="90000"/>
-              </a:lnSpc>
-              <a:spcBef>
-                <a:spcPts val="600"/>
-              </a:spcBef>
-              <a:spcAft>
-                <a:spcPts val="0"/>
-              </a:spcAft>
-              <a:buSzPts val="1300"/>
-              <a:buNone/>
-            </a:pPr>
-            <a:r>
-              <a:t/>
-            </a:r>
-            <a:endParaRPr sz="1100">
-              <a:solidFill>
-                <a:srgbClr val="000000"/>
-              </a:solidFill>
-              <a:highlight>
-                <a:srgbClr val="FFFFFF"/>
-              </a:highlight>
-              <a:latin typeface="Arial"/>
-              <a:ea typeface="Arial"/>
-              <a:cs typeface="Arial"/>
-              <a:sym typeface="Arial"/>
-            </a:endParaRPr>
-          </a:p>
-          <a:p>
-            <a:pPr indent="0" lvl="0" marL="0" rtl="0" algn="l">
-              <a:lnSpc>
-                <a:spcPct val="90000"/>
-              </a:lnSpc>
-              <a:spcBef>
-                <a:spcPts val="600"/>
-              </a:spcBef>
-              <a:spcAft>
-                <a:spcPts val="0"/>
-              </a:spcAft>
-              <a:buSzPts val="1300"/>
-              <a:buNone/>
-            </a:pPr>
-            <a:r>
-              <a:t/>
-            </a:r>
-            <a:endParaRPr sz="1100">
               <a:solidFill>
                 <a:srgbClr val="000000"/>
               </a:solidFill>
@@ -22346,6 +21581,62 @@
           </a:p>
         </p:txBody>
       </p:sp>
+      <p:pic>
+        <p:nvPicPr>
+          <p:cNvPr id="182" name="Google Shape;182;gee7056b43e_0_2"/>
+          <p:cNvPicPr preferRelativeResize="0"/>
+          <p:nvPr/>
+        </p:nvPicPr>
+        <p:blipFill>
+          <a:blip r:embed="rId6">
+            <a:alphaModFix/>
+          </a:blip>
+          <a:stretch>
+            <a:fillRect/>
+          </a:stretch>
+        </p:blipFill>
+        <p:spPr>
+          <a:xfrm>
+            <a:off x="3421525" y="2384650"/>
+            <a:ext cx="2300950" cy="793400"/>
+          </a:xfrm>
+          <a:prstGeom prst="rect">
+            <a:avLst/>
+          </a:prstGeom>
+          <a:noFill/>
+          <a:ln>
+            <a:noFill/>
+          </a:ln>
+        </p:spPr>
+      </p:pic>
+      <p:pic>
+        <p:nvPicPr>
+          <p:cNvPr id="183" name="Google Shape;183;gee7056b43e_0_2"/>
+          <p:cNvPicPr preferRelativeResize="0"/>
+          <p:nvPr/>
+        </p:nvPicPr>
+        <p:blipFill>
+          <a:blip r:embed="rId7">
+            <a:alphaModFix/>
+          </a:blip>
+          <a:stretch>
+            <a:fillRect/>
+          </a:stretch>
+        </p:blipFill>
+        <p:spPr>
+          <a:xfrm>
+            <a:off x="3868875" y="3814650"/>
+            <a:ext cx="1547159" cy="793400"/>
+          </a:xfrm>
+          <a:prstGeom prst="rect">
+            <a:avLst/>
+          </a:prstGeom>
+          <a:noFill/>
+          <a:ln>
+            <a:noFill/>
+          </a:ln>
+        </p:spPr>
+      </p:pic>
     </p:spTree>
   </p:cSld>
   <p:clrMapOvr>
@@ -22371,7 +21662,7 @@
     </p:bg>
     <p:spTree>
       <p:nvGrpSpPr>
-        <p:cNvPr id="185" name="Shape 185"/>
+        <p:cNvPr id="187" name="Shape 187"/>
         <p:cNvGrpSpPr/>
         <p:nvPr/>
       </p:nvGrpSpPr>
@@ -22385,7 +21676,7 @@
       </p:grpSpPr>
       <p:sp>
         <p:nvSpPr>
-          <p:cNvPr id="186" name="Google Shape;186;gee7056b43e_0_25"/>
+          <p:cNvPr id="188" name="Google Shape;188;gee7056b43e_0_9"/>
           <p:cNvSpPr txBox="1"/>
           <p:nvPr>
             <p:ph type="title"/>
@@ -22393,8 +21684,8 @@
         </p:nvSpPr>
         <p:spPr>
           <a:xfrm>
-            <a:off x="889600" y="1006650"/>
-            <a:ext cx="7505700" cy="618000"/>
+            <a:off x="814075" y="1006650"/>
+            <a:ext cx="7581300" cy="618000"/>
           </a:xfrm>
           <a:prstGeom prst="rect">
             <a:avLst/>
@@ -22445,7 +21736,7 @@
       </p:sp>
       <p:sp>
         <p:nvSpPr>
-          <p:cNvPr id="187" name="Google Shape;187;gee7056b43e_0_25"/>
+          <p:cNvPr id="189" name="Google Shape;189;gee7056b43e_0_9"/>
           <p:cNvSpPr txBox="1"/>
           <p:nvPr>
             <p:ph idx="4294967295" type="body"/>
@@ -22454,20 +21745,14 @@
         <p:spPr>
           <a:xfrm>
             <a:off x="870550" y="1724375"/>
-            <a:ext cx="2696700" cy="1043400"/>
+            <a:ext cx="7524900" cy="3489300"/>
           </a:xfrm>
           <a:prstGeom prst="rect">
             <a:avLst/>
           </a:prstGeom>
           <a:noFill/>
-          <a:ln cap="flat" cmpd="sng" w="9525">
-            <a:solidFill>
-              <a:schemeClr val="dk1"/>
-            </a:solidFill>
-            <a:prstDash val="solid"/>
-            <a:round/>
-            <a:headEnd len="sm" w="sm" type="none"/>
-            <a:tailEnd len="sm" w="sm" type="none"/>
+          <a:ln>
+            <a:noFill/>
           </a:ln>
         </p:spPr>
         <p:txBody>
@@ -22489,20 +21774,12 @@
               <a:buNone/>
             </a:pPr>
             <a:r>
-              <a:rPr b="1" lang="es" sz="1400">
+              <a:rPr lang="es" sz="1400">
                 <a:solidFill>
                   <a:srgbClr val="3C63AB"/>
                 </a:solidFill>
               </a:rPr>
-              <a:t>Crear e inicializar el CameraController:  </a:t>
-            </a:r>
-            <a:r>
-              <a:rPr lang="es" sz="1400">
-                <a:solidFill>
-                  <a:srgbClr val="3C63AB"/>
-                </a:solidFill>
-              </a:rPr>
-              <a:t>debe quedar algo parecido a esto.</a:t>
+              <a:t>A continuación, se puede obtener una lista de cámaras disponibles utilizando el complemento de cámara.</a:t>
             </a:r>
             <a:endParaRPr sz="1200">
               <a:solidFill>
@@ -22511,13 +21788,17 @@
               <a:highlight>
                 <a:srgbClr val="FFFFFF"/>
               </a:highlight>
+              <a:latin typeface="Arial"/>
+              <a:ea typeface="Arial"/>
+              <a:cs typeface="Arial"/>
+              <a:sym typeface="Arial"/>
             </a:endParaRPr>
           </a:p>
         </p:txBody>
       </p:sp>
       <p:pic>
         <p:nvPicPr>
-          <p:cNvPr id="188" name="Google Shape;188;gee7056b43e_0_25"/>
+          <p:cNvPr id="190" name="Google Shape;190;gee7056b43e_0_9"/>
           <p:cNvPicPr preferRelativeResize="0"/>
           <p:nvPr/>
         </p:nvPicPr>
@@ -22531,8 +21812,8 @@
         </p:blipFill>
         <p:spPr>
           <a:xfrm>
-            <a:off x="4701125" y="123400"/>
-            <a:ext cx="4012051" cy="4896700"/>
+            <a:off x="1611075" y="2399275"/>
+            <a:ext cx="5921849" cy="2139500"/>
           </a:xfrm>
           <a:prstGeom prst="rect">
             <a:avLst/>
@@ -22568,7 +21849,7 @@
     </p:bg>
     <p:spTree>
       <p:nvGrpSpPr>
-        <p:cNvPr id="192" name="Shape 192"/>
+        <p:cNvPr id="194" name="Shape 194"/>
         <p:cNvGrpSpPr/>
         <p:nvPr/>
       </p:nvGrpSpPr>
@@ -22582,7 +21863,7 @@
       </p:grpSpPr>
       <p:sp>
         <p:nvSpPr>
-          <p:cNvPr id="193" name="Google Shape;193;gee7056b43e_0_31"/>
+          <p:cNvPr id="195" name="Google Shape;195;gee7056b43e_0_17"/>
           <p:cNvSpPr txBox="1"/>
           <p:nvPr>
             <p:ph type="title"/>
@@ -22590,8 +21871,8 @@
         </p:nvSpPr>
         <p:spPr>
           <a:xfrm>
-            <a:off x="870550" y="1006650"/>
-            <a:ext cx="7524900" cy="618000"/>
+            <a:off x="889600" y="1006650"/>
+            <a:ext cx="7505700" cy="618000"/>
           </a:xfrm>
           <a:prstGeom prst="rect">
             <a:avLst/>
@@ -22642,7 +21923,7 @@
       </p:sp>
       <p:sp>
         <p:nvSpPr>
-          <p:cNvPr id="194" name="Google Shape;194;gee7056b43e_0_31"/>
+          <p:cNvPr id="196" name="Google Shape;196;gee7056b43e_0_17"/>
           <p:cNvSpPr txBox="1"/>
           <p:nvPr>
             <p:ph idx="4294967295" type="body"/>
@@ -22650,8 +21931,8 @@
         </p:nvSpPr>
         <p:spPr>
           <a:xfrm>
-            <a:off x="870550" y="1724375"/>
-            <a:ext cx="7974600" cy="3489300"/>
+            <a:off x="1050900" y="1724375"/>
+            <a:ext cx="7659600" cy="3489300"/>
           </a:xfrm>
           <a:prstGeom prst="rect">
             <a:avLst/>
@@ -22675,7 +21956,7 @@
           <a:p>
             <a:pPr indent="0" lvl="0" marL="0" rtl="0" algn="l">
               <a:lnSpc>
-                <a:spcPct val="150000"/>
+                <a:spcPct val="100000"/>
               </a:lnSpc>
               <a:spcBef>
                 <a:spcPts val="600"/>
@@ -22686,15 +21967,15 @@
               <a:buNone/>
             </a:pPr>
             <a:r>
-              <a:rPr b="1" lang="es" sz="1400">
+              <a:rPr b="1" lang="es">
                 <a:solidFill>
                   <a:srgbClr val="3C63AB"/>
                 </a:solidFill>
               </a:rPr>
-              <a:t>Usa un CameraPreview para mostrar el feed de la cámara</a:t>
+              <a:t>Crear e inicializar el CameraController</a:t>
             </a:r>
             <a:r>
-              <a:rPr b="1" lang="es" sz="1400">
+              <a:rPr b="1" lang="es">
                 <a:solidFill>
                   <a:srgbClr val="3C63AB"/>
                 </a:solidFill>
@@ -22702,14 +21983,108 @@
               <a:t>: </a:t>
             </a:r>
             <a:r>
-              <a:rPr lang="es" sz="1400">
+              <a:rPr lang="es">
                 <a:solidFill>
                   <a:srgbClr val="3C63AB"/>
                 </a:solidFill>
               </a:rPr>
-              <a:t>A continuación, puedes utilizar el widget CameraPreview del paquete camera para mostrar una vista previa de la alimentación de la cámara. </a:t>
+              <a:t>Una vez se tenga la camara que se usará, deberás crear e inicializar un </a:t>
             </a:r>
-            <a:endParaRPr sz="1400">
+            <a:r>
+              <a:rPr i="1" lang="es">
+                <a:solidFill>
+                  <a:srgbClr val="3C63AB"/>
+                </a:solidFill>
+              </a:rPr>
+              <a:t>CameraController</a:t>
+            </a:r>
+            <a:r>
+              <a:rPr lang="es">
+                <a:solidFill>
+                  <a:srgbClr val="3C63AB"/>
+                </a:solidFill>
+              </a:rPr>
+              <a:t>. Este proceso establece una conexión con la cámara del dispositivo que te permite controlar la cámara y mostrar una vista previa de la alimentación de la cámara. Para lograrlo:</a:t>
+            </a:r>
+            <a:endParaRPr>
+              <a:solidFill>
+                <a:srgbClr val="3C63AB"/>
+              </a:solidFill>
+            </a:endParaRPr>
+          </a:p>
+          <a:p>
+            <a:pPr indent="-311150" lvl="0" marL="457200" rtl="0" algn="l">
+              <a:lnSpc>
+                <a:spcPct val="150000"/>
+              </a:lnSpc>
+              <a:spcBef>
+                <a:spcPts val="600"/>
+              </a:spcBef>
+              <a:spcAft>
+                <a:spcPts val="0"/>
+              </a:spcAft>
+              <a:buClr>
+                <a:srgbClr val="3C63AB"/>
+              </a:buClr>
+              <a:buSzPts val="1300"/>
+              <a:buChar char="●"/>
+            </a:pPr>
+            <a:r>
+              <a:rPr lang="es">
+                <a:solidFill>
+                  <a:srgbClr val="3C63AB"/>
+                </a:solidFill>
+              </a:rPr>
+              <a:t>Crear un widget </a:t>
+            </a:r>
+            <a:r>
+              <a:rPr b="1" lang="es">
+                <a:solidFill>
+                  <a:srgbClr val="3C63AB"/>
+                </a:solidFill>
+              </a:rPr>
+              <a:t>con estado</a:t>
+            </a:r>
+            <a:r>
+              <a:rPr lang="es">
+                <a:solidFill>
+                  <a:srgbClr val="3C63AB"/>
+                </a:solidFill>
+              </a:rPr>
+              <a:t> con su respectiva clase de estado.</a:t>
+            </a:r>
+            <a:endParaRPr>
+              <a:solidFill>
+                <a:srgbClr val="3C63AB"/>
+              </a:solidFill>
+            </a:endParaRPr>
+          </a:p>
+          <a:p>
+            <a:pPr indent="-311150" lvl="0" marL="457200" rtl="0" algn="l">
+              <a:lnSpc>
+                <a:spcPct val="150000"/>
+              </a:lnSpc>
+              <a:spcBef>
+                <a:spcPts val="0"/>
+              </a:spcBef>
+              <a:spcAft>
+                <a:spcPts val="0"/>
+              </a:spcAft>
+              <a:buClr>
+                <a:srgbClr val="3C63AB"/>
+              </a:buClr>
+              <a:buSzPts val="1300"/>
+              <a:buChar char="●"/>
+            </a:pPr>
+            <a:r>
+              <a:rPr lang="es">
+                <a:solidFill>
+                  <a:srgbClr val="3C63AB"/>
+                </a:solidFill>
+              </a:rPr>
+              <a:t>Añadir una variable al estado para almacenar el CameraController.</a:t>
+            </a:r>
+            <a:endParaRPr>
               <a:solidFill>
                 <a:srgbClr val="3C63AB"/>
               </a:solidFill>
@@ -22718,7 +22093,7 @@
           <a:p>
             <a:pPr indent="0" lvl="0" marL="0" rtl="0" algn="l">
               <a:lnSpc>
-                <a:spcPct val="150000"/>
+                <a:spcPct val="90000"/>
               </a:lnSpc>
               <a:spcBef>
                 <a:spcPts val="600"/>
@@ -22726,368 +22101,13 @@
               <a:spcAft>
                 <a:spcPts val="0"/>
               </a:spcAft>
-              <a:buNone/>
-            </a:pPr>
-            <a:r>
-              <a:rPr lang="es" sz="1400">
-                <a:solidFill>
-                  <a:srgbClr val="3C63AB"/>
-                </a:solidFill>
-              </a:rPr>
-              <a:t>Recuerda: Debes esperar hasta que el controlador haya terminado de inicializar antes de trabajar con la cámara. Por lo tanto, debes esperar a que el _initializeControllerFuture creado en el paso anterior se complete antes de mostrar una CameraPreview.</a:t>
-            </a:r>
-            <a:endParaRPr sz="1400">
-              <a:solidFill>
-                <a:srgbClr val="3C63AB"/>
-              </a:solidFill>
-            </a:endParaRPr>
-          </a:p>
-          <a:p>
-            <a:pPr indent="0" lvl="0" marL="0" rtl="0" algn="l">
-              <a:lnSpc>
-                <a:spcPct val="150000"/>
-              </a:lnSpc>
-              <a:spcBef>
-                <a:spcPts val="600"/>
-              </a:spcBef>
-              <a:spcAft>
-                <a:spcPts val="0"/>
-              </a:spcAft>
+              <a:buSzPts val="1300"/>
               <a:buNone/>
             </a:pPr>
             <a:r>
               <a:t/>
             </a:r>
-            <a:endParaRPr sz="1400">
-              <a:solidFill>
-                <a:srgbClr val="3C63AB"/>
-              </a:solidFill>
-            </a:endParaRPr>
-          </a:p>
-          <a:p>
-            <a:pPr indent="0" lvl="0" marL="0" rtl="0" algn="l">
-              <a:lnSpc>
-                <a:spcPct val="150000"/>
-              </a:lnSpc>
-              <a:spcBef>
-                <a:spcPts val="600"/>
-              </a:spcBef>
-              <a:spcAft>
-                <a:spcPts val="0"/>
-              </a:spcAft>
-              <a:buNone/>
-            </a:pPr>
-            <a:r>
-              <a:rPr lang="es" sz="1400">
-                <a:solidFill>
-                  <a:srgbClr val="3C63AB"/>
-                </a:solidFill>
-              </a:rPr>
-              <a:t>Puede utilizar un FutureBuilder exactamente para este propósito.</a:t>
-            </a:r>
-            <a:endParaRPr sz="1400">
-              <a:solidFill>
-                <a:srgbClr val="3C63AB"/>
-              </a:solidFill>
-            </a:endParaRPr>
-          </a:p>
-          <a:p>
-            <a:pPr indent="0" lvl="0" marL="0" rtl="0" algn="l">
-              <a:lnSpc>
-                <a:spcPct val="150000"/>
-              </a:lnSpc>
-              <a:spcBef>
-                <a:spcPts val="600"/>
-              </a:spcBef>
-              <a:spcAft>
-                <a:spcPts val="0"/>
-              </a:spcAft>
-              <a:buNone/>
-            </a:pPr>
-            <a:r>
-              <a:t/>
-            </a:r>
-            <a:endParaRPr sz="1400">
-              <a:solidFill>
-                <a:srgbClr val="3C63AB"/>
-              </a:solidFill>
-            </a:endParaRPr>
-          </a:p>
-          <a:p>
-            <a:pPr indent="0" lvl="0" marL="0" rtl="0" algn="l">
-              <a:lnSpc>
-                <a:spcPct val="150000"/>
-              </a:lnSpc>
-              <a:spcBef>
-                <a:spcPts val="600"/>
-              </a:spcBef>
-              <a:spcAft>
-                <a:spcPts val="0"/>
-              </a:spcAft>
-              <a:buNone/>
-            </a:pPr>
-            <a:r>
-              <a:t/>
-            </a:r>
-            <a:endParaRPr sz="1400">
-              <a:solidFill>
-                <a:srgbClr val="3C63AB"/>
-              </a:solidFill>
-            </a:endParaRPr>
-          </a:p>
-          <a:p>
-            <a:pPr indent="0" lvl="0" marL="0" rtl="0" algn="l">
-              <a:lnSpc>
-                <a:spcPct val="150000"/>
-              </a:lnSpc>
-              <a:spcBef>
-                <a:spcPts val="600"/>
-              </a:spcBef>
-              <a:spcAft>
-                <a:spcPts val="0"/>
-              </a:spcAft>
-              <a:buNone/>
-            </a:pPr>
-            <a:r>
-              <a:t/>
-            </a:r>
-            <a:endParaRPr sz="1400">
-              <a:solidFill>
-                <a:srgbClr val="3C63AB"/>
-              </a:solidFill>
-            </a:endParaRPr>
-          </a:p>
-          <a:p>
-            <a:pPr indent="0" lvl="0" marL="457200" rtl="0" algn="l">
-              <a:lnSpc>
-                <a:spcPct val="150000"/>
-              </a:lnSpc>
-              <a:spcBef>
-                <a:spcPts val="600"/>
-              </a:spcBef>
-              <a:spcAft>
-                <a:spcPts val="0"/>
-              </a:spcAft>
-              <a:buNone/>
-            </a:pPr>
-            <a:r>
-              <a:t/>
-            </a:r>
-            <a:endParaRPr sz="1400">
-              <a:solidFill>
-                <a:srgbClr val="3C63AB"/>
-              </a:solidFill>
-            </a:endParaRPr>
-          </a:p>
-          <a:p>
-            <a:pPr indent="0" lvl="0" marL="0" rtl="0" algn="l">
-              <a:lnSpc>
-                <a:spcPct val="150000"/>
-              </a:lnSpc>
-              <a:spcBef>
-                <a:spcPts val="600"/>
-              </a:spcBef>
-              <a:spcAft>
-                <a:spcPts val="0"/>
-              </a:spcAft>
-              <a:buNone/>
-            </a:pPr>
-            <a:r>
-              <a:t/>
-            </a:r>
-            <a:endParaRPr sz="1400">
-              <a:solidFill>
-                <a:srgbClr val="3C63AB"/>
-              </a:solidFill>
-            </a:endParaRPr>
-          </a:p>
-          <a:p>
-            <a:pPr indent="0" lvl="0" marL="0" rtl="0" algn="l">
-              <a:lnSpc>
-                <a:spcPct val="150000"/>
-              </a:lnSpc>
-              <a:spcBef>
-                <a:spcPts val="600"/>
-              </a:spcBef>
-              <a:spcAft>
-                <a:spcPts val="0"/>
-              </a:spcAft>
-              <a:buNone/>
-            </a:pPr>
-            <a:r>
-              <a:t/>
-            </a:r>
-            <a:endParaRPr sz="1400">
-              <a:solidFill>
-                <a:srgbClr val="3C63AB"/>
-              </a:solidFill>
-            </a:endParaRPr>
-          </a:p>
-          <a:p>
-            <a:pPr indent="0" lvl="0" marL="457200" rtl="0" algn="l">
-              <a:lnSpc>
-                <a:spcPct val="90000"/>
-              </a:lnSpc>
-              <a:spcBef>
-                <a:spcPts val="600"/>
-              </a:spcBef>
-              <a:spcAft>
-                <a:spcPts val="0"/>
-              </a:spcAft>
-              <a:buNone/>
-            </a:pPr>
-            <a:r>
-              <a:t/>
-            </a:r>
-            <a:endParaRPr sz="1400">
-              <a:solidFill>
-                <a:srgbClr val="3C63AB"/>
-              </a:solidFill>
-            </a:endParaRPr>
-          </a:p>
-          <a:p>
-            <a:pPr indent="0" lvl="0" marL="0" rtl="0" algn="l">
-              <a:lnSpc>
-                <a:spcPct val="90000"/>
-              </a:lnSpc>
-              <a:spcBef>
-                <a:spcPts val="600"/>
-              </a:spcBef>
-              <a:spcAft>
-                <a:spcPts val="0"/>
-              </a:spcAft>
-              <a:buNone/>
-            </a:pPr>
-            <a:r>
-              <a:t/>
-            </a:r>
-            <a:endParaRPr sz="1400">
-              <a:solidFill>
-                <a:srgbClr val="3C63AB"/>
-              </a:solidFill>
-            </a:endParaRPr>
-          </a:p>
-          <a:p>
-            <a:pPr indent="0" lvl="0" marL="0" rtl="0" algn="l">
-              <a:lnSpc>
-                <a:spcPct val="90000"/>
-              </a:lnSpc>
-              <a:spcBef>
-                <a:spcPts val="600"/>
-              </a:spcBef>
-              <a:spcAft>
-                <a:spcPts val="0"/>
-              </a:spcAft>
-              <a:buSzPts val="1300"/>
-              <a:buNone/>
-            </a:pPr>
-            <a:r>
-              <a:t/>
-            </a:r>
-            <a:endParaRPr sz="1400">
-              <a:solidFill>
-                <a:srgbClr val="3C63AB"/>
-              </a:solidFill>
-            </a:endParaRPr>
-          </a:p>
-          <a:p>
-            <a:pPr indent="0" lvl="0" marL="457200" rtl="0" algn="l">
-              <a:lnSpc>
-                <a:spcPct val="90000"/>
-              </a:lnSpc>
-              <a:spcBef>
-                <a:spcPts val="600"/>
-              </a:spcBef>
-              <a:spcAft>
-                <a:spcPts val="0"/>
-              </a:spcAft>
-              <a:buSzPts val="1300"/>
-              <a:buNone/>
-            </a:pPr>
-            <a:r>
-              <a:t/>
-            </a:r>
-            <a:endParaRPr>
-              <a:solidFill>
-                <a:srgbClr val="3D63AB"/>
-              </a:solidFill>
-            </a:endParaRPr>
-          </a:p>
-          <a:p>
-            <a:pPr indent="0" lvl="0" marL="0" rtl="0" algn="l">
-              <a:lnSpc>
-                <a:spcPct val="90000"/>
-              </a:lnSpc>
-              <a:spcBef>
-                <a:spcPts val="600"/>
-              </a:spcBef>
-              <a:spcAft>
-                <a:spcPts val="0"/>
-              </a:spcAft>
-              <a:buSzPts val="1300"/>
-              <a:buNone/>
-            </a:pPr>
-            <a:r>
-              <a:t/>
-            </a:r>
-            <a:endParaRPr>
-              <a:solidFill>
-                <a:srgbClr val="3D63AB"/>
-              </a:solidFill>
-              <a:latin typeface="Arial"/>
-              <a:ea typeface="Arial"/>
-              <a:cs typeface="Arial"/>
-              <a:sym typeface="Arial"/>
-            </a:endParaRPr>
-          </a:p>
-          <a:p>
-            <a:pPr indent="0" lvl="0" marL="457200" rtl="0" algn="l">
-              <a:lnSpc>
-                <a:spcPct val="90000"/>
-              </a:lnSpc>
-              <a:spcBef>
-                <a:spcPts val="600"/>
-              </a:spcBef>
-              <a:spcAft>
-                <a:spcPts val="0"/>
-              </a:spcAft>
-              <a:buSzPts val="1300"/>
-              <a:buNone/>
-            </a:pPr>
-            <a:r>
-              <a:t/>
-            </a:r>
-            <a:endParaRPr sz="1200">
-              <a:solidFill>
-                <a:srgbClr val="000000"/>
-              </a:solidFill>
-              <a:highlight>
-                <a:srgbClr val="FFFFFF"/>
-              </a:highlight>
-              <a:latin typeface="Arial"/>
-              <a:ea typeface="Arial"/>
-              <a:cs typeface="Arial"/>
-              <a:sym typeface="Arial"/>
-            </a:endParaRPr>
-          </a:p>
-          <a:p>
-            <a:pPr indent="0" lvl="0" marL="0" rtl="0" algn="l">
-              <a:lnSpc>
-                <a:spcPct val="90000"/>
-              </a:lnSpc>
-              <a:spcBef>
-                <a:spcPts val="600"/>
-              </a:spcBef>
-              <a:spcAft>
-                <a:spcPts val="0"/>
-              </a:spcAft>
-              <a:buSzPts val="1300"/>
-              <a:buNone/>
-            </a:pPr>
-            <a:r>
-              <a:t/>
-            </a:r>
-            <a:endParaRPr sz="1200">
+            <a:endParaRPr sz="1100">
               <a:solidFill>
                 <a:srgbClr val="000000"/>
               </a:solidFill>
@@ -23102,6 +22122,34 @@
           </a:p>
         </p:txBody>
       </p:sp>
+      <p:pic>
+        <p:nvPicPr>
+          <p:cNvPr id="197" name="Google Shape;197;gee7056b43e_0_17"/>
+          <p:cNvPicPr preferRelativeResize="0"/>
+          <p:nvPr/>
+        </p:nvPicPr>
+        <p:blipFill>
+          <a:blip r:embed="rId4">
+            <a:alphaModFix/>
+          </a:blip>
+          <a:stretch>
+            <a:fillRect/>
+          </a:stretch>
+        </p:blipFill>
+        <p:spPr>
+          <a:xfrm>
+            <a:off x="3260942" y="3160025"/>
+            <a:ext cx="3239516" cy="618000"/>
+          </a:xfrm>
+          <a:prstGeom prst="rect">
+            <a:avLst/>
+          </a:prstGeom>
+          <a:noFill/>
+          <a:ln>
+            <a:noFill/>
+          </a:ln>
+        </p:spPr>
+      </p:pic>
     </p:spTree>
   </p:cSld>
   <p:clrMapOvr>

--- a/Componentes-teoricos/Slide móvil sesión 15 semana 5.pptx
+++ b/Componentes-teoricos/Slide móvil sesión 15 semana 5.pptx
@@ -1,6 +1,6 @@
 
 <file path=ppt/presentation.xml><?xml version="1.0" encoding="utf-8"?>
-<p:presentation xmlns:a="http://schemas.openxmlformats.org/drawingml/2006/main" xmlns:r="http://schemas.openxmlformats.org/officeDocument/2006/relationships" xmlns:mc="http://schemas.openxmlformats.org/markup-compatibility/2006" xmlns:mv="urn:schemas-microsoft-com:mac:vml" xmlns:p="http://schemas.openxmlformats.org/presentationml/2006/main" xmlns:c="http://schemas.openxmlformats.org/drawingml/2006/chart" xmlns:dgm="http://schemas.openxmlformats.org/drawingml/2006/diagram" xmlns:o="urn:schemas-microsoft-com:office:office" xmlns:v="urn:schemas-microsoft-com:vml" xmlns:pvml="urn:schemas-microsoft-com:office:powerpoint" xmlns:com="http://schemas.openxmlformats.org/drawingml/2006/compatibility" xmlns:p14="http://schemas.microsoft.com/office/powerpoint/2010/main" xmlns:p15="http://schemas.microsoft.com/office/powerpoint/2012/main" xmlns:ahyp="http://schemas.microsoft.com/office/drawing/2018/hyperlinkcolor" autoCompressPictures="0" strictFirstAndLastChars="0" saveSubsetFonts="1">
+<p:presentation xmlns:a="http://schemas.openxmlformats.org/drawingml/2006/main" xmlns:r="http://schemas.openxmlformats.org/officeDocument/2006/relationships" xmlns:mc="http://schemas.openxmlformats.org/markup-compatibility/2006" xmlns:mv="urn:schemas-microsoft-com:mac:vml" xmlns:p="http://schemas.openxmlformats.org/presentationml/2006/main" xmlns:c="http://schemas.openxmlformats.org/drawingml/2006/chart" xmlns:dgm="http://schemas.openxmlformats.org/drawingml/2006/diagram" xmlns:o="urn:schemas-microsoft-com:office:office" xmlns:v="urn:schemas-microsoft-com:vml" xmlns:pvml="urn:schemas-microsoft-com:office:powerpoint" xmlns:com="http://schemas.openxmlformats.org/drawingml/2006/compatibility" xmlns:p14="http://schemas.microsoft.com/office/powerpoint/2010/main" xmlns:p15="http://schemas.microsoft.com/office/powerpoint/2012/main" xmlns:ahyp="http://schemas.microsoft.com/office/drawing/2018/hyperlinkcolor" autoCompressPictures="0" embedTrueTypeFonts="1" strictFirstAndLastChars="0" saveSubsetFonts="1">
   <p:sldMasterIdLst>
     <p:sldMasterId id="2147483648" r:id="rId4"/>
   </p:sldMasterIdLst>
@@ -24,9 +24,19 @@
     <p:sldId id="269" r:id="rId19"/>
     <p:sldId id="270" r:id="rId20"/>
     <p:sldId id="271" r:id="rId21"/>
+    <p:sldId id="272" r:id="rId22"/>
   </p:sldIdLst>
   <p:sldSz cy="5143500" cx="9144000"/>
   <p:notesSz cx="6858000" cy="9144000"/>
+  <p:embeddedFontLst>
+    <p:embeddedFont>
+      <p:font typeface="Roboto"/>
+      <p:regular r:id="rId23"/>
+      <p:bold r:id="rId24"/>
+      <p:italic r:id="rId25"/>
+      <p:boldItalic r:id="rId26"/>
+    </p:embeddedFont>
+  </p:embeddedFontLst>
   <p:defaultTextStyle>
     <a:defPPr lvl="0" marR="0" rtl="0" algn="l">
       <a:lnSpc>
@@ -272,7 +282,7 @@
       </p15:sldGuideLst>
     </p:ext>
     <p:ext uri="http://customooxmlschemas.google.com/">
-      <go:slidesCustomData xmlns:go="http://customooxmlschemas.google.com/" r:id="rId22" roundtripDataSignature="AMtx7mie6dYvwuRrSzYCuLD1Jub+XCiooQ=="/>
+      <go:slidesCustomData xmlns:go="http://customooxmlschemas.google.com/" r:id="rId27" roundtripDataSignature="AMtx7miOrHjK4fAh8zRiKp/8JP0qnknyqA=="/>
     </p:ext>
   </p:extLst>
 </p:presentation>
@@ -1677,7 +1687,124 @@
       </p:grpSpPr>
       <p:sp>
         <p:nvSpPr>
-          <p:cNvPr id="241" name="Google Shape;241;p36:notes"/>
+          <p:cNvPr id="241" name="Google Shape;241;g10056b84b5b_0_0:notes"/>
+          <p:cNvSpPr txBox="1"/>
+          <p:nvPr>
+            <p:ph idx="1" type="body"/>
+          </p:nvPr>
+        </p:nvSpPr>
+        <p:spPr>
+          <a:xfrm>
+            <a:off x="685800" y="4343400"/>
+            <a:ext cx="5486400" cy="4114800"/>
+          </a:xfrm>
+          <a:prstGeom prst="rect">
+            <a:avLst/>
+          </a:prstGeom>
+          <a:noFill/>
+          <a:ln>
+            <a:noFill/>
+          </a:ln>
+        </p:spPr>
+        <p:txBody>
+          <a:bodyPr anchorCtr="0" anchor="t" bIns="91425" lIns="91425" spcFirstLastPara="1" rIns="91425" wrap="square" tIns="91425">
+            <a:noAutofit/>
+          </a:bodyPr>
+          <a:lstStyle/>
+          <a:p>
+            <a:pPr indent="0" lvl="0" marL="0" rtl="0" algn="l">
+              <a:lnSpc>
+                <a:spcPct val="100000"/>
+              </a:lnSpc>
+              <a:spcBef>
+                <a:spcPts val="0"/>
+              </a:spcBef>
+              <a:spcAft>
+                <a:spcPts val="0"/>
+              </a:spcAft>
+              <a:buSzPts val="1100"/>
+              <a:buNone/>
+            </a:pPr>
+            <a:r>
+              <a:t/>
+            </a:r>
+            <a:endParaRPr/>
+          </a:p>
+        </p:txBody>
+      </p:sp>
+      <p:sp>
+        <p:nvSpPr>
+          <p:cNvPr id="242" name="Google Shape;242;g10056b84b5b_0_0:notes"/>
+          <p:cNvSpPr/>
+          <p:nvPr>
+            <p:ph idx="2" type="sldImg"/>
+          </p:nvPr>
+        </p:nvSpPr>
+        <p:spPr>
+          <a:xfrm>
+            <a:off x="381000" y="685800"/>
+            <a:ext cx="6096000" cy="3429000"/>
+          </a:xfrm>
+          <a:custGeom>
+            <a:rect b="b" l="l" r="r" t="t"/>
+            <a:pathLst>
+              <a:path extrusionOk="0" h="120000" w="120000">
+                <a:moveTo>
+                  <a:pt x="0" y="0"/>
+                </a:moveTo>
+                <a:lnTo>
+                  <a:pt x="120000" y="0"/>
+                </a:lnTo>
+                <a:lnTo>
+                  <a:pt x="120000" y="120000"/>
+                </a:lnTo>
+                <a:lnTo>
+                  <a:pt x="0" y="120000"/>
+                </a:lnTo>
+                <a:close/>
+              </a:path>
+            </a:pathLst>
+          </a:custGeom>
+          <a:noFill/>
+          <a:ln cap="flat" cmpd="sng" w="9525">
+            <a:solidFill>
+              <a:srgbClr val="000000"/>
+            </a:solidFill>
+            <a:prstDash val="solid"/>
+            <a:round/>
+            <a:headEnd len="sm" w="sm" type="none"/>
+            <a:tailEnd len="sm" w="sm" type="none"/>
+          </a:ln>
+        </p:spPr>
+      </p:sp>
+    </p:spTree>
+  </p:cSld>
+  <p:clrMapOvr>
+    <a:masterClrMapping/>
+  </p:clrMapOvr>
+</p:notes>
+</file>
+
+<file path=ppt/notesSlides/notesSlide17.xml><?xml version="1.0" encoding="utf-8"?>
+<p:notes xmlns:a="http://schemas.openxmlformats.org/drawingml/2006/main" xmlns:r="http://schemas.openxmlformats.org/officeDocument/2006/relationships" xmlns:mc="http://schemas.openxmlformats.org/markup-compatibility/2006" xmlns:mv="urn:schemas-microsoft-com:mac:vml" xmlns:p="http://schemas.openxmlformats.org/presentationml/2006/main" xmlns:c="http://schemas.openxmlformats.org/drawingml/2006/chart" xmlns:dgm="http://schemas.openxmlformats.org/drawingml/2006/diagram" xmlns:o="urn:schemas-microsoft-com:office:office" xmlns:v="urn:schemas-microsoft-com:vml" xmlns:pvml="urn:schemas-microsoft-com:office:powerpoint" xmlns:com="http://schemas.openxmlformats.org/drawingml/2006/compatibility" xmlns:p14="http://schemas.microsoft.com/office/powerpoint/2010/main" xmlns:p15="http://schemas.microsoft.com/office/powerpoint/2012/main" xmlns:ahyp="http://schemas.microsoft.com/office/drawing/2018/hyperlinkcolor" showMasterPhAnim="0" showMasterSp="0">
+  <p:cSld>
+    <p:spTree>
+      <p:nvGrpSpPr>
+        <p:cNvPr id="247" name="Shape 247"/>
+        <p:cNvGrpSpPr/>
+        <p:nvPr/>
+      </p:nvGrpSpPr>
+      <p:grpSpPr>
+        <a:xfrm>
+          <a:off x="0" y="0"/>
+          <a:ext cx="0" cy="0"/>
+          <a:chOff x="0" y="0"/>
+          <a:chExt cx="0" cy="0"/>
+        </a:xfrm>
+      </p:grpSpPr>
+      <p:sp>
+        <p:nvSpPr>
+          <p:cNvPr id="248" name="Google Shape;248;p36:notes"/>
           <p:cNvSpPr txBox="1"/>
           <p:nvPr>
             <p:ph idx="1" type="body"/>
@@ -1724,7 +1851,7 @@
       </p:sp>
       <p:sp>
         <p:nvSpPr>
-          <p:cNvPr id="242" name="Google Shape;242;p36:notes"/>
+          <p:cNvPr id="249" name="Google Shape;249;p36:notes"/>
           <p:cNvSpPr/>
           <p:nvPr>
             <p:ph idx="2" type="sldImg"/>
@@ -19436,8 +19563,20 @@
 </file>
 
 <file path=ppt/slides/slide16.xml><?xml version="1.0" encoding="utf-8"?>
-<p:sld xmlns:a="http://schemas.openxmlformats.org/drawingml/2006/main" xmlns:r="http://schemas.openxmlformats.org/officeDocument/2006/relationships" xmlns:mc="http://schemas.openxmlformats.org/markup-compatibility/2006" xmlns:mv="urn:schemas-microsoft-com:mac:vml" xmlns:p="http://schemas.openxmlformats.org/presentationml/2006/main" xmlns:c="http://schemas.openxmlformats.org/drawingml/2006/chart" xmlns:dgm="http://schemas.openxmlformats.org/drawingml/2006/diagram" xmlns:o="urn:schemas-microsoft-com:office:office" xmlns:v="urn:schemas-microsoft-com:vml" xmlns:pvml="urn:schemas-microsoft-com:office:powerpoint" xmlns:com="http://schemas.openxmlformats.org/drawingml/2006/compatibility" xmlns:p14="http://schemas.microsoft.com/office/powerpoint/2010/main" xmlns:p15="http://schemas.microsoft.com/office/powerpoint/2012/main" xmlns:ahyp="http://schemas.microsoft.com/office/drawing/2018/hyperlinkcolor">
+<p:sld xmlns:a="http://schemas.openxmlformats.org/drawingml/2006/main" xmlns:r="http://schemas.openxmlformats.org/officeDocument/2006/relationships" xmlns:mc="http://schemas.openxmlformats.org/markup-compatibility/2006" xmlns:mv="urn:schemas-microsoft-com:mac:vml" xmlns:p="http://schemas.openxmlformats.org/presentationml/2006/main" xmlns:c="http://schemas.openxmlformats.org/drawingml/2006/chart" xmlns:dgm="http://schemas.openxmlformats.org/drawingml/2006/diagram" xmlns:o="urn:schemas-microsoft-com:office:office" xmlns:v="urn:schemas-microsoft-com:vml" xmlns:pvml="urn:schemas-microsoft-com:office:powerpoint" xmlns:com="http://schemas.openxmlformats.org/drawingml/2006/compatibility" xmlns:p14="http://schemas.microsoft.com/office/powerpoint/2010/main" xmlns:p15="http://schemas.microsoft.com/office/powerpoint/2012/main" xmlns:ahyp="http://schemas.microsoft.com/office/drawing/2018/hyperlinkcolor" showMasterSp="0">
   <p:cSld>
+    <p:bg>
+      <p:bgPr>
+        <a:blipFill>
+          <a:blip r:embed="rId3">
+            <a:alphaModFix/>
+          </a:blip>
+          <a:stretch>
+            <a:fillRect/>
+          </a:stretch>
+        </a:blipFill>
+      </p:bgPr>
+    </p:bg>
     <p:spTree>
       <p:nvGrpSpPr>
         <p:cNvPr id="243" name="Shape 243"/>
@@ -19452,9 +19591,313 @@
           <a:chExt cx="0" cy="0"/>
         </a:xfrm>
       </p:grpSpPr>
+      <p:sp>
+        <p:nvSpPr>
+          <p:cNvPr id="244" name="Google Shape;244;g10056b84b5b_0_0"/>
+          <p:cNvSpPr txBox="1"/>
+          <p:nvPr/>
+        </p:nvSpPr>
+        <p:spPr>
+          <a:xfrm>
+            <a:off x="800110" y="884052"/>
+            <a:ext cx="7543800" cy="1088100"/>
+          </a:xfrm>
+          <a:prstGeom prst="rect">
+            <a:avLst/>
+          </a:prstGeom>
+          <a:noFill/>
+          <a:ln>
+            <a:noFill/>
+          </a:ln>
+        </p:spPr>
+        <p:txBody>
+          <a:bodyPr anchorCtr="0" anchor="b" bIns="34275" lIns="68575" spcFirstLastPara="1" rIns="68575" wrap="square" tIns="34275">
+            <a:noAutofit/>
+          </a:bodyPr>
+          <a:lstStyle/>
+          <a:p>
+            <a:pPr indent="0" lvl="0" marL="0" rtl="0" algn="l">
+              <a:lnSpc>
+                <a:spcPct val="85000"/>
+              </a:lnSpc>
+              <a:spcBef>
+                <a:spcPts val="0"/>
+              </a:spcBef>
+              <a:spcAft>
+                <a:spcPts val="0"/>
+              </a:spcAft>
+              <a:buNone/>
+            </a:pPr>
+            <a:r>
+              <a:rPr b="1" lang="es" sz="3000">
+                <a:solidFill>
+                  <a:srgbClr val="E72E5F"/>
+                </a:solidFill>
+              </a:rPr>
+              <a:t>Seguimiento</a:t>
+            </a:r>
+            <a:r>
+              <a:rPr b="1" lang="es" sz="3000">
+                <a:solidFill>
+                  <a:srgbClr val="375FA9"/>
+                </a:solidFill>
+              </a:rPr>
+              <a:t> Habilidades</a:t>
+            </a:r>
+            <a:endParaRPr b="1" sz="3000">
+              <a:solidFill>
+                <a:srgbClr val="375FA9"/>
+              </a:solidFill>
+            </a:endParaRPr>
+          </a:p>
+          <a:p>
+            <a:pPr indent="0" lvl="0" marL="0" rtl="0" algn="l">
+              <a:lnSpc>
+                <a:spcPct val="85000"/>
+              </a:lnSpc>
+              <a:spcBef>
+                <a:spcPts val="0"/>
+              </a:spcBef>
+              <a:spcAft>
+                <a:spcPts val="0"/>
+              </a:spcAft>
+              <a:buNone/>
+            </a:pPr>
+            <a:r>
+              <a:rPr b="1" lang="es" sz="3000">
+                <a:solidFill>
+                  <a:srgbClr val="375FA9"/>
+                </a:solidFill>
+              </a:rPr>
+              <a:t>Digitales en Programación</a:t>
+            </a:r>
+            <a:endParaRPr b="1" sz="3200">
+              <a:solidFill>
+                <a:srgbClr val="E73263"/>
+              </a:solidFill>
+            </a:endParaRPr>
+          </a:p>
+        </p:txBody>
+      </p:sp>
+      <p:sp>
+        <p:nvSpPr>
+          <p:cNvPr id="245" name="Google Shape;245;g10056b84b5b_0_0"/>
+          <p:cNvSpPr txBox="1"/>
+          <p:nvPr/>
+        </p:nvSpPr>
+        <p:spPr>
+          <a:xfrm>
+            <a:off x="931725" y="3925975"/>
+            <a:ext cx="6261600" cy="1088100"/>
+          </a:xfrm>
+          <a:prstGeom prst="rect">
+            <a:avLst/>
+          </a:prstGeom>
+          <a:noFill/>
+          <a:ln>
+            <a:noFill/>
+          </a:ln>
+        </p:spPr>
+        <p:txBody>
+          <a:bodyPr anchorCtr="0" anchor="t" bIns="34275" lIns="0" spcFirstLastPara="1" rIns="0" wrap="square" tIns="34275">
+            <a:noAutofit/>
+          </a:bodyPr>
+          <a:lstStyle/>
+          <a:p>
+            <a:pPr indent="0" lvl="0" marL="0" rtl="0" algn="ctr">
+              <a:lnSpc>
+                <a:spcPct val="85000"/>
+              </a:lnSpc>
+              <a:spcBef>
+                <a:spcPts val="0"/>
+              </a:spcBef>
+              <a:spcAft>
+                <a:spcPts val="0"/>
+              </a:spcAft>
+              <a:buNone/>
+            </a:pPr>
+            <a:r>
+              <a:rPr b="1" lang="es" sz="1200">
+                <a:solidFill>
+                  <a:srgbClr val="375FA9"/>
+                </a:solidFill>
+              </a:rPr>
+              <a:t>Completa la siguiente encuesta para darnos retroalimentación sobre esta semana</a:t>
+            </a:r>
+            <a:r>
+              <a:rPr b="1" lang="es">
+                <a:solidFill>
+                  <a:srgbClr val="375FA9"/>
+                </a:solidFill>
+              </a:rPr>
+              <a:t> </a:t>
+            </a:r>
+            <a:r>
+              <a:rPr b="1" lang="es">
+                <a:solidFill>
+                  <a:srgbClr val="375FA9"/>
+                </a:solidFill>
+                <a:latin typeface="Times New Roman"/>
+                <a:ea typeface="Times New Roman"/>
+                <a:cs typeface="Times New Roman"/>
+                <a:sym typeface="Times New Roman"/>
+              </a:rPr>
+              <a:t>▼▼▼</a:t>
+            </a:r>
+            <a:endParaRPr b="1">
+              <a:solidFill>
+                <a:srgbClr val="375FA9"/>
+              </a:solidFill>
+              <a:latin typeface="Times New Roman"/>
+              <a:ea typeface="Times New Roman"/>
+              <a:cs typeface="Times New Roman"/>
+              <a:sym typeface="Times New Roman"/>
+            </a:endParaRPr>
+          </a:p>
+          <a:p>
+            <a:pPr indent="0" lvl="0" marL="0" rtl="0" algn="ctr">
+              <a:lnSpc>
+                <a:spcPct val="85000"/>
+              </a:lnSpc>
+              <a:spcBef>
+                <a:spcPts val="0"/>
+              </a:spcBef>
+              <a:spcAft>
+                <a:spcPts val="0"/>
+              </a:spcAft>
+              <a:buNone/>
+            </a:pPr>
+            <a:r>
+              <a:rPr b="1" lang="es" sz="1500" u="sng">
+                <a:solidFill>
+                  <a:srgbClr val="E73263"/>
+                </a:solidFill>
+                <a:hlinkClick r:id="rId4">
+                  <a:extLst>
+                    <a:ext uri="{A12FA001-AC4F-418D-AE19-62706E023703}">
+                      <ahyp:hlinkClr val="tx"/>
+                    </a:ext>
+                  </a:extLst>
+                </a:hlinkClick>
+              </a:rPr>
+              <a:t>https://www.questionpro.com/t/ALw8TZlxOJ</a:t>
+            </a:r>
+            <a:endParaRPr b="1" sz="1500" u="sng">
+              <a:solidFill>
+                <a:srgbClr val="E73263"/>
+              </a:solidFill>
+            </a:endParaRPr>
+          </a:p>
+          <a:p>
+            <a:pPr indent="0" lvl="0" marL="0" rtl="0" algn="just">
+              <a:lnSpc>
+                <a:spcPct val="90000"/>
+              </a:lnSpc>
+              <a:spcBef>
+                <a:spcPts val="900"/>
+              </a:spcBef>
+              <a:spcAft>
+                <a:spcPts val="0"/>
+              </a:spcAft>
+              <a:buNone/>
+            </a:pPr>
+            <a:r>
+              <a:t/>
+            </a:r>
+            <a:endParaRPr sz="1000">
+              <a:solidFill>
+                <a:srgbClr val="375FA9"/>
+              </a:solidFill>
+              <a:latin typeface="Roboto"/>
+              <a:ea typeface="Roboto"/>
+              <a:cs typeface="Roboto"/>
+              <a:sym typeface="Roboto"/>
+            </a:endParaRPr>
+          </a:p>
+          <a:p>
+            <a:pPr indent="0" lvl="0" marL="0" rtl="0" algn="just">
+              <a:lnSpc>
+                <a:spcPct val="90000"/>
+              </a:lnSpc>
+              <a:spcBef>
+                <a:spcPts val="900"/>
+              </a:spcBef>
+              <a:spcAft>
+                <a:spcPts val="0"/>
+              </a:spcAft>
+              <a:buNone/>
+            </a:pPr>
+            <a:r>
+              <a:t/>
+            </a:r>
+            <a:endParaRPr sz="1000">
+              <a:solidFill>
+                <a:srgbClr val="375FA9"/>
+              </a:solidFill>
+              <a:latin typeface="Roboto"/>
+              <a:ea typeface="Roboto"/>
+              <a:cs typeface="Roboto"/>
+              <a:sym typeface="Roboto"/>
+            </a:endParaRPr>
+          </a:p>
+        </p:txBody>
+      </p:sp>
       <p:pic>
         <p:nvPicPr>
-          <p:cNvPr id="244" name="Google Shape;244;p36"/>
+          <p:cNvPr id="246" name="Google Shape;246;g10056b84b5b_0_0"/>
+          <p:cNvPicPr preferRelativeResize="0"/>
+          <p:nvPr/>
+        </p:nvPicPr>
+        <p:blipFill>
+          <a:blip r:embed="rId5">
+            <a:alphaModFix/>
+          </a:blip>
+          <a:stretch>
+            <a:fillRect/>
+          </a:stretch>
+        </p:blipFill>
+        <p:spPr>
+          <a:xfrm>
+            <a:off x="998013" y="1928075"/>
+            <a:ext cx="6129025" cy="1939125"/>
+          </a:xfrm>
+          <a:prstGeom prst="rect">
+            <a:avLst/>
+          </a:prstGeom>
+          <a:noFill/>
+          <a:ln>
+            <a:noFill/>
+          </a:ln>
+        </p:spPr>
+      </p:pic>
+    </p:spTree>
+  </p:cSld>
+  <p:clrMapOvr>
+    <a:masterClrMapping/>
+  </p:clrMapOvr>
+</p:sld>
+</file>
+
+<file path=ppt/slides/slide17.xml><?xml version="1.0" encoding="utf-8"?>
+<p:sld xmlns:a="http://schemas.openxmlformats.org/drawingml/2006/main" xmlns:r="http://schemas.openxmlformats.org/officeDocument/2006/relationships" xmlns:mc="http://schemas.openxmlformats.org/markup-compatibility/2006" xmlns:mv="urn:schemas-microsoft-com:mac:vml" xmlns:p="http://schemas.openxmlformats.org/presentationml/2006/main" xmlns:c="http://schemas.openxmlformats.org/drawingml/2006/chart" xmlns:dgm="http://schemas.openxmlformats.org/drawingml/2006/diagram" xmlns:o="urn:schemas-microsoft-com:office:office" xmlns:v="urn:schemas-microsoft-com:vml" xmlns:pvml="urn:schemas-microsoft-com:office:powerpoint" xmlns:com="http://schemas.openxmlformats.org/drawingml/2006/compatibility" xmlns:p14="http://schemas.microsoft.com/office/powerpoint/2010/main" xmlns:p15="http://schemas.microsoft.com/office/powerpoint/2012/main" xmlns:ahyp="http://schemas.microsoft.com/office/drawing/2018/hyperlinkcolor">
+  <p:cSld>
+    <p:spTree>
+      <p:nvGrpSpPr>
+        <p:cNvPr id="250" name="Shape 250"/>
+        <p:cNvGrpSpPr/>
+        <p:nvPr/>
+      </p:nvGrpSpPr>
+      <p:grpSpPr>
+        <a:xfrm>
+          <a:off x="0" y="0"/>
+          <a:ext cx="0" cy="0"/>
+          <a:chOff x="0" y="0"/>
+          <a:chExt cx="0" cy="0"/>
+        </a:xfrm>
+      </p:grpSpPr>
+      <p:pic>
+        <p:nvPicPr>
+          <p:cNvPr id="251" name="Google Shape;251;p36"/>
           <p:cNvPicPr preferRelativeResize="0"/>
           <p:nvPr/>
         </p:nvPicPr>
